--- a/PPT_Files/Cameron_PartB_Slides.pptx
+++ b/PPT_Files/Cameron_PartB_Slides.pptx
@@ -12,24 +12,27 @@
     <p:sldId id="279" r:id="rId6"/>
     <p:sldId id="272" r:id="rId7"/>
     <p:sldId id="290" r:id="rId8"/>
-    <p:sldId id="277" r:id="rId9"/>
-    <p:sldId id="275" r:id="rId10"/>
-    <p:sldId id="288" r:id="rId11"/>
-    <p:sldId id="263" r:id="rId12"/>
-    <p:sldId id="266" r:id="rId13"/>
-    <p:sldId id="271" r:id="rId14"/>
-    <p:sldId id="282" r:id="rId15"/>
-    <p:sldId id="286" r:id="rId16"/>
-    <p:sldId id="291" r:id="rId17"/>
-    <p:sldId id="294" r:id="rId18"/>
-    <p:sldId id="295" r:id="rId19"/>
-    <p:sldId id="281" r:id="rId20"/>
-    <p:sldId id="283" r:id="rId21"/>
-    <p:sldId id="264" r:id="rId22"/>
-    <p:sldId id="262" r:id="rId23"/>
-    <p:sldId id="278" r:id="rId24"/>
-    <p:sldId id="268" r:id="rId25"/>
-    <p:sldId id="273" r:id="rId26"/>
+    <p:sldId id="288" r:id="rId9"/>
+    <p:sldId id="263" r:id="rId10"/>
+    <p:sldId id="266" r:id="rId11"/>
+    <p:sldId id="271" r:id="rId12"/>
+    <p:sldId id="282" r:id="rId13"/>
+    <p:sldId id="286" r:id="rId14"/>
+    <p:sldId id="291" r:id="rId15"/>
+    <p:sldId id="294" r:id="rId16"/>
+    <p:sldId id="295" r:id="rId17"/>
+    <p:sldId id="281" r:id="rId18"/>
+    <p:sldId id="300" r:id="rId19"/>
+    <p:sldId id="297" r:id="rId20"/>
+    <p:sldId id="301" r:id="rId21"/>
+    <p:sldId id="283" r:id="rId22"/>
+    <p:sldId id="296" r:id="rId23"/>
+    <p:sldId id="298" r:id="rId24"/>
+    <p:sldId id="299" r:id="rId25"/>
+    <p:sldId id="302" r:id="rId26"/>
+    <p:sldId id="268" r:id="rId27"/>
+    <p:sldId id="303" r:id="rId28"/>
+    <p:sldId id="304" r:id="rId29"/>
   </p:sldIdLst>
   <p:sldSz cx="12192000" cy="6858000"/>
   <p:notesSz cx="6858000" cy="9144000"/>
@@ -3533,8 +3536,8 @@
         </p:nvSpPr>
         <p:spPr>
           <a:xfrm>
-            <a:off x="2711668" y="1996964"/>
-            <a:ext cx="6085489" cy="1534511"/>
+            <a:off x="0" y="-1"/>
+            <a:ext cx="9043988" cy="1194955"/>
           </a:xfrm>
         </p:spPr>
         <p:txBody>
@@ -3543,18 +3546,142 @@
           </a:bodyPr>
           <a:lstStyle/>
           <a:p>
-            <a:pPr algn="ctr"/>
-            <a:r>
-              <a:rPr lang="en-US" dirty="0"/>
-              <a:t>ARIMA Models</a:t>
-            </a:r>
-          </a:p>
-        </p:txBody>
-      </p:sp>
+            <a:r>
+              <a:rPr lang="en-US" dirty="0"/>
+              <a:t>Model 2 - Differencing Model</a:t>
+            </a:r>
+          </a:p>
+        </p:txBody>
+      </p:sp>
+      <p:sp>
+        <p:nvSpPr>
+          <p:cNvPr id="8" name="TextBox 7">
+            <a:extLst>
+              <a:ext uri="{FF2B5EF4-FFF2-40B4-BE49-F238E27FC236}">
+                <a16:creationId xmlns:a16="http://schemas.microsoft.com/office/drawing/2014/main" id="{F3C39332-A0FC-E744-AED3-49CF40294CC1}"/>
+              </a:ext>
+            </a:extLst>
+          </p:cNvPr>
+          <p:cNvSpPr txBox="1"/>
+          <p:nvPr/>
+        </p:nvSpPr>
+        <p:spPr>
+          <a:xfrm>
+            <a:off x="1453980" y="2428006"/>
+            <a:ext cx="2193229" cy="369332"/>
+          </a:xfrm>
+          <a:prstGeom prst="rect">
+            <a:avLst/>
+          </a:prstGeom>
+          <a:noFill/>
+        </p:spPr>
+        <p:txBody>
+          <a:bodyPr wrap="none" rtlCol="0">
+            <a:spAutoFit/>
+          </a:bodyPr>
+          <a:lstStyle/>
+          <a:p>
+            <a:r>
+              <a:rPr lang="en-US" dirty="0"/>
+              <a:t>Remove (1-B) term</a:t>
+            </a:r>
+          </a:p>
+        </p:txBody>
+      </p:sp>
+      <p:pic>
+        <p:nvPicPr>
+          <p:cNvPr id="3" name="Picture 2">
+            <a:extLst>
+              <a:ext uri="{FF2B5EF4-FFF2-40B4-BE49-F238E27FC236}">
+                <a16:creationId xmlns:a16="http://schemas.microsoft.com/office/drawing/2014/main" id="{FD9ADCD6-5178-774A-82D6-D70F040416C7}"/>
+              </a:ext>
+            </a:extLst>
+          </p:cNvPr>
+          <p:cNvPicPr>
+            <a:picLocks noChangeAspect="1"/>
+          </p:cNvPicPr>
+          <p:nvPr/>
+        </p:nvPicPr>
+        <p:blipFill>
+          <a:blip r:embed="rId2"/>
+          <a:stretch>
+            <a:fillRect/>
+          </a:stretch>
+        </p:blipFill>
+        <p:spPr>
+          <a:xfrm>
+            <a:off x="4042064" y="1447368"/>
+            <a:ext cx="7200899" cy="2471086"/>
+          </a:xfrm>
+          <a:prstGeom prst="rect">
+            <a:avLst/>
+          </a:prstGeom>
+        </p:spPr>
+      </p:pic>
+      <p:pic>
+        <p:nvPicPr>
+          <p:cNvPr id="4" name="Picture 3">
+            <a:extLst>
+              <a:ext uri="{FF2B5EF4-FFF2-40B4-BE49-F238E27FC236}">
+                <a16:creationId xmlns:a16="http://schemas.microsoft.com/office/drawing/2014/main" id="{A8094909-3666-A84B-B1B2-1901D84AFFDF}"/>
+              </a:ext>
+            </a:extLst>
+          </p:cNvPr>
+          <p:cNvPicPr>
+            <a:picLocks noChangeAspect="1"/>
+          </p:cNvPicPr>
+          <p:nvPr/>
+        </p:nvPicPr>
+        <p:blipFill>
+          <a:blip r:embed="rId3"/>
+          <a:stretch>
+            <a:fillRect/>
+          </a:stretch>
+        </p:blipFill>
+        <p:spPr>
+          <a:xfrm>
+            <a:off x="114300" y="4030391"/>
+            <a:ext cx="3532909" cy="2035517"/>
+          </a:xfrm>
+          <a:prstGeom prst="rect">
+            <a:avLst/>
+          </a:prstGeom>
+        </p:spPr>
+      </p:pic>
+      <p:pic>
+        <p:nvPicPr>
+          <p:cNvPr id="6" name="Picture 5">
+            <a:extLst>
+              <a:ext uri="{FF2B5EF4-FFF2-40B4-BE49-F238E27FC236}">
+                <a16:creationId xmlns:a16="http://schemas.microsoft.com/office/drawing/2014/main" id="{CCCFB804-9A03-7F43-95BD-6BC2A7671C66}"/>
+              </a:ext>
+            </a:extLst>
+          </p:cNvPr>
+          <p:cNvPicPr>
+            <a:picLocks noChangeAspect="1"/>
+          </p:cNvPicPr>
+          <p:nvPr/>
+        </p:nvPicPr>
+        <p:blipFill>
+          <a:blip r:embed="rId4"/>
+          <a:stretch>
+            <a:fillRect/>
+          </a:stretch>
+        </p:blipFill>
+        <p:spPr>
+          <a:xfrm>
+            <a:off x="4042063" y="3918454"/>
+            <a:ext cx="7200900" cy="2503400"/>
+          </a:xfrm>
+          <a:prstGeom prst="rect">
+            <a:avLst/>
+          </a:prstGeom>
+        </p:spPr>
+      </p:pic>
     </p:spTree>
     <p:extLst>
       <p:ext uri="{BB962C8B-B14F-4D97-AF65-F5344CB8AC3E}">
-        <p14:creationId xmlns:p14="http://schemas.microsoft.com/office/powerpoint/2010/main" val="2206707709"/>
+        <p14:creationId xmlns:p14="http://schemas.microsoft.com/office/powerpoint/2010/main" val="2964750471"/>
       </p:ext>
     </p:extLst>
   </p:cSld>
@@ -3600,7 +3727,7 @@
         <p:spPr>
           <a:xfrm>
             <a:off x="0" y="-1"/>
-            <a:ext cx="9043988" cy="1194955"/>
+            <a:ext cx="10972800" cy="1194955"/>
           </a:xfrm>
         </p:spPr>
         <p:txBody>
@@ -3611,17 +3738,17 @@
           <a:p>
             <a:r>
               <a:rPr lang="en-US" dirty="0"/>
-              <a:t>Model 1 - Seasonal Model</a:t>
-            </a:r>
-          </a:p>
-        </p:txBody>
-      </p:sp>
-      <p:sp>
-        <p:nvSpPr>
-          <p:cNvPr id="8" name="TextBox 7">
-            <a:extLst>
-              <a:ext uri="{FF2B5EF4-FFF2-40B4-BE49-F238E27FC236}">
-                <a16:creationId xmlns:a16="http://schemas.microsoft.com/office/drawing/2014/main" id="{F3C39332-A0FC-E744-AED3-49CF40294CC1}"/>
+              <a:t>Rolling Window RMSE Comparison</a:t>
+            </a:r>
+          </a:p>
+        </p:txBody>
+      </p:sp>
+      <p:sp>
+        <p:nvSpPr>
+          <p:cNvPr id="12" name="TextBox 11">
+            <a:extLst>
+              <a:ext uri="{FF2B5EF4-FFF2-40B4-BE49-F238E27FC236}">
+                <a16:creationId xmlns:a16="http://schemas.microsoft.com/office/drawing/2014/main" id="{AFC3E635-80A0-064C-9EAE-3F04979C7F92}"/>
               </a:ext>
             </a:extLst>
           </p:cNvPr>
@@ -3630,8 +3757,8 @@
         </p:nvSpPr>
         <p:spPr>
           <a:xfrm>
-            <a:off x="489916" y="2372038"/>
-            <a:ext cx="3381054" cy="369332"/>
+            <a:off x="146286" y="4903276"/>
+            <a:ext cx="4204997" cy="1477328"/>
           </a:xfrm>
           <a:prstGeom prst="rect">
             <a:avLst/>
@@ -3644,19 +3771,63 @@
           </a:bodyPr>
           <a:lstStyle/>
           <a:p>
-            <a:r>
-              <a:rPr lang="en-US" dirty="0"/>
-              <a:t>Remove Seasonality of 7 Days</a:t>
+            <a:pPr marL="285750" indent="-285750">
+              <a:buFont typeface="Arial" panose="020B0604020202020204" pitchFamily="34" charset="0"/>
+              <a:buChar char="•"/>
+            </a:pPr>
+            <a:r>
+              <a:rPr lang="en-US" dirty="0"/>
+              <a:t>Rolling Window RMSE:</a:t>
+            </a:r>
+          </a:p>
+          <a:p>
+            <a:pPr marL="742950" lvl="1" indent="-285750">
+              <a:buFont typeface="Arial" panose="020B0604020202020204" pitchFamily="34" charset="0"/>
+              <a:buChar char="•"/>
+            </a:pPr>
+            <a:r>
+              <a:rPr lang="en-US" dirty="0"/>
+              <a:t>Short Term Forecast – 7 Days</a:t>
+            </a:r>
+          </a:p>
+          <a:p>
+            <a:pPr marL="1200150" lvl="2" indent="-285750">
+              <a:buFont typeface="Arial" panose="020B0604020202020204" pitchFamily="34" charset="0"/>
+              <a:buChar char="•"/>
+            </a:pPr>
+            <a:r>
+              <a:rPr lang="en-US" dirty="0"/>
+              <a:t>3457 Cases</a:t>
+            </a:r>
+          </a:p>
+          <a:p>
+            <a:pPr marL="742950" lvl="1" indent="-285750">
+              <a:buFont typeface="Arial" panose="020B0604020202020204" pitchFamily="34" charset="0"/>
+              <a:buChar char="•"/>
+            </a:pPr>
+            <a:r>
+              <a:rPr lang="en-US" dirty="0"/>
+              <a:t>Long Term Forecast – 21 Days</a:t>
+            </a:r>
+          </a:p>
+          <a:p>
+            <a:pPr marL="1200150" lvl="2" indent="-285750">
+              <a:buFont typeface="Arial" panose="020B0604020202020204" pitchFamily="34" charset="0"/>
+              <a:buChar char="•"/>
+            </a:pPr>
+            <a:r>
+              <a:rPr lang="en-US" dirty="0"/>
+              <a:t>4271 Cases</a:t>
             </a:r>
           </a:p>
         </p:txBody>
       </p:sp>
       <p:pic>
         <p:nvPicPr>
-          <p:cNvPr id="9" name="Picture 8">
-            <a:extLst>
-              <a:ext uri="{FF2B5EF4-FFF2-40B4-BE49-F238E27FC236}">
-                <a16:creationId xmlns:a16="http://schemas.microsoft.com/office/drawing/2014/main" id="{B95ECBC1-90F0-9342-AC98-543CCED592DB}"/>
+          <p:cNvPr id="10" name="Picture 9">
+            <a:extLst>
+              <a:ext uri="{FF2B5EF4-FFF2-40B4-BE49-F238E27FC236}">
+                <a16:creationId xmlns:a16="http://schemas.microsoft.com/office/drawing/2014/main" id="{2F8C5FBA-EDEE-BB45-AE9D-9CEF4062E6F2}"/>
               </a:ext>
             </a:extLst>
           </p:cNvPr>
@@ -3673,20 +3844,99 @@
         </p:blipFill>
         <p:spPr>
           <a:xfrm>
-            <a:off x="4042066" y="1308161"/>
-            <a:ext cx="7200899" cy="2497086"/>
+            <a:off x="146286" y="1824979"/>
+            <a:ext cx="4351283" cy="2994810"/>
           </a:xfrm>
           <a:prstGeom prst="rect">
             <a:avLst/>
           </a:prstGeom>
         </p:spPr>
       </p:pic>
+      <p:sp>
+        <p:nvSpPr>
+          <p:cNvPr id="5" name="TextBox 4">
+            <a:extLst>
+              <a:ext uri="{FF2B5EF4-FFF2-40B4-BE49-F238E27FC236}">
+                <a16:creationId xmlns:a16="http://schemas.microsoft.com/office/drawing/2014/main" id="{3A1AAFDC-F86A-C849-983C-F8DFB9830F38}"/>
+              </a:ext>
+            </a:extLst>
+          </p:cNvPr>
+          <p:cNvSpPr txBox="1"/>
+          <p:nvPr/>
+        </p:nvSpPr>
+        <p:spPr>
+          <a:xfrm>
+            <a:off x="5719211" y="4903276"/>
+            <a:ext cx="4204997" cy="1477328"/>
+          </a:xfrm>
+          <a:prstGeom prst="rect">
+            <a:avLst/>
+          </a:prstGeom>
+          <a:noFill/>
+        </p:spPr>
+        <p:txBody>
+          <a:bodyPr wrap="none" rtlCol="0">
+            <a:spAutoFit/>
+          </a:bodyPr>
+          <a:lstStyle/>
+          <a:p>
+            <a:pPr marL="285750" indent="-285750">
+              <a:buFont typeface="Arial" panose="020B0604020202020204" pitchFamily="34" charset="0"/>
+              <a:buChar char="•"/>
+            </a:pPr>
+            <a:r>
+              <a:rPr lang="en-US" dirty="0"/>
+              <a:t>Rolling Window RMSE:</a:t>
+            </a:r>
+          </a:p>
+          <a:p>
+            <a:pPr marL="742950" lvl="1" indent="-285750">
+              <a:buFont typeface="Arial" panose="020B0604020202020204" pitchFamily="34" charset="0"/>
+              <a:buChar char="•"/>
+            </a:pPr>
+            <a:r>
+              <a:rPr lang="en-US" dirty="0"/>
+              <a:t>Short Term Forecast – 7 Days</a:t>
+            </a:r>
+          </a:p>
+          <a:p>
+            <a:pPr marL="1200150" lvl="2" indent="-285750">
+              <a:buFont typeface="Arial" panose="020B0604020202020204" pitchFamily="34" charset="0"/>
+              <a:buChar char="•"/>
+            </a:pPr>
+            <a:r>
+              <a:rPr lang="en-US" dirty="0"/>
+              <a:t>2981 Cases</a:t>
+            </a:r>
+          </a:p>
+          <a:p>
+            <a:pPr marL="742950" lvl="1" indent="-285750">
+              <a:buFont typeface="Arial" panose="020B0604020202020204" pitchFamily="34" charset="0"/>
+              <a:buChar char="•"/>
+            </a:pPr>
+            <a:r>
+              <a:rPr lang="en-US" dirty="0"/>
+              <a:t>Long Term Forecast – 21 Days</a:t>
+            </a:r>
+          </a:p>
+          <a:p>
+            <a:pPr marL="1200150" lvl="2" indent="-285750">
+              <a:buFont typeface="Arial" panose="020B0604020202020204" pitchFamily="34" charset="0"/>
+              <a:buChar char="•"/>
+            </a:pPr>
+            <a:r>
+              <a:rPr lang="en-US" dirty="0"/>
+              <a:t>3806 Cases</a:t>
+            </a:r>
+          </a:p>
+        </p:txBody>
+      </p:sp>
       <p:pic>
         <p:nvPicPr>
-          <p:cNvPr id="11" name="Picture 10">
-            <a:extLst>
-              <a:ext uri="{FF2B5EF4-FFF2-40B4-BE49-F238E27FC236}">
-                <a16:creationId xmlns:a16="http://schemas.microsoft.com/office/drawing/2014/main" id="{BE9AD455-2C5C-0047-867F-1122C48C84FF}"/>
+          <p:cNvPr id="6" name="Picture 5">
+            <a:extLst>
+              <a:ext uri="{FF2B5EF4-FFF2-40B4-BE49-F238E27FC236}">
+                <a16:creationId xmlns:a16="http://schemas.microsoft.com/office/drawing/2014/main" id="{190F4819-CBC8-0C49-8204-6D8AA273E838}"/>
               </a:ext>
             </a:extLst>
           </p:cNvPr>
@@ -3703,48 +3953,129 @@
         </p:blipFill>
         <p:spPr>
           <a:xfrm>
-            <a:off x="259773" y="4089231"/>
-            <a:ext cx="3505200" cy="2197100"/>
+            <a:off x="5719211" y="1824979"/>
+            <a:ext cx="4336907" cy="2994810"/>
           </a:xfrm>
           <a:prstGeom prst="rect">
             <a:avLst/>
           </a:prstGeom>
         </p:spPr>
       </p:pic>
-      <p:pic>
-        <p:nvPicPr>
-          <p:cNvPr id="17" name="Picture 16">
-            <a:extLst>
-              <a:ext uri="{FF2B5EF4-FFF2-40B4-BE49-F238E27FC236}">
-                <a16:creationId xmlns:a16="http://schemas.microsoft.com/office/drawing/2014/main" id="{E06B59BF-3CAB-6D4F-885C-D643F60877D9}"/>
-              </a:ext>
-            </a:extLst>
-          </p:cNvPr>
-          <p:cNvPicPr>
-            <a:picLocks noChangeAspect="1"/>
-          </p:cNvPicPr>
+      <p:sp>
+        <p:nvSpPr>
+          <p:cNvPr id="7" name="TextBox 6">
+            <a:extLst>
+              <a:ext uri="{FF2B5EF4-FFF2-40B4-BE49-F238E27FC236}">
+                <a16:creationId xmlns:a16="http://schemas.microsoft.com/office/drawing/2014/main" id="{B949E7E9-9FCF-B944-9A6B-F698CB85A208}"/>
+              </a:ext>
+            </a:extLst>
+          </p:cNvPr>
+          <p:cNvSpPr txBox="1"/>
           <p:nvPr/>
-        </p:nvPicPr>
-        <p:blipFill>
-          <a:blip r:embed="rId4"/>
-          <a:stretch>
-            <a:fillRect/>
-          </a:stretch>
-        </p:blipFill>
-        <p:spPr>
-          <a:xfrm>
-            <a:off x="4042065" y="3918454"/>
-            <a:ext cx="7200899" cy="2538655"/>
+        </p:nvSpPr>
+        <p:spPr>
+          <a:xfrm>
+            <a:off x="6704344" y="6380604"/>
+            <a:ext cx="1903085" cy="369332"/>
           </a:xfrm>
           <a:prstGeom prst="rect">
             <a:avLst/>
           </a:prstGeom>
-        </p:spPr>
-      </p:pic>
+          <a:noFill/>
+        </p:spPr>
+        <p:txBody>
+          <a:bodyPr wrap="none" rtlCol="0">
+            <a:spAutoFit/>
+          </a:bodyPr>
+          <a:lstStyle/>
+          <a:p>
+            <a:r>
+              <a:rPr lang="en-US" dirty="0">
+                <a:solidFill>
+                  <a:srgbClr val="FF0000"/>
+                </a:solidFill>
+              </a:rPr>
+              <a:t>RMSE LOWER</a:t>
+            </a:r>
+          </a:p>
+        </p:txBody>
+      </p:sp>
+      <p:sp>
+        <p:nvSpPr>
+          <p:cNvPr id="8" name="TextBox 7">
+            <a:extLst>
+              <a:ext uri="{FF2B5EF4-FFF2-40B4-BE49-F238E27FC236}">
+                <a16:creationId xmlns:a16="http://schemas.microsoft.com/office/drawing/2014/main" id="{2E795870-7983-024E-9D31-41F9A68F6288}"/>
+              </a:ext>
+            </a:extLst>
+          </p:cNvPr>
+          <p:cNvSpPr txBox="1"/>
+          <p:nvPr/>
+        </p:nvSpPr>
+        <p:spPr>
+          <a:xfrm>
+            <a:off x="511073" y="1426744"/>
+            <a:ext cx="3621708" cy="369332"/>
+          </a:xfrm>
+          <a:prstGeom prst="rect">
+            <a:avLst/>
+          </a:prstGeom>
+          <a:noFill/>
+        </p:spPr>
+        <p:txBody>
+          <a:bodyPr wrap="square" rtlCol="0">
+            <a:spAutoFit/>
+          </a:bodyPr>
+          <a:lstStyle/>
+          <a:p>
+            <a:pPr algn="ctr"/>
+            <a:r>
+              <a:rPr lang="en-US" dirty="0"/>
+              <a:t>ARIMA(21,0,8) with s = 7</a:t>
+            </a:r>
+          </a:p>
+        </p:txBody>
+      </p:sp>
+      <p:sp>
+        <p:nvSpPr>
+          <p:cNvPr id="9" name="TextBox 8">
+            <a:extLst>
+              <a:ext uri="{FF2B5EF4-FFF2-40B4-BE49-F238E27FC236}">
+                <a16:creationId xmlns:a16="http://schemas.microsoft.com/office/drawing/2014/main" id="{A68194E4-1B34-AB47-A588-FDD347AA107C}"/>
+              </a:ext>
+            </a:extLst>
+          </p:cNvPr>
+          <p:cNvSpPr txBox="1"/>
+          <p:nvPr/>
+        </p:nvSpPr>
+        <p:spPr>
+          <a:xfrm>
+            <a:off x="7448138" y="1426744"/>
+            <a:ext cx="1792478" cy="369332"/>
+          </a:xfrm>
+          <a:prstGeom prst="rect">
+            <a:avLst/>
+          </a:prstGeom>
+          <a:noFill/>
+        </p:spPr>
+        <p:txBody>
+          <a:bodyPr wrap="none" rtlCol="0">
+            <a:spAutoFit/>
+          </a:bodyPr>
+          <a:lstStyle/>
+          <a:p>
+            <a:pPr algn="ctr"/>
+            <a:r>
+              <a:rPr lang="en-US" dirty="0"/>
+              <a:t>ARIMA(6,1,14)</a:t>
+            </a:r>
+          </a:p>
+        </p:txBody>
+      </p:sp>
     </p:spTree>
     <p:extLst>
       <p:ext uri="{BB962C8B-B14F-4D97-AF65-F5344CB8AC3E}">
-        <p14:creationId xmlns:p14="http://schemas.microsoft.com/office/powerpoint/2010/main" val="1964254580"/>
+        <p14:creationId xmlns:p14="http://schemas.microsoft.com/office/powerpoint/2010/main" val="2913347127"/>
       </p:ext>
     </p:extLst>
   </p:cSld>
@@ -3789,8 +4120,8 @@
         </p:nvSpPr>
         <p:spPr>
           <a:xfrm>
-            <a:off x="0" y="-1"/>
-            <a:ext cx="9043988" cy="1194955"/>
+            <a:off x="2711668" y="1996964"/>
+            <a:ext cx="6085489" cy="1534511"/>
           </a:xfrm>
         </p:spPr>
         <p:txBody>
@@ -3799,142 +4130,18 @@
           </a:bodyPr>
           <a:lstStyle/>
           <a:p>
-            <a:r>
-              <a:rPr lang="en-US" dirty="0"/>
-              <a:t>Model 2 - Differencing Model</a:t>
-            </a:r>
-          </a:p>
-        </p:txBody>
-      </p:sp>
-      <p:sp>
-        <p:nvSpPr>
-          <p:cNvPr id="8" name="TextBox 7">
-            <a:extLst>
-              <a:ext uri="{FF2B5EF4-FFF2-40B4-BE49-F238E27FC236}">
-                <a16:creationId xmlns:a16="http://schemas.microsoft.com/office/drawing/2014/main" id="{F3C39332-A0FC-E744-AED3-49CF40294CC1}"/>
-              </a:ext>
-            </a:extLst>
-          </p:cNvPr>
-          <p:cNvSpPr txBox="1"/>
-          <p:nvPr/>
-        </p:nvSpPr>
-        <p:spPr>
-          <a:xfrm>
-            <a:off x="1453980" y="2428006"/>
-            <a:ext cx="2193229" cy="369332"/>
-          </a:xfrm>
-          <a:prstGeom prst="rect">
-            <a:avLst/>
-          </a:prstGeom>
-          <a:noFill/>
-        </p:spPr>
-        <p:txBody>
-          <a:bodyPr wrap="none" rtlCol="0">
-            <a:spAutoFit/>
-          </a:bodyPr>
-          <a:lstStyle/>
-          <a:p>
-            <a:r>
-              <a:rPr lang="en-US" dirty="0"/>
-              <a:t>Remove (1-B) term</a:t>
-            </a:r>
-          </a:p>
-        </p:txBody>
-      </p:sp>
-      <p:pic>
-        <p:nvPicPr>
-          <p:cNvPr id="3" name="Picture 2">
-            <a:extLst>
-              <a:ext uri="{FF2B5EF4-FFF2-40B4-BE49-F238E27FC236}">
-                <a16:creationId xmlns:a16="http://schemas.microsoft.com/office/drawing/2014/main" id="{FD9ADCD6-5178-774A-82D6-D70F040416C7}"/>
-              </a:ext>
-            </a:extLst>
-          </p:cNvPr>
-          <p:cNvPicPr>
-            <a:picLocks noChangeAspect="1"/>
-          </p:cNvPicPr>
-          <p:nvPr/>
-        </p:nvPicPr>
-        <p:blipFill>
-          <a:blip r:embed="rId2"/>
-          <a:stretch>
-            <a:fillRect/>
-          </a:stretch>
-        </p:blipFill>
-        <p:spPr>
-          <a:xfrm>
-            <a:off x="4042064" y="1447368"/>
-            <a:ext cx="7200899" cy="2471086"/>
-          </a:xfrm>
-          <a:prstGeom prst="rect">
-            <a:avLst/>
-          </a:prstGeom>
-        </p:spPr>
-      </p:pic>
-      <p:pic>
-        <p:nvPicPr>
-          <p:cNvPr id="4" name="Picture 3">
-            <a:extLst>
-              <a:ext uri="{FF2B5EF4-FFF2-40B4-BE49-F238E27FC236}">
-                <a16:creationId xmlns:a16="http://schemas.microsoft.com/office/drawing/2014/main" id="{A8094909-3666-A84B-B1B2-1901D84AFFDF}"/>
-              </a:ext>
-            </a:extLst>
-          </p:cNvPr>
-          <p:cNvPicPr>
-            <a:picLocks noChangeAspect="1"/>
-          </p:cNvPicPr>
-          <p:nvPr/>
-        </p:nvPicPr>
-        <p:blipFill>
-          <a:blip r:embed="rId3"/>
-          <a:stretch>
-            <a:fillRect/>
-          </a:stretch>
-        </p:blipFill>
-        <p:spPr>
-          <a:xfrm>
-            <a:off x="114300" y="4030391"/>
-            <a:ext cx="3532909" cy="2035517"/>
-          </a:xfrm>
-          <a:prstGeom prst="rect">
-            <a:avLst/>
-          </a:prstGeom>
-        </p:spPr>
-      </p:pic>
-      <p:pic>
-        <p:nvPicPr>
-          <p:cNvPr id="6" name="Picture 5">
-            <a:extLst>
-              <a:ext uri="{FF2B5EF4-FFF2-40B4-BE49-F238E27FC236}">
-                <a16:creationId xmlns:a16="http://schemas.microsoft.com/office/drawing/2014/main" id="{CCCFB804-9A03-7F43-95BD-6BC2A7671C66}"/>
-              </a:ext>
-            </a:extLst>
-          </p:cNvPr>
-          <p:cNvPicPr>
-            <a:picLocks noChangeAspect="1"/>
-          </p:cNvPicPr>
-          <p:nvPr/>
-        </p:nvPicPr>
-        <p:blipFill>
-          <a:blip r:embed="rId4"/>
-          <a:stretch>
-            <a:fillRect/>
-          </a:stretch>
-        </p:blipFill>
-        <p:spPr>
-          <a:xfrm>
-            <a:off x="4042063" y="3918454"/>
-            <a:ext cx="7200900" cy="2503400"/>
-          </a:xfrm>
-          <a:prstGeom prst="rect">
-            <a:avLst/>
-          </a:prstGeom>
-        </p:spPr>
-      </p:pic>
+            <a:pPr algn="ctr"/>
+            <a:r>
+              <a:rPr lang="en-US" dirty="0"/>
+              <a:t>Vector autoregression (VAR) Models</a:t>
+            </a:r>
+          </a:p>
+        </p:txBody>
+      </p:sp>
     </p:spTree>
     <p:extLst>
       <p:ext uri="{BB962C8B-B14F-4D97-AF65-F5344CB8AC3E}">
-        <p14:creationId xmlns:p14="http://schemas.microsoft.com/office/powerpoint/2010/main" val="2964750471"/>
+        <p14:creationId xmlns:p14="http://schemas.microsoft.com/office/powerpoint/2010/main" val="1902685024"/>
       </p:ext>
     </p:extLst>
   </p:cSld>
@@ -3980,7 +4187,7 @@
         <p:spPr>
           <a:xfrm>
             <a:off x="0" y="-1"/>
-            <a:ext cx="10972800" cy="1194955"/>
+            <a:ext cx="9043988" cy="1194955"/>
           </a:xfrm>
         </p:spPr>
         <p:txBody>
@@ -3991,344 +4198,104 @@
           <a:p>
             <a:r>
               <a:rPr lang="en-US" dirty="0"/>
-              <a:t>Rolling Window RMSE Comparison</a:t>
-            </a:r>
-          </a:p>
-        </p:txBody>
-      </p:sp>
-      <p:sp>
-        <p:nvSpPr>
-          <p:cNvPr id="12" name="TextBox 11">
-            <a:extLst>
-              <a:ext uri="{FF2B5EF4-FFF2-40B4-BE49-F238E27FC236}">
-                <a16:creationId xmlns:a16="http://schemas.microsoft.com/office/drawing/2014/main" id="{AFC3E635-80A0-064C-9EAE-3F04979C7F92}"/>
-              </a:ext>
-            </a:extLst>
-          </p:cNvPr>
-          <p:cNvSpPr txBox="1"/>
-          <p:nvPr/>
-        </p:nvSpPr>
-        <p:spPr>
-          <a:xfrm>
-            <a:off x="146286" y="4903276"/>
-            <a:ext cx="4204997" cy="1477328"/>
-          </a:xfrm>
-          <a:prstGeom prst="rect">
-            <a:avLst/>
-          </a:prstGeom>
-          <a:noFill/>
-        </p:spPr>
-        <p:txBody>
-          <a:bodyPr wrap="none" rtlCol="0">
-            <a:spAutoFit/>
+              <a:t>VAR Models to be Compared</a:t>
+            </a:r>
+          </a:p>
+        </p:txBody>
+      </p:sp>
+      <p:sp>
+        <p:nvSpPr>
+          <p:cNvPr id="7" name="Content Placeholder 2">
+            <a:extLst>
+              <a:ext uri="{FF2B5EF4-FFF2-40B4-BE49-F238E27FC236}">
+                <a16:creationId xmlns:a16="http://schemas.microsoft.com/office/drawing/2014/main" id="{54FAF57B-F7CF-2B44-97D8-9FFD40EE4464}"/>
+              </a:ext>
+            </a:extLst>
+          </p:cNvPr>
+          <p:cNvSpPr>
+            <a:spLocks noGrp="1"/>
+          </p:cNvSpPr>
+          <p:nvPr>
+            <p:ph idx="1"/>
+          </p:nvPr>
+        </p:nvSpPr>
+        <p:spPr>
+          <a:xfrm>
+            <a:off x="128587" y="1600201"/>
+            <a:ext cx="5799247" cy="3203028"/>
+          </a:xfrm>
+        </p:spPr>
+        <p:txBody>
+          <a:bodyPr>
+            <a:normAutofit lnSpcReduction="10000"/>
           </a:bodyPr>
           <a:lstStyle/>
           <a:p>
-            <a:pPr marL="285750" indent="-285750">
-              <a:buFont typeface="Arial" panose="020B0604020202020204" pitchFamily="34" charset="0"/>
-              <a:buChar char="•"/>
+            <a:r>
+              <a:rPr lang="en-US" dirty="0"/>
+              <a:t>Model 1 - Fully Differenced</a:t>
+            </a:r>
+          </a:p>
+          <a:p>
+            <a:pPr lvl="1"/>
+            <a:r>
+              <a:rPr lang="en-US" dirty="0"/>
+              <a:t>Includes all variables differenced (d=1)</a:t>
+            </a:r>
+          </a:p>
+          <a:p>
+            <a:pPr lvl="2"/>
+            <a:r>
+              <a:rPr lang="en-US" dirty="0"/>
+              <a:t>With a constant term</a:t>
+            </a:r>
+          </a:p>
+          <a:p>
+            <a:r>
+              <a:rPr lang="en-US" dirty="0"/>
+              <a:t>Model 2 – Seasonal and Differenced Response</a:t>
+            </a:r>
+          </a:p>
+          <a:p>
+            <a:pPr lvl="1"/>
+            <a:r>
+              <a:rPr lang="en-US" dirty="0"/>
+              <a:t>Differenced Case Data (d=1) and all other variables untransformed</a:t>
+            </a:r>
+          </a:p>
+          <a:p>
+            <a:pPr lvl="2"/>
+            <a:r>
+              <a:rPr lang="en-US" dirty="0"/>
+              <a:t>With a constant term and 7 day seasonality</a:t>
+            </a:r>
+          </a:p>
+          <a:p>
+            <a:r>
+              <a:rPr lang="en-US" dirty="0"/>
+              <a:t>Note: Our team explored many other models which can be found in our RMD file in provided GitHub Repository and the two models included were found to be the most useful</a:t>
+            </a:r>
+          </a:p>
+          <a:p>
+            <a:pPr marL="548640" lvl="2" indent="0">
+              <a:buNone/>
             </a:pPr>
-            <a:r>
-              <a:rPr lang="en-US" dirty="0"/>
-              <a:t>Rolling Window RMSE:</a:t>
-            </a:r>
-          </a:p>
-          <a:p>
-            <a:pPr marL="742950" lvl="1" indent="-285750">
-              <a:buFont typeface="Arial" panose="020B0604020202020204" pitchFamily="34" charset="0"/>
-              <a:buChar char="•"/>
-            </a:pPr>
-            <a:r>
-              <a:rPr lang="en-US" dirty="0"/>
-              <a:t>Short Term Forecast – 7 Days</a:t>
-            </a:r>
-          </a:p>
-          <a:p>
-            <a:pPr marL="1200150" lvl="2" indent="-285750">
-              <a:buFont typeface="Arial" panose="020B0604020202020204" pitchFamily="34" charset="0"/>
-              <a:buChar char="•"/>
-            </a:pPr>
-            <a:r>
-              <a:rPr lang="en-US" dirty="0"/>
-              <a:t>3457 Cases</a:t>
-            </a:r>
-          </a:p>
-          <a:p>
-            <a:pPr marL="742950" lvl="1" indent="-285750">
-              <a:buFont typeface="Arial" panose="020B0604020202020204" pitchFamily="34" charset="0"/>
-              <a:buChar char="•"/>
-            </a:pPr>
-            <a:r>
-              <a:rPr lang="en-US" dirty="0"/>
-              <a:t>Long Term Forecast – 21 Days</a:t>
-            </a:r>
-          </a:p>
-          <a:p>
-            <a:pPr marL="1200150" lvl="2" indent="-285750">
-              <a:buFont typeface="Arial" panose="020B0604020202020204" pitchFamily="34" charset="0"/>
-              <a:buChar char="•"/>
-            </a:pPr>
-            <a:r>
-              <a:rPr lang="en-US" dirty="0"/>
-              <a:t>4271 Cases</a:t>
-            </a:r>
-          </a:p>
-        </p:txBody>
-      </p:sp>
-      <p:pic>
-        <p:nvPicPr>
-          <p:cNvPr id="10" name="Picture 9">
-            <a:extLst>
-              <a:ext uri="{FF2B5EF4-FFF2-40B4-BE49-F238E27FC236}">
-                <a16:creationId xmlns:a16="http://schemas.microsoft.com/office/drawing/2014/main" id="{2F8C5FBA-EDEE-BB45-AE9D-9CEF4062E6F2}"/>
-              </a:ext>
-            </a:extLst>
-          </p:cNvPr>
-          <p:cNvPicPr>
-            <a:picLocks noChangeAspect="1"/>
-          </p:cNvPicPr>
-          <p:nvPr/>
-        </p:nvPicPr>
-        <p:blipFill>
-          <a:blip r:embed="rId2"/>
-          <a:stretch>
-            <a:fillRect/>
-          </a:stretch>
-        </p:blipFill>
-        <p:spPr>
-          <a:xfrm>
-            <a:off x="146286" y="1824979"/>
-            <a:ext cx="4351283" cy="2994810"/>
-          </a:xfrm>
-          <a:prstGeom prst="rect">
-            <a:avLst/>
-          </a:prstGeom>
-        </p:spPr>
-      </p:pic>
-      <p:sp>
-        <p:nvSpPr>
-          <p:cNvPr id="5" name="TextBox 4">
-            <a:extLst>
-              <a:ext uri="{FF2B5EF4-FFF2-40B4-BE49-F238E27FC236}">
-                <a16:creationId xmlns:a16="http://schemas.microsoft.com/office/drawing/2014/main" id="{3A1AAFDC-F86A-C849-983C-F8DFB9830F38}"/>
-              </a:ext>
-            </a:extLst>
-          </p:cNvPr>
-          <p:cNvSpPr txBox="1"/>
-          <p:nvPr/>
-        </p:nvSpPr>
-        <p:spPr>
-          <a:xfrm>
-            <a:off x="5719211" y="4903276"/>
-            <a:ext cx="4204997" cy="1477328"/>
-          </a:xfrm>
-          <a:prstGeom prst="rect">
-            <a:avLst/>
-          </a:prstGeom>
-          <a:noFill/>
-        </p:spPr>
-        <p:txBody>
-          <a:bodyPr wrap="none" rtlCol="0">
-            <a:spAutoFit/>
-          </a:bodyPr>
-          <a:lstStyle/>
-          <a:p>
-            <a:pPr marL="285750" indent="-285750">
-              <a:buFont typeface="Arial" panose="020B0604020202020204" pitchFamily="34" charset="0"/>
-              <a:buChar char="•"/>
-            </a:pPr>
-            <a:r>
-              <a:rPr lang="en-US" dirty="0"/>
-              <a:t>Rolling Window RMSE:</a:t>
-            </a:r>
-          </a:p>
-          <a:p>
-            <a:pPr marL="742950" lvl="1" indent="-285750">
-              <a:buFont typeface="Arial" panose="020B0604020202020204" pitchFamily="34" charset="0"/>
-              <a:buChar char="•"/>
-            </a:pPr>
-            <a:r>
-              <a:rPr lang="en-US" dirty="0"/>
-              <a:t>Short Term Forecast – 7 Days</a:t>
-            </a:r>
-          </a:p>
-          <a:p>
-            <a:pPr marL="1200150" lvl="2" indent="-285750">
-              <a:buFont typeface="Arial" panose="020B0604020202020204" pitchFamily="34" charset="0"/>
-              <a:buChar char="•"/>
-            </a:pPr>
-            <a:r>
-              <a:rPr lang="en-US" dirty="0"/>
-              <a:t>2981 Cases</a:t>
-            </a:r>
-          </a:p>
-          <a:p>
-            <a:pPr marL="742950" lvl="1" indent="-285750">
-              <a:buFont typeface="Arial" panose="020B0604020202020204" pitchFamily="34" charset="0"/>
-              <a:buChar char="•"/>
-            </a:pPr>
-            <a:r>
-              <a:rPr lang="en-US" dirty="0"/>
-              <a:t>Long Term Forecast – 21 Days</a:t>
-            </a:r>
-          </a:p>
-          <a:p>
-            <a:pPr marL="1200150" lvl="2" indent="-285750">
-              <a:buFont typeface="Arial" panose="020B0604020202020204" pitchFamily="34" charset="0"/>
-              <a:buChar char="•"/>
-            </a:pPr>
-            <a:r>
-              <a:rPr lang="en-US" dirty="0"/>
-              <a:t>3806 Cases</a:t>
-            </a:r>
-          </a:p>
-        </p:txBody>
-      </p:sp>
-      <p:pic>
-        <p:nvPicPr>
-          <p:cNvPr id="6" name="Picture 5">
-            <a:extLst>
-              <a:ext uri="{FF2B5EF4-FFF2-40B4-BE49-F238E27FC236}">
-                <a16:creationId xmlns:a16="http://schemas.microsoft.com/office/drawing/2014/main" id="{190F4819-CBC8-0C49-8204-6D8AA273E838}"/>
-              </a:ext>
-            </a:extLst>
-          </p:cNvPr>
-          <p:cNvPicPr>
-            <a:picLocks noChangeAspect="1"/>
-          </p:cNvPicPr>
-          <p:nvPr/>
-        </p:nvPicPr>
-        <p:blipFill>
-          <a:blip r:embed="rId3"/>
-          <a:stretch>
-            <a:fillRect/>
-          </a:stretch>
-        </p:blipFill>
-        <p:spPr>
-          <a:xfrm>
-            <a:off x="5719211" y="1824979"/>
-            <a:ext cx="4336907" cy="2994810"/>
-          </a:xfrm>
-          <a:prstGeom prst="rect">
-            <a:avLst/>
-          </a:prstGeom>
-        </p:spPr>
-      </p:pic>
-      <p:sp>
-        <p:nvSpPr>
-          <p:cNvPr id="7" name="TextBox 6">
-            <a:extLst>
-              <a:ext uri="{FF2B5EF4-FFF2-40B4-BE49-F238E27FC236}">
-                <a16:creationId xmlns:a16="http://schemas.microsoft.com/office/drawing/2014/main" id="{B949E7E9-9FCF-B944-9A6B-F698CB85A208}"/>
-              </a:ext>
-            </a:extLst>
-          </p:cNvPr>
-          <p:cNvSpPr txBox="1"/>
-          <p:nvPr/>
-        </p:nvSpPr>
-        <p:spPr>
-          <a:xfrm>
-            <a:off x="6704344" y="6380604"/>
-            <a:ext cx="1903085" cy="369332"/>
-          </a:xfrm>
-          <a:prstGeom prst="rect">
-            <a:avLst/>
-          </a:prstGeom>
-          <a:noFill/>
-        </p:spPr>
-        <p:txBody>
-          <a:bodyPr wrap="none" rtlCol="0">
-            <a:spAutoFit/>
-          </a:bodyPr>
-          <a:lstStyle/>
-          <a:p>
-            <a:r>
-              <a:rPr lang="en-US" dirty="0">
-                <a:solidFill>
-                  <a:srgbClr val="FF0000"/>
-                </a:solidFill>
-              </a:rPr>
-              <a:t>RMSE LOWER</a:t>
-            </a:r>
-          </a:p>
-        </p:txBody>
-      </p:sp>
-      <p:sp>
-        <p:nvSpPr>
-          <p:cNvPr id="8" name="TextBox 7">
-            <a:extLst>
-              <a:ext uri="{FF2B5EF4-FFF2-40B4-BE49-F238E27FC236}">
-                <a16:creationId xmlns:a16="http://schemas.microsoft.com/office/drawing/2014/main" id="{2E795870-7983-024E-9D31-41F9A68F6288}"/>
-              </a:ext>
-            </a:extLst>
-          </p:cNvPr>
-          <p:cNvSpPr txBox="1"/>
-          <p:nvPr/>
-        </p:nvSpPr>
-        <p:spPr>
-          <a:xfrm>
-            <a:off x="511073" y="1426744"/>
-            <a:ext cx="3621708" cy="369332"/>
-          </a:xfrm>
-          <a:prstGeom prst="rect">
-            <a:avLst/>
-          </a:prstGeom>
-          <a:noFill/>
-        </p:spPr>
-        <p:txBody>
-          <a:bodyPr wrap="square" rtlCol="0">
-            <a:spAutoFit/>
-          </a:bodyPr>
-          <a:lstStyle/>
-          <a:p>
-            <a:pPr algn="ctr"/>
-            <a:r>
-              <a:rPr lang="en-US" dirty="0"/>
-              <a:t>ARIMA(21,0,8) with s = 7</a:t>
-            </a:r>
-          </a:p>
-        </p:txBody>
-      </p:sp>
-      <p:sp>
-        <p:nvSpPr>
-          <p:cNvPr id="9" name="TextBox 8">
-            <a:extLst>
-              <a:ext uri="{FF2B5EF4-FFF2-40B4-BE49-F238E27FC236}">
-                <a16:creationId xmlns:a16="http://schemas.microsoft.com/office/drawing/2014/main" id="{A68194E4-1B34-AB47-A588-FDD347AA107C}"/>
-              </a:ext>
-            </a:extLst>
-          </p:cNvPr>
-          <p:cNvSpPr txBox="1"/>
-          <p:nvPr/>
-        </p:nvSpPr>
-        <p:spPr>
-          <a:xfrm>
-            <a:off x="7448138" y="1426744"/>
-            <a:ext cx="1792478" cy="369332"/>
-          </a:xfrm>
-          <a:prstGeom prst="rect">
-            <a:avLst/>
-          </a:prstGeom>
-          <a:noFill/>
-        </p:spPr>
-        <p:txBody>
-          <a:bodyPr wrap="none" rtlCol="0">
-            <a:spAutoFit/>
-          </a:bodyPr>
-          <a:lstStyle/>
-          <a:p>
-            <a:pPr algn="ctr"/>
-            <a:r>
-              <a:rPr lang="en-US" dirty="0"/>
-              <a:t>ARIMA(6,1,14)</a:t>
-            </a:r>
+            <a:endParaRPr lang="en-US" dirty="0"/>
+          </a:p>
+          <a:p>
+            <a:pPr lvl="2"/>
+            <a:endParaRPr lang="en-US" dirty="0"/>
+          </a:p>
+          <a:p>
+            <a:pPr lvl="1"/>
+            <a:endParaRPr lang="en-US" dirty="0"/>
           </a:p>
         </p:txBody>
       </p:sp>
     </p:spTree>
     <p:extLst>
       <p:ext uri="{BB962C8B-B14F-4D97-AF65-F5344CB8AC3E}">
-        <p14:creationId xmlns:p14="http://schemas.microsoft.com/office/powerpoint/2010/main" val="2913347127"/>
+        <p14:creationId xmlns:p14="http://schemas.microsoft.com/office/powerpoint/2010/main" val="2723687027"/>
       </p:ext>
     </p:extLst>
   </p:cSld>
@@ -4373,8 +4340,8 @@
         </p:nvSpPr>
         <p:spPr>
           <a:xfrm>
-            <a:off x="2711668" y="1996964"/>
-            <a:ext cx="6085489" cy="1534511"/>
+            <a:off x="0" y="-1"/>
+            <a:ext cx="9043988" cy="1194955"/>
           </a:xfrm>
         </p:spPr>
         <p:txBody>
@@ -4383,18 +4350,137 @@
           </a:bodyPr>
           <a:lstStyle/>
           <a:p>
-            <a:pPr algn="ctr"/>
-            <a:r>
-              <a:rPr lang="en-US" dirty="0"/>
-              <a:t>Vector autoregression (VAR) Models</a:t>
-            </a:r>
-          </a:p>
-        </p:txBody>
-      </p:sp>
+            <a:r>
+              <a:rPr lang="en-US" dirty="0"/>
+              <a:t>Model 1 - Fully Differenced</a:t>
+            </a:r>
+          </a:p>
+        </p:txBody>
+      </p:sp>
+      <p:sp>
+        <p:nvSpPr>
+          <p:cNvPr id="10" name="Content Placeholder 2">
+            <a:extLst>
+              <a:ext uri="{FF2B5EF4-FFF2-40B4-BE49-F238E27FC236}">
+                <a16:creationId xmlns:a16="http://schemas.microsoft.com/office/drawing/2014/main" id="{405139FD-8680-3348-93C6-1C93E951A13F}"/>
+              </a:ext>
+            </a:extLst>
+          </p:cNvPr>
+          <p:cNvSpPr>
+            <a:spLocks noGrp="1"/>
+          </p:cNvSpPr>
+          <p:nvPr>
+            <p:ph idx="1"/>
+          </p:nvPr>
+        </p:nvSpPr>
+        <p:spPr>
+          <a:xfrm>
+            <a:off x="128587" y="1600201"/>
+            <a:ext cx="5799247" cy="3203028"/>
+          </a:xfrm>
+        </p:spPr>
+        <p:txBody>
+          <a:bodyPr>
+            <a:normAutofit/>
+          </a:bodyPr>
+          <a:lstStyle/>
+          <a:p>
+            <a:r>
+              <a:rPr lang="en-US" dirty="0"/>
+              <a:t>VAR Select</a:t>
+            </a:r>
+          </a:p>
+          <a:p>
+            <a:pPr lvl="1"/>
+            <a:r>
+              <a:rPr lang="en-US" dirty="0"/>
+              <a:t>Lag 7 had the lowest AIC and BIC</a:t>
+            </a:r>
+          </a:p>
+          <a:p>
+            <a:pPr lvl="1"/>
+            <a:endParaRPr lang="en-US" dirty="0"/>
+          </a:p>
+          <a:p>
+            <a:pPr marL="548640" lvl="2" indent="0">
+              <a:buNone/>
+            </a:pPr>
+            <a:endParaRPr lang="en-US" dirty="0"/>
+          </a:p>
+          <a:p>
+            <a:pPr lvl="2"/>
+            <a:endParaRPr lang="en-US" dirty="0"/>
+          </a:p>
+          <a:p>
+            <a:pPr lvl="1"/>
+            <a:endParaRPr lang="en-US" dirty="0"/>
+          </a:p>
+        </p:txBody>
+      </p:sp>
+      <p:pic>
+        <p:nvPicPr>
+          <p:cNvPr id="4" name="Picture 3">
+            <a:extLst>
+              <a:ext uri="{FF2B5EF4-FFF2-40B4-BE49-F238E27FC236}">
+                <a16:creationId xmlns:a16="http://schemas.microsoft.com/office/drawing/2014/main" id="{D8F53554-F03E-3840-B7AA-70846A5BA28F}"/>
+              </a:ext>
+            </a:extLst>
+          </p:cNvPr>
+          <p:cNvPicPr>
+            <a:picLocks noChangeAspect="1"/>
+          </p:cNvPicPr>
+          <p:nvPr/>
+        </p:nvPicPr>
+        <p:blipFill>
+          <a:blip r:embed="rId2"/>
+          <a:stretch>
+            <a:fillRect/>
+          </a:stretch>
+        </p:blipFill>
+        <p:spPr>
+          <a:xfrm>
+            <a:off x="5694213" y="1313245"/>
+            <a:ext cx="4913792" cy="4793265"/>
+          </a:xfrm>
+          <a:prstGeom prst="rect">
+            <a:avLst/>
+          </a:prstGeom>
+        </p:spPr>
+      </p:pic>
+      <p:pic>
+        <p:nvPicPr>
+          <p:cNvPr id="5" name="Picture 4">
+            <a:extLst>
+              <a:ext uri="{FF2B5EF4-FFF2-40B4-BE49-F238E27FC236}">
+                <a16:creationId xmlns:a16="http://schemas.microsoft.com/office/drawing/2014/main" id="{2FF184A4-26F2-A04F-AC01-8D247C2B4C5F}"/>
+              </a:ext>
+            </a:extLst>
+          </p:cNvPr>
+          <p:cNvPicPr>
+            <a:picLocks noChangeAspect="1"/>
+          </p:cNvPicPr>
+          <p:nvPr/>
+        </p:nvPicPr>
+        <p:blipFill>
+          <a:blip r:embed="rId3"/>
+          <a:stretch>
+            <a:fillRect/>
+          </a:stretch>
+        </p:blipFill>
+        <p:spPr>
+          <a:xfrm>
+            <a:off x="187661" y="2338719"/>
+            <a:ext cx="4815263" cy="4382032"/>
+          </a:xfrm>
+          <a:prstGeom prst="rect">
+            <a:avLst/>
+          </a:prstGeom>
+        </p:spPr>
+      </p:pic>
     </p:spTree>
     <p:extLst>
       <p:ext uri="{BB962C8B-B14F-4D97-AF65-F5344CB8AC3E}">
-        <p14:creationId xmlns:p14="http://schemas.microsoft.com/office/powerpoint/2010/main" val="1902685024"/>
+        <p14:creationId xmlns:p14="http://schemas.microsoft.com/office/powerpoint/2010/main" val="340640755"/>
       </p:ext>
     </p:extLst>
   </p:cSld>
@@ -4423,24 +4509,24 @@
       </p:grpSpPr>
       <p:sp>
         <p:nvSpPr>
-          <p:cNvPr id="2" name="Title 1">
-            <a:extLst>
-              <a:ext uri="{FF2B5EF4-FFF2-40B4-BE49-F238E27FC236}">
-                <a16:creationId xmlns:a16="http://schemas.microsoft.com/office/drawing/2014/main" id="{050DFEC9-9950-4B36-B118-A1B45FB18E9E}"/>
-              </a:ext>
-            </a:extLst>
-          </p:cNvPr>
-          <p:cNvSpPr>
-            <a:spLocks noGrp="1"/>
-          </p:cNvSpPr>
-          <p:nvPr>
-            <p:ph type="title"/>
-          </p:nvPr>
-        </p:nvSpPr>
-        <p:spPr>
-          <a:xfrm>
-            <a:off x="0" y="-1"/>
-            <a:ext cx="9043988" cy="1194955"/>
+          <p:cNvPr id="10" name="Content Placeholder 2">
+            <a:extLst>
+              <a:ext uri="{FF2B5EF4-FFF2-40B4-BE49-F238E27FC236}">
+                <a16:creationId xmlns:a16="http://schemas.microsoft.com/office/drawing/2014/main" id="{405139FD-8680-3348-93C6-1C93E951A13F}"/>
+              </a:ext>
+            </a:extLst>
+          </p:cNvPr>
+          <p:cNvSpPr>
+            <a:spLocks noGrp="1"/>
+          </p:cNvSpPr>
+          <p:nvPr>
+            <p:ph idx="1"/>
+          </p:nvPr>
+        </p:nvSpPr>
+        <p:spPr>
+          <a:xfrm>
+            <a:off x="128587" y="1600201"/>
+            <a:ext cx="5799247" cy="3203028"/>
           </a:xfrm>
         </p:spPr>
         <p:txBody>
@@ -4451,83 +4537,19 @@
           <a:p>
             <a:r>
               <a:rPr lang="en-US" dirty="0"/>
-              <a:t>VAR Models to be Compared</a:t>
-            </a:r>
-          </a:p>
-        </p:txBody>
-      </p:sp>
-      <p:sp>
-        <p:nvSpPr>
-          <p:cNvPr id="7" name="Content Placeholder 2">
-            <a:extLst>
-              <a:ext uri="{FF2B5EF4-FFF2-40B4-BE49-F238E27FC236}">
-                <a16:creationId xmlns:a16="http://schemas.microsoft.com/office/drawing/2014/main" id="{54FAF57B-F7CF-2B44-97D8-9FFD40EE4464}"/>
-              </a:ext>
-            </a:extLst>
-          </p:cNvPr>
-          <p:cNvSpPr>
-            <a:spLocks noGrp="1"/>
-          </p:cNvSpPr>
-          <p:nvPr>
-            <p:ph idx="1"/>
-          </p:nvPr>
-        </p:nvSpPr>
-        <p:spPr>
-          <a:xfrm>
-            <a:off x="128587" y="1600201"/>
-            <a:ext cx="5799247" cy="3203028"/>
-          </a:xfrm>
-        </p:spPr>
-        <p:txBody>
-          <a:bodyPr>
-            <a:normAutofit lnSpcReduction="10000"/>
-          </a:bodyPr>
-          <a:lstStyle/>
-          <a:p>
-            <a:r>
-              <a:rPr lang="en-US" dirty="0"/>
-              <a:t>Model 1 - Fully Differenced</a:t>
+              <a:t>VAR Select</a:t>
             </a:r>
           </a:p>
           <a:p>
             <a:pPr lvl="1"/>
             <a:r>
               <a:rPr lang="en-US" dirty="0"/>
-              <a:t>Includes all variables differenced (d=1)</a:t>
-            </a:r>
-          </a:p>
-          <a:p>
-            <a:pPr lvl="2"/>
-            <a:r>
-              <a:rPr lang="en-US" dirty="0"/>
-              <a:t>With a constant term</a:t>
-            </a:r>
-          </a:p>
-          <a:p>
-            <a:r>
-              <a:rPr lang="en-US" dirty="0"/>
-              <a:t>Model 2 – Seasonal and Differenced Response</a:t>
+              <a:t>Lag 8 had the lowest AIC and BIC</a:t>
             </a:r>
           </a:p>
           <a:p>
             <a:pPr lvl="1"/>
-            <a:r>
-              <a:rPr lang="en-US" dirty="0"/>
-              <a:t>Differenced Case Data (d=1) and all other variables untransformed</a:t>
-            </a:r>
-          </a:p>
-          <a:p>
-            <a:pPr lvl="2"/>
-            <a:r>
-              <a:rPr lang="en-US" dirty="0"/>
-              <a:t>With a constant term and 7 day seasonality</a:t>
-            </a:r>
-          </a:p>
-          <a:p>
-            <a:r>
-              <a:rPr lang="en-US" dirty="0"/>
-              <a:t>Note: Our team explored many other models which can be found in our RMD file in provided GitHub Repository and the two models included were found to be the most useful</a:t>
-            </a:r>
+            <a:endParaRPr lang="en-US" dirty="0"/>
           </a:p>
           <a:p>
             <a:pPr marL="548640" lvl="2" indent="0">
@@ -4545,10 +4567,124 @@
           </a:p>
         </p:txBody>
       </p:sp>
+      <p:sp>
+        <p:nvSpPr>
+          <p:cNvPr id="8" name="Title 1">
+            <a:extLst>
+              <a:ext uri="{FF2B5EF4-FFF2-40B4-BE49-F238E27FC236}">
+                <a16:creationId xmlns:a16="http://schemas.microsoft.com/office/drawing/2014/main" id="{1F9E56F7-3D33-194C-B293-31036FD22374}"/>
+              </a:ext>
+            </a:extLst>
+          </p:cNvPr>
+          <p:cNvSpPr txBox="1">
+            <a:spLocks/>
+          </p:cNvSpPr>
+          <p:nvPr/>
+        </p:nvSpPr>
+        <p:spPr>
+          <a:xfrm>
+            <a:off x="-1" y="-1"/>
+            <a:ext cx="10710042" cy="1194955"/>
+          </a:xfrm>
+          <a:prstGeom prst="rect">
+            <a:avLst/>
+          </a:prstGeom>
+        </p:spPr>
+        <p:txBody>
+          <a:bodyPr vert="horz" lIns="91440" tIns="45720" rIns="91440" bIns="45720" rtlCol="0" anchor="b">
+            <a:normAutofit/>
+          </a:bodyPr>
+          <a:lstStyle>
+            <a:lvl1pPr algn="l" defTabSz="914400" rtl="0" eaLnBrk="1" latinLnBrk="0" hangingPunct="1">
+              <a:lnSpc>
+                <a:spcPct val="90000"/>
+              </a:lnSpc>
+              <a:spcBef>
+                <a:spcPct val="0"/>
+              </a:spcBef>
+              <a:buNone/>
+              <a:defRPr sz="4400" kern="1200" spc="-50" baseline="0">
+                <a:solidFill>
+                  <a:schemeClr val="tx1"/>
+                </a:solidFill>
+                <a:latin typeface="+mj-lt"/>
+                <a:ea typeface="+mj-ea"/>
+                <a:cs typeface="+mj-cs"/>
+              </a:defRPr>
+            </a:lvl1pPr>
+          </a:lstStyle>
+          <a:p>
+            <a:r>
+              <a:rPr lang="en-US" sz="4000" dirty="0"/>
+              <a:t>Model 2 – Seasonal and Differenced Response</a:t>
+            </a:r>
+          </a:p>
+        </p:txBody>
+      </p:sp>
+      <p:pic>
+        <p:nvPicPr>
+          <p:cNvPr id="7" name="Picture 6">
+            <a:extLst>
+              <a:ext uri="{FF2B5EF4-FFF2-40B4-BE49-F238E27FC236}">
+                <a16:creationId xmlns:a16="http://schemas.microsoft.com/office/drawing/2014/main" id="{442165AB-FDD9-5340-8A32-23D3A4DFCB45}"/>
+              </a:ext>
+            </a:extLst>
+          </p:cNvPr>
+          <p:cNvPicPr>
+            <a:picLocks noChangeAspect="1"/>
+          </p:cNvPicPr>
+          <p:nvPr/>
+        </p:nvPicPr>
+        <p:blipFill>
+          <a:blip r:embed="rId2"/>
+          <a:stretch>
+            <a:fillRect/>
+          </a:stretch>
+        </p:blipFill>
+        <p:spPr>
+          <a:xfrm>
+            <a:off x="6382999" y="1194954"/>
+            <a:ext cx="4248773" cy="5551731"/>
+          </a:xfrm>
+          <a:prstGeom prst="rect">
+            <a:avLst/>
+          </a:prstGeom>
+        </p:spPr>
+      </p:pic>
+      <p:pic>
+        <p:nvPicPr>
+          <p:cNvPr id="9" name="Picture 8">
+            <a:extLst>
+              <a:ext uri="{FF2B5EF4-FFF2-40B4-BE49-F238E27FC236}">
+                <a16:creationId xmlns:a16="http://schemas.microsoft.com/office/drawing/2014/main" id="{D0DCB43B-9494-484B-99EE-C666EF4A6DA9}"/>
+              </a:ext>
+            </a:extLst>
+          </p:cNvPr>
+          <p:cNvPicPr>
+            <a:picLocks noChangeAspect="1"/>
+          </p:cNvPicPr>
+          <p:nvPr/>
+        </p:nvPicPr>
+        <p:blipFill>
+          <a:blip r:embed="rId3"/>
+          <a:stretch>
+            <a:fillRect/>
+          </a:stretch>
+        </p:blipFill>
+        <p:spPr>
+          <a:xfrm>
+            <a:off x="-1" y="2333297"/>
+            <a:ext cx="5312725" cy="4558706"/>
+          </a:xfrm>
+          <a:prstGeom prst="rect">
+            <a:avLst/>
+          </a:prstGeom>
+        </p:spPr>
+      </p:pic>
     </p:spTree>
     <p:extLst>
       <p:ext uri="{BB962C8B-B14F-4D97-AF65-F5344CB8AC3E}">
-        <p14:creationId xmlns:p14="http://schemas.microsoft.com/office/powerpoint/2010/main" val="2723687027"/>
+        <p14:creationId xmlns:p14="http://schemas.microsoft.com/office/powerpoint/2010/main" val="4025467038"/>
       </p:ext>
     </p:extLst>
   </p:cSld>
@@ -4594,7 +4730,7 @@
         <p:spPr>
           <a:xfrm>
             <a:off x="0" y="-1"/>
-            <a:ext cx="9043988" cy="1194955"/>
+            <a:ext cx="10972800" cy="1194955"/>
           </a:xfrm>
         </p:spPr>
         <p:txBody>
@@ -4605,68 +4741,316 @@
           <a:p>
             <a:r>
               <a:rPr lang="en-US" dirty="0"/>
-              <a:t>Model 1 - Fully Differenced</a:t>
-            </a:r>
-          </a:p>
-        </p:txBody>
-      </p:sp>
-      <p:sp>
-        <p:nvSpPr>
-          <p:cNvPr id="10" name="Content Placeholder 2">
-            <a:extLst>
-              <a:ext uri="{FF2B5EF4-FFF2-40B4-BE49-F238E27FC236}">
-                <a16:creationId xmlns:a16="http://schemas.microsoft.com/office/drawing/2014/main" id="{405139FD-8680-3348-93C6-1C93E951A13F}"/>
-              </a:ext>
-            </a:extLst>
-          </p:cNvPr>
-          <p:cNvSpPr>
-            <a:spLocks noGrp="1"/>
-          </p:cNvSpPr>
-          <p:nvPr>
-            <p:ph idx="1"/>
-          </p:nvPr>
-        </p:nvSpPr>
-        <p:spPr>
-          <a:xfrm>
-            <a:off x="128587" y="1600201"/>
-            <a:ext cx="5799247" cy="3203028"/>
-          </a:xfrm>
-        </p:spPr>
-        <p:txBody>
-          <a:bodyPr>
-            <a:normAutofit/>
+              <a:t>VAR RMSE Comparison</a:t>
+            </a:r>
+          </a:p>
+        </p:txBody>
+      </p:sp>
+      <p:sp>
+        <p:nvSpPr>
+          <p:cNvPr id="12" name="TextBox 11">
+            <a:extLst>
+              <a:ext uri="{FF2B5EF4-FFF2-40B4-BE49-F238E27FC236}">
+                <a16:creationId xmlns:a16="http://schemas.microsoft.com/office/drawing/2014/main" id="{AFC3E635-80A0-064C-9EAE-3F04979C7F92}"/>
+              </a:ext>
+            </a:extLst>
+          </p:cNvPr>
+          <p:cNvSpPr txBox="1"/>
+          <p:nvPr/>
+        </p:nvSpPr>
+        <p:spPr>
+          <a:xfrm>
+            <a:off x="146286" y="4903276"/>
+            <a:ext cx="4204997" cy="1477328"/>
+          </a:xfrm>
+          <a:prstGeom prst="rect">
+            <a:avLst/>
+          </a:prstGeom>
+          <a:noFill/>
+        </p:spPr>
+        <p:txBody>
+          <a:bodyPr wrap="none" rtlCol="0">
+            <a:spAutoFit/>
           </a:bodyPr>
           <a:lstStyle/>
           <a:p>
-            <a:r>
-              <a:rPr lang="en-US" dirty="0"/>
-              <a:t>VAR Select</a:t>
-            </a:r>
-          </a:p>
-          <a:p>
-            <a:pPr lvl="1"/>
-            <a:r>
-              <a:rPr lang="en-US" dirty="0"/>
-              <a:t>Lag 7 had the lowest AIC and BIC</a:t>
-            </a:r>
-          </a:p>
-          <a:p>
-            <a:pPr lvl="1"/>
-            <a:endParaRPr lang="en-US" dirty="0"/>
-          </a:p>
-          <a:p>
-            <a:pPr marL="548640" lvl="2" indent="0">
-              <a:buNone/>
+            <a:pPr marL="285750" indent="-285750">
+              <a:buFont typeface="Arial" panose="020B0604020202020204" pitchFamily="34" charset="0"/>
+              <a:buChar char="•"/>
             </a:pPr>
-            <a:endParaRPr lang="en-US" dirty="0"/>
-          </a:p>
-          <a:p>
-            <a:pPr lvl="2"/>
-            <a:endParaRPr lang="en-US" dirty="0"/>
-          </a:p>
-          <a:p>
-            <a:pPr lvl="1"/>
-            <a:endParaRPr lang="en-US" dirty="0"/>
+            <a:r>
+              <a:rPr lang="en-US" dirty="0"/>
+              <a:t>Forecast RMSE:</a:t>
+            </a:r>
+          </a:p>
+          <a:p>
+            <a:pPr marL="742950" lvl="1" indent="-285750">
+              <a:buFont typeface="Arial" panose="020B0604020202020204" pitchFamily="34" charset="0"/>
+              <a:buChar char="•"/>
+            </a:pPr>
+            <a:r>
+              <a:rPr lang="en-US" dirty="0"/>
+              <a:t>Short Term Forecast – 7 Days</a:t>
+            </a:r>
+          </a:p>
+          <a:p>
+            <a:pPr marL="1200150" lvl="2" indent="-285750">
+              <a:buFont typeface="Arial" panose="020B0604020202020204" pitchFamily="34" charset="0"/>
+              <a:buChar char="•"/>
+            </a:pPr>
+            <a:r>
+              <a:rPr lang="en-US" dirty="0"/>
+              <a:t>1279 Cases</a:t>
+            </a:r>
+          </a:p>
+          <a:p>
+            <a:pPr marL="742950" lvl="1" indent="-285750">
+              <a:buFont typeface="Arial" panose="020B0604020202020204" pitchFamily="34" charset="0"/>
+              <a:buChar char="•"/>
+            </a:pPr>
+            <a:r>
+              <a:rPr lang="en-US" dirty="0"/>
+              <a:t>Long Term Forecast – 21 Days</a:t>
+            </a:r>
+          </a:p>
+          <a:p>
+            <a:pPr marL="1200150" lvl="2" indent="-285750">
+              <a:buFont typeface="Arial" panose="020B0604020202020204" pitchFamily="34" charset="0"/>
+              <a:buChar char="•"/>
+            </a:pPr>
+            <a:r>
+              <a:rPr lang="en-US" dirty="0"/>
+              <a:t>974 Cases</a:t>
+            </a:r>
+          </a:p>
+        </p:txBody>
+      </p:sp>
+      <p:sp>
+        <p:nvSpPr>
+          <p:cNvPr id="5" name="TextBox 4">
+            <a:extLst>
+              <a:ext uri="{FF2B5EF4-FFF2-40B4-BE49-F238E27FC236}">
+                <a16:creationId xmlns:a16="http://schemas.microsoft.com/office/drawing/2014/main" id="{3A1AAFDC-F86A-C849-983C-F8DFB9830F38}"/>
+              </a:ext>
+            </a:extLst>
+          </p:cNvPr>
+          <p:cNvSpPr txBox="1"/>
+          <p:nvPr/>
+        </p:nvSpPr>
+        <p:spPr>
+          <a:xfrm>
+            <a:off x="5719211" y="4903276"/>
+            <a:ext cx="4204997" cy="1477328"/>
+          </a:xfrm>
+          <a:prstGeom prst="rect">
+            <a:avLst/>
+          </a:prstGeom>
+          <a:noFill/>
+        </p:spPr>
+        <p:txBody>
+          <a:bodyPr wrap="none" rtlCol="0">
+            <a:spAutoFit/>
+          </a:bodyPr>
+          <a:lstStyle/>
+          <a:p>
+            <a:pPr marL="285750" indent="-285750">
+              <a:buFont typeface="Arial" panose="020B0604020202020204" pitchFamily="34" charset="0"/>
+              <a:buChar char="•"/>
+            </a:pPr>
+            <a:r>
+              <a:rPr lang="en-US" dirty="0"/>
+              <a:t>Forecast RMSE:</a:t>
+            </a:r>
+          </a:p>
+          <a:p>
+            <a:pPr marL="742950" lvl="1" indent="-285750">
+              <a:buFont typeface="Arial" panose="020B0604020202020204" pitchFamily="34" charset="0"/>
+              <a:buChar char="•"/>
+            </a:pPr>
+            <a:r>
+              <a:rPr lang="en-US" dirty="0"/>
+              <a:t>Short Term Forecast – 7 Days</a:t>
+            </a:r>
+          </a:p>
+          <a:p>
+            <a:pPr marL="1200150" lvl="2" indent="-285750">
+              <a:buFont typeface="Arial" panose="020B0604020202020204" pitchFamily="34" charset="0"/>
+              <a:buChar char="•"/>
+            </a:pPr>
+            <a:r>
+              <a:rPr lang="en-US" dirty="0"/>
+              <a:t>1136 Cases</a:t>
+            </a:r>
+          </a:p>
+          <a:p>
+            <a:pPr marL="742950" lvl="1" indent="-285750">
+              <a:buFont typeface="Arial" panose="020B0604020202020204" pitchFamily="34" charset="0"/>
+              <a:buChar char="•"/>
+            </a:pPr>
+            <a:r>
+              <a:rPr lang="en-US" dirty="0"/>
+              <a:t>Long Term Forecast – 21 Days</a:t>
+            </a:r>
+          </a:p>
+          <a:p>
+            <a:pPr marL="1200150" lvl="2" indent="-285750">
+              <a:buFont typeface="Arial" panose="020B0604020202020204" pitchFamily="34" charset="0"/>
+              <a:buChar char="•"/>
+            </a:pPr>
+            <a:r>
+              <a:rPr lang="en-US" dirty="0"/>
+              <a:t>1117 Cases</a:t>
+            </a:r>
+          </a:p>
+        </p:txBody>
+      </p:sp>
+      <p:sp>
+        <p:nvSpPr>
+          <p:cNvPr id="7" name="TextBox 6">
+            <a:extLst>
+              <a:ext uri="{FF2B5EF4-FFF2-40B4-BE49-F238E27FC236}">
+                <a16:creationId xmlns:a16="http://schemas.microsoft.com/office/drawing/2014/main" id="{B949E7E9-9FCF-B944-9A6B-F698CB85A208}"/>
+              </a:ext>
+            </a:extLst>
+          </p:cNvPr>
+          <p:cNvSpPr txBox="1"/>
+          <p:nvPr/>
+        </p:nvSpPr>
+        <p:spPr>
+          <a:xfrm>
+            <a:off x="6704344" y="6380604"/>
+            <a:ext cx="2912977" cy="369332"/>
+          </a:xfrm>
+          <a:prstGeom prst="rect">
+            <a:avLst/>
+          </a:prstGeom>
+          <a:noFill/>
+        </p:spPr>
+        <p:txBody>
+          <a:bodyPr wrap="none" rtlCol="0">
+            <a:spAutoFit/>
+          </a:bodyPr>
+          <a:lstStyle/>
+          <a:p>
+            <a:r>
+              <a:rPr lang="en-US" dirty="0">
+                <a:solidFill>
+                  <a:srgbClr val="FF0000"/>
+                </a:solidFill>
+              </a:rPr>
+              <a:t>Short Term RMSE Lower</a:t>
+            </a:r>
+          </a:p>
+        </p:txBody>
+      </p:sp>
+      <p:sp>
+        <p:nvSpPr>
+          <p:cNvPr id="8" name="TextBox 7">
+            <a:extLst>
+              <a:ext uri="{FF2B5EF4-FFF2-40B4-BE49-F238E27FC236}">
+                <a16:creationId xmlns:a16="http://schemas.microsoft.com/office/drawing/2014/main" id="{2E795870-7983-024E-9D31-41F9A68F6288}"/>
+              </a:ext>
+            </a:extLst>
+          </p:cNvPr>
+          <p:cNvSpPr txBox="1"/>
+          <p:nvPr/>
+        </p:nvSpPr>
+        <p:spPr>
+          <a:xfrm>
+            <a:off x="511073" y="1426744"/>
+            <a:ext cx="3724596" cy="369332"/>
+          </a:xfrm>
+          <a:prstGeom prst="rect">
+            <a:avLst/>
+          </a:prstGeom>
+          <a:noFill/>
+        </p:spPr>
+        <p:txBody>
+          <a:bodyPr wrap="square" rtlCol="0">
+            <a:spAutoFit/>
+          </a:bodyPr>
+          <a:lstStyle/>
+          <a:p>
+            <a:pPr algn="ctr"/>
+            <a:r>
+              <a:rPr lang="en-US" dirty="0"/>
+              <a:t>Model 1 – VAR(7)</a:t>
+            </a:r>
+          </a:p>
+        </p:txBody>
+      </p:sp>
+      <p:sp>
+        <p:nvSpPr>
+          <p:cNvPr id="9" name="TextBox 8">
+            <a:extLst>
+              <a:ext uri="{FF2B5EF4-FFF2-40B4-BE49-F238E27FC236}">
+                <a16:creationId xmlns:a16="http://schemas.microsoft.com/office/drawing/2014/main" id="{A68194E4-1B34-AB47-A588-FDD347AA107C}"/>
+              </a:ext>
+            </a:extLst>
+          </p:cNvPr>
+          <p:cNvSpPr txBox="1"/>
+          <p:nvPr/>
+        </p:nvSpPr>
+        <p:spPr>
+          <a:xfrm>
+            <a:off x="7151826" y="1426744"/>
+            <a:ext cx="2069797" cy="369332"/>
+          </a:xfrm>
+          <a:prstGeom prst="rect">
+            <a:avLst/>
+          </a:prstGeom>
+          <a:noFill/>
+        </p:spPr>
+        <p:txBody>
+          <a:bodyPr wrap="none" rtlCol="0">
+            <a:spAutoFit/>
+          </a:bodyPr>
+          <a:lstStyle/>
+          <a:p>
+            <a:pPr algn="ctr"/>
+            <a:r>
+              <a:rPr lang="en-US" dirty="0"/>
+              <a:t>Model 2 – VAR(8)</a:t>
+            </a:r>
+          </a:p>
+        </p:txBody>
+      </p:sp>
+      <p:sp>
+        <p:nvSpPr>
+          <p:cNvPr id="13" name="TextBox 12">
+            <a:extLst>
+              <a:ext uri="{FF2B5EF4-FFF2-40B4-BE49-F238E27FC236}">
+                <a16:creationId xmlns:a16="http://schemas.microsoft.com/office/drawing/2014/main" id="{37A91138-75BB-DD48-8D29-F341B489DBD4}"/>
+              </a:ext>
+            </a:extLst>
+          </p:cNvPr>
+          <p:cNvSpPr txBox="1"/>
+          <p:nvPr/>
+        </p:nvSpPr>
+        <p:spPr>
+          <a:xfrm>
+            <a:off x="938581" y="6380604"/>
+            <a:ext cx="2852063" cy="369332"/>
+          </a:xfrm>
+          <a:prstGeom prst="rect">
+            <a:avLst/>
+          </a:prstGeom>
+          <a:noFill/>
+        </p:spPr>
+        <p:txBody>
+          <a:bodyPr wrap="none" rtlCol="0">
+            <a:spAutoFit/>
+          </a:bodyPr>
+          <a:lstStyle/>
+          <a:p>
+            <a:r>
+              <a:rPr lang="en-US" dirty="0">
+                <a:solidFill>
+                  <a:srgbClr val="FF0000"/>
+                </a:solidFill>
+              </a:rPr>
+              <a:t>Long Term RMSE Lower</a:t>
+            </a:r>
           </a:p>
         </p:txBody>
       </p:sp>
@@ -4675,7 +5059,7 @@
           <p:cNvPr id="4" name="Picture 3">
             <a:extLst>
               <a:ext uri="{FF2B5EF4-FFF2-40B4-BE49-F238E27FC236}">
-                <a16:creationId xmlns:a16="http://schemas.microsoft.com/office/drawing/2014/main" id="{D8F53554-F03E-3840-B7AA-70846A5BA28F}"/>
+                <a16:creationId xmlns:a16="http://schemas.microsoft.com/office/drawing/2014/main" id="{FCAF09B5-C805-814D-B1CE-8823F3E4F8E1}"/>
               </a:ext>
             </a:extLst>
           </p:cNvPr>
@@ -4692,8 +5076,8 @@
         </p:blipFill>
         <p:spPr>
           <a:xfrm>
-            <a:off x="5694213" y="1313245"/>
-            <a:ext cx="4913792" cy="4793265"/>
+            <a:off x="146286" y="1794874"/>
+            <a:ext cx="4666593" cy="2948942"/>
           </a:xfrm>
           <a:prstGeom prst="rect">
             <a:avLst/>
@@ -4702,10 +5086,10 @@
       </p:pic>
       <p:pic>
         <p:nvPicPr>
-          <p:cNvPr id="5" name="Picture 4">
-            <a:extLst>
-              <a:ext uri="{FF2B5EF4-FFF2-40B4-BE49-F238E27FC236}">
-                <a16:creationId xmlns:a16="http://schemas.microsoft.com/office/drawing/2014/main" id="{2FF184A4-26F2-A04F-AC01-8D247C2B4C5F}"/>
+          <p:cNvPr id="14" name="Picture 13">
+            <a:extLst>
+              <a:ext uri="{FF2B5EF4-FFF2-40B4-BE49-F238E27FC236}">
+                <a16:creationId xmlns:a16="http://schemas.microsoft.com/office/drawing/2014/main" id="{A80A8120-DDED-BC40-9501-408AA23FBFB4}"/>
               </a:ext>
             </a:extLst>
           </p:cNvPr>
@@ -4722,8 +5106,8 @@
         </p:blipFill>
         <p:spPr>
           <a:xfrm>
-            <a:off x="187661" y="2338719"/>
-            <a:ext cx="4815263" cy="4382032"/>
+            <a:off x="5719211" y="1795367"/>
+            <a:ext cx="4720023" cy="2948449"/>
           </a:xfrm>
           <a:prstGeom prst="rect">
             <a:avLst/>
@@ -4733,7 +5117,7 @@
     </p:spTree>
     <p:extLst>
       <p:ext uri="{BB962C8B-B14F-4D97-AF65-F5344CB8AC3E}">
-        <p14:creationId xmlns:p14="http://schemas.microsoft.com/office/powerpoint/2010/main" val="340640755"/>
+        <p14:creationId xmlns:p14="http://schemas.microsoft.com/office/powerpoint/2010/main" val="150401171"/>
       </p:ext>
     </p:extLst>
   </p:cSld>
@@ -4762,182 +5146,44 @@
       </p:grpSpPr>
       <p:sp>
         <p:nvSpPr>
-          <p:cNvPr id="10" name="Content Placeholder 2">
-            <a:extLst>
-              <a:ext uri="{FF2B5EF4-FFF2-40B4-BE49-F238E27FC236}">
-                <a16:creationId xmlns:a16="http://schemas.microsoft.com/office/drawing/2014/main" id="{405139FD-8680-3348-93C6-1C93E951A13F}"/>
-              </a:ext>
-            </a:extLst>
-          </p:cNvPr>
-          <p:cNvSpPr>
-            <a:spLocks noGrp="1"/>
-          </p:cNvSpPr>
-          <p:nvPr>
-            <p:ph idx="1"/>
-          </p:nvPr>
-        </p:nvSpPr>
-        <p:spPr>
-          <a:xfrm>
-            <a:off x="128587" y="1600201"/>
-            <a:ext cx="5799247" cy="3203028"/>
+          <p:cNvPr id="2" name="Title 1">
+            <a:extLst>
+              <a:ext uri="{FF2B5EF4-FFF2-40B4-BE49-F238E27FC236}">
+                <a16:creationId xmlns:a16="http://schemas.microsoft.com/office/drawing/2014/main" id="{050DFEC9-9950-4B36-B118-A1B45FB18E9E}"/>
+              </a:ext>
+            </a:extLst>
+          </p:cNvPr>
+          <p:cNvSpPr>
+            <a:spLocks noGrp="1"/>
+          </p:cNvSpPr>
+          <p:nvPr>
+            <p:ph type="title"/>
+          </p:nvPr>
+        </p:nvSpPr>
+        <p:spPr>
+          <a:xfrm>
+            <a:off x="2711668" y="1996964"/>
+            <a:ext cx="6085489" cy="1534511"/>
           </a:xfrm>
         </p:spPr>
         <p:txBody>
           <a:bodyPr>
-            <a:normAutofit/>
+            <a:normAutofit fontScale="90000"/>
           </a:bodyPr>
           <a:lstStyle/>
           <a:p>
-            <a:r>
-              <a:rPr lang="en-US" dirty="0"/>
-              <a:t>VAR Select</a:t>
-            </a:r>
-          </a:p>
-          <a:p>
-            <a:pPr lvl="1"/>
-            <a:r>
-              <a:rPr lang="en-US" dirty="0"/>
-              <a:t>Lag 8 had the lowest AIC and BIC</a:t>
-            </a:r>
-          </a:p>
-          <a:p>
-            <a:pPr lvl="1"/>
-            <a:endParaRPr lang="en-US" dirty="0"/>
-          </a:p>
-          <a:p>
-            <a:pPr marL="548640" lvl="2" indent="0">
-              <a:buNone/>
-            </a:pPr>
-            <a:endParaRPr lang="en-US" dirty="0"/>
-          </a:p>
-          <a:p>
-            <a:pPr lvl="2"/>
-            <a:endParaRPr lang="en-US" dirty="0"/>
-          </a:p>
-          <a:p>
-            <a:pPr lvl="1"/>
-            <a:endParaRPr lang="en-US" dirty="0"/>
-          </a:p>
-        </p:txBody>
-      </p:sp>
-      <p:sp>
-        <p:nvSpPr>
-          <p:cNvPr id="8" name="Title 1">
-            <a:extLst>
-              <a:ext uri="{FF2B5EF4-FFF2-40B4-BE49-F238E27FC236}">
-                <a16:creationId xmlns:a16="http://schemas.microsoft.com/office/drawing/2014/main" id="{1F9E56F7-3D33-194C-B293-31036FD22374}"/>
-              </a:ext>
-            </a:extLst>
-          </p:cNvPr>
-          <p:cNvSpPr txBox="1">
-            <a:spLocks/>
-          </p:cNvSpPr>
-          <p:nvPr/>
-        </p:nvSpPr>
-        <p:spPr>
-          <a:xfrm>
-            <a:off x="-1" y="-1"/>
-            <a:ext cx="10710042" cy="1194955"/>
-          </a:xfrm>
-          <a:prstGeom prst="rect">
-            <a:avLst/>
-          </a:prstGeom>
-        </p:spPr>
-        <p:txBody>
-          <a:bodyPr vert="horz" lIns="91440" tIns="45720" rIns="91440" bIns="45720" rtlCol="0" anchor="b">
-            <a:normAutofit/>
-          </a:bodyPr>
-          <a:lstStyle>
-            <a:lvl1pPr algn="l" defTabSz="914400" rtl="0" eaLnBrk="1" latinLnBrk="0" hangingPunct="1">
-              <a:lnSpc>
-                <a:spcPct val="90000"/>
-              </a:lnSpc>
-              <a:spcBef>
-                <a:spcPct val="0"/>
-              </a:spcBef>
-              <a:buNone/>
-              <a:defRPr sz="4400" kern="1200" spc="-50" baseline="0">
-                <a:solidFill>
-                  <a:schemeClr val="tx1"/>
-                </a:solidFill>
-                <a:latin typeface="+mj-lt"/>
-                <a:ea typeface="+mj-ea"/>
-                <a:cs typeface="+mj-cs"/>
-              </a:defRPr>
-            </a:lvl1pPr>
-          </a:lstStyle>
-          <a:p>
-            <a:r>
-              <a:rPr lang="en-US" sz="4000" dirty="0"/>
-              <a:t>Model 2 – Seasonal and Differenced Response</a:t>
-            </a:r>
-          </a:p>
-        </p:txBody>
-      </p:sp>
-      <p:pic>
-        <p:nvPicPr>
-          <p:cNvPr id="7" name="Picture 6">
-            <a:extLst>
-              <a:ext uri="{FF2B5EF4-FFF2-40B4-BE49-F238E27FC236}">
-                <a16:creationId xmlns:a16="http://schemas.microsoft.com/office/drawing/2014/main" id="{442165AB-FDD9-5340-8A32-23D3A4DFCB45}"/>
-              </a:ext>
-            </a:extLst>
-          </p:cNvPr>
-          <p:cNvPicPr>
-            <a:picLocks noChangeAspect="1"/>
-          </p:cNvPicPr>
-          <p:nvPr/>
-        </p:nvPicPr>
-        <p:blipFill>
-          <a:blip r:embed="rId2"/>
-          <a:stretch>
-            <a:fillRect/>
-          </a:stretch>
-        </p:blipFill>
-        <p:spPr>
-          <a:xfrm>
-            <a:off x="6382999" y="1194954"/>
-            <a:ext cx="4248773" cy="5551731"/>
-          </a:xfrm>
-          <a:prstGeom prst="rect">
-            <a:avLst/>
-          </a:prstGeom>
-        </p:spPr>
-      </p:pic>
-      <p:pic>
-        <p:nvPicPr>
-          <p:cNvPr id="9" name="Picture 8">
-            <a:extLst>
-              <a:ext uri="{FF2B5EF4-FFF2-40B4-BE49-F238E27FC236}">
-                <a16:creationId xmlns:a16="http://schemas.microsoft.com/office/drawing/2014/main" id="{D0DCB43B-9494-484B-99EE-C666EF4A6DA9}"/>
-              </a:ext>
-            </a:extLst>
-          </p:cNvPr>
-          <p:cNvPicPr>
-            <a:picLocks noChangeAspect="1"/>
-          </p:cNvPicPr>
-          <p:nvPr/>
-        </p:nvPicPr>
-        <p:blipFill>
-          <a:blip r:embed="rId3"/>
-          <a:stretch>
-            <a:fillRect/>
-          </a:stretch>
-        </p:blipFill>
-        <p:spPr>
-          <a:xfrm>
-            <a:off x="-1" y="2333297"/>
-            <a:ext cx="5312725" cy="4558706"/>
-          </a:xfrm>
-          <a:prstGeom prst="rect">
-            <a:avLst/>
-          </a:prstGeom>
-        </p:spPr>
-      </p:pic>
+            <a:pPr algn="ctr"/>
+            <a:r>
+              <a:rPr lang="en-US" dirty="0"/>
+              <a:t>Multi-Layer Perceptron (MLP) Models</a:t>
+            </a:r>
+          </a:p>
+        </p:txBody>
+      </p:sp>
     </p:spTree>
     <p:extLst>
       <p:ext uri="{BB962C8B-B14F-4D97-AF65-F5344CB8AC3E}">
-        <p14:creationId xmlns:p14="http://schemas.microsoft.com/office/powerpoint/2010/main" val="4025467038"/>
+        <p14:creationId xmlns:p14="http://schemas.microsoft.com/office/powerpoint/2010/main" val="3487617045"/>
       </p:ext>
     </p:extLst>
   </p:cSld>
@@ -4969,7 +5215,7 @@
           <p:cNvPr id="2" name="Title 1">
             <a:extLst>
               <a:ext uri="{FF2B5EF4-FFF2-40B4-BE49-F238E27FC236}">
-                <a16:creationId xmlns:a16="http://schemas.microsoft.com/office/drawing/2014/main" id="{050DFEC9-9950-4B36-B118-A1B45FB18E9E}"/>
+                <a16:creationId xmlns:a16="http://schemas.microsoft.com/office/drawing/2014/main" id="{C3056302-8A01-44FF-992E-836704511C81}"/>
               </a:ext>
             </a:extLst>
           </p:cNvPr>
@@ -4982,298 +5228,67 @@
         </p:nvSpPr>
         <p:spPr>
           <a:xfrm>
-            <a:off x="0" y="-1"/>
-            <a:ext cx="10972800" cy="1194955"/>
-          </a:xfrm>
-        </p:spPr>
-        <p:txBody>
-          <a:bodyPr>
-            <a:normAutofit/>
-          </a:bodyPr>
-          <a:lstStyle/>
-          <a:p>
-            <a:r>
-              <a:rPr lang="en-US" dirty="0"/>
-              <a:t>RMSE Comparison</a:t>
-            </a:r>
-          </a:p>
-        </p:txBody>
-      </p:sp>
-      <p:sp>
-        <p:nvSpPr>
-          <p:cNvPr id="12" name="TextBox 11">
-            <a:extLst>
-              <a:ext uri="{FF2B5EF4-FFF2-40B4-BE49-F238E27FC236}">
-                <a16:creationId xmlns:a16="http://schemas.microsoft.com/office/drawing/2014/main" id="{AFC3E635-80A0-064C-9EAE-3F04979C7F92}"/>
-              </a:ext>
-            </a:extLst>
-          </p:cNvPr>
-          <p:cNvSpPr txBox="1"/>
-          <p:nvPr/>
-        </p:nvSpPr>
-        <p:spPr>
-          <a:xfrm>
-            <a:off x="146286" y="4903276"/>
-            <a:ext cx="4204997" cy="1477328"/>
-          </a:xfrm>
-          <a:prstGeom prst="rect">
-            <a:avLst/>
-          </a:prstGeom>
-          <a:noFill/>
-        </p:spPr>
-        <p:txBody>
-          <a:bodyPr wrap="none" rtlCol="0">
-            <a:spAutoFit/>
-          </a:bodyPr>
-          <a:lstStyle/>
-          <a:p>
-            <a:pPr marL="285750" indent="-285750">
-              <a:buFont typeface="Arial" panose="020B0604020202020204" pitchFamily="34" charset="0"/>
-              <a:buChar char="•"/>
-            </a:pPr>
-            <a:r>
-              <a:rPr lang="en-US" dirty="0"/>
-              <a:t>Rolling Window RMSE:</a:t>
-            </a:r>
-          </a:p>
-          <a:p>
-            <a:pPr marL="742950" lvl="1" indent="-285750">
-              <a:buFont typeface="Arial" panose="020B0604020202020204" pitchFamily="34" charset="0"/>
-              <a:buChar char="•"/>
-            </a:pPr>
-            <a:r>
-              <a:rPr lang="en-US" dirty="0"/>
-              <a:t>Short Term Forecast – 7 Days</a:t>
-            </a:r>
-          </a:p>
-          <a:p>
-            <a:pPr marL="1200150" lvl="2" indent="-285750">
-              <a:buFont typeface="Arial" panose="020B0604020202020204" pitchFamily="34" charset="0"/>
-              <a:buChar char="•"/>
-            </a:pPr>
-            <a:r>
-              <a:rPr lang="en-US" dirty="0"/>
-              <a:t>1279 Cases</a:t>
-            </a:r>
-          </a:p>
-          <a:p>
-            <a:pPr marL="742950" lvl="1" indent="-285750">
-              <a:buFont typeface="Arial" panose="020B0604020202020204" pitchFamily="34" charset="0"/>
-              <a:buChar char="•"/>
-            </a:pPr>
-            <a:r>
-              <a:rPr lang="en-US" dirty="0"/>
-              <a:t>Long Term Forecast – 21 Days</a:t>
-            </a:r>
-          </a:p>
-          <a:p>
-            <a:pPr marL="1200150" lvl="2" indent="-285750">
-              <a:buFont typeface="Arial" panose="020B0604020202020204" pitchFamily="34" charset="0"/>
-              <a:buChar char="•"/>
-            </a:pPr>
-            <a:r>
-              <a:rPr lang="en-US" dirty="0"/>
-              <a:t>974 Cases</a:t>
-            </a:r>
-          </a:p>
-        </p:txBody>
-      </p:sp>
-      <p:sp>
-        <p:nvSpPr>
-          <p:cNvPr id="5" name="TextBox 4">
-            <a:extLst>
-              <a:ext uri="{FF2B5EF4-FFF2-40B4-BE49-F238E27FC236}">
-                <a16:creationId xmlns:a16="http://schemas.microsoft.com/office/drawing/2014/main" id="{3A1AAFDC-F86A-C849-983C-F8DFB9830F38}"/>
-              </a:ext>
-            </a:extLst>
-          </p:cNvPr>
-          <p:cNvSpPr txBox="1"/>
-          <p:nvPr/>
-        </p:nvSpPr>
-        <p:spPr>
-          <a:xfrm>
-            <a:off x="5719211" y="4903276"/>
-            <a:ext cx="4204997" cy="1477328"/>
-          </a:xfrm>
-          <a:prstGeom prst="rect">
-            <a:avLst/>
-          </a:prstGeom>
-          <a:noFill/>
-        </p:spPr>
-        <p:txBody>
-          <a:bodyPr wrap="none" rtlCol="0">
-            <a:spAutoFit/>
-          </a:bodyPr>
-          <a:lstStyle/>
-          <a:p>
-            <a:pPr marL="285750" indent="-285750">
-              <a:buFont typeface="Arial" panose="020B0604020202020204" pitchFamily="34" charset="0"/>
-              <a:buChar char="•"/>
-            </a:pPr>
-            <a:r>
-              <a:rPr lang="en-US" dirty="0"/>
-              <a:t>Rolling Window RMSE:</a:t>
-            </a:r>
-          </a:p>
-          <a:p>
-            <a:pPr marL="742950" lvl="1" indent="-285750">
-              <a:buFont typeface="Arial" panose="020B0604020202020204" pitchFamily="34" charset="0"/>
-              <a:buChar char="•"/>
-            </a:pPr>
-            <a:r>
-              <a:rPr lang="en-US" dirty="0"/>
-              <a:t>Short Term Forecast – 7 Days</a:t>
-            </a:r>
-          </a:p>
-          <a:p>
-            <a:pPr marL="1200150" lvl="2" indent="-285750">
-              <a:buFont typeface="Arial" panose="020B0604020202020204" pitchFamily="34" charset="0"/>
-              <a:buChar char="•"/>
-            </a:pPr>
-            <a:r>
-              <a:rPr lang="en-US" dirty="0"/>
-              <a:t>1136 Cases</a:t>
-            </a:r>
-          </a:p>
-          <a:p>
-            <a:pPr marL="742950" lvl="1" indent="-285750">
-              <a:buFont typeface="Arial" panose="020B0604020202020204" pitchFamily="34" charset="0"/>
-              <a:buChar char="•"/>
-            </a:pPr>
-            <a:r>
-              <a:rPr lang="en-US" dirty="0"/>
-              <a:t>Long Term Forecast – 21 Days</a:t>
-            </a:r>
-          </a:p>
-          <a:p>
-            <a:pPr marL="1200150" lvl="2" indent="-285750">
-              <a:buFont typeface="Arial" panose="020B0604020202020204" pitchFamily="34" charset="0"/>
-              <a:buChar char="•"/>
-            </a:pPr>
-            <a:r>
-              <a:rPr lang="en-US" dirty="0"/>
-              <a:t>1117 Cases</a:t>
-            </a:r>
-          </a:p>
-        </p:txBody>
-      </p:sp>
-      <p:sp>
-        <p:nvSpPr>
-          <p:cNvPr id="7" name="TextBox 6">
-            <a:extLst>
-              <a:ext uri="{FF2B5EF4-FFF2-40B4-BE49-F238E27FC236}">
-                <a16:creationId xmlns:a16="http://schemas.microsoft.com/office/drawing/2014/main" id="{B949E7E9-9FCF-B944-9A6B-F698CB85A208}"/>
-              </a:ext>
-            </a:extLst>
-          </p:cNvPr>
-          <p:cNvSpPr txBox="1"/>
-          <p:nvPr/>
-        </p:nvSpPr>
-        <p:spPr>
-          <a:xfrm>
-            <a:off x="6704344" y="6380604"/>
-            <a:ext cx="2912977" cy="369332"/>
-          </a:xfrm>
-          <a:prstGeom prst="rect">
-            <a:avLst/>
-          </a:prstGeom>
-          <a:noFill/>
-        </p:spPr>
-        <p:txBody>
-          <a:bodyPr wrap="none" rtlCol="0">
-            <a:spAutoFit/>
-          </a:bodyPr>
-          <a:lstStyle/>
-          <a:p>
+            <a:off x="235505" y="319107"/>
+            <a:ext cx="9692640" cy="1325562"/>
+          </a:xfrm>
+        </p:spPr>
+        <p:txBody>
+          <a:bodyPr/>
+          <a:lstStyle/>
+          <a:p>
+            <a:r>
+              <a:rPr lang="en-US" dirty="0"/>
+              <a:t>MLP Model 1</a:t>
+            </a:r>
+          </a:p>
+        </p:txBody>
+      </p:sp>
+      <p:sp>
+        <p:nvSpPr>
+          <p:cNvPr id="6" name="Content Placeholder 5">
+            <a:extLst>
+              <a:ext uri="{FF2B5EF4-FFF2-40B4-BE49-F238E27FC236}">
+                <a16:creationId xmlns:a16="http://schemas.microsoft.com/office/drawing/2014/main" id="{227F1D00-4B52-44F0-90DB-E0C76771B64B}"/>
+              </a:ext>
+            </a:extLst>
+          </p:cNvPr>
+          <p:cNvSpPr>
+            <a:spLocks noGrp="1"/>
+          </p:cNvSpPr>
+          <p:nvPr>
+            <p:ph idx="1"/>
+          </p:nvPr>
+        </p:nvSpPr>
+        <p:spPr>
+          <a:xfrm>
+            <a:off x="235504" y="1782147"/>
+            <a:ext cx="10026811" cy="4351337"/>
+          </a:xfrm>
+        </p:spPr>
+        <p:txBody>
+          <a:bodyPr/>
+          <a:lstStyle/>
+          <a:p>
+            <a:r>
+              <a:rPr lang="en-US" dirty="0"/>
+              <a:t>First MLP Model </a:t>
+            </a:r>
             <a:r>
               <a:rPr lang="en-US" dirty="0">
-                <a:solidFill>
-                  <a:srgbClr val="FF0000"/>
-                </a:solidFill>
+                <a:sym typeface="Wingdings" panose="05000000000000000000" pitchFamily="2" charset="2"/>
               </a:rPr>
-              <a:t>Short Term RMSE Lower</a:t>
-            </a:r>
-          </a:p>
-        </p:txBody>
-      </p:sp>
-      <p:sp>
-        <p:nvSpPr>
-          <p:cNvPr id="8" name="TextBox 7">
-            <a:extLst>
-              <a:ext uri="{FF2B5EF4-FFF2-40B4-BE49-F238E27FC236}">
-                <a16:creationId xmlns:a16="http://schemas.microsoft.com/office/drawing/2014/main" id="{2E795870-7983-024E-9D31-41F9A68F6288}"/>
-              </a:ext>
-            </a:extLst>
-          </p:cNvPr>
-          <p:cNvSpPr txBox="1"/>
-          <p:nvPr/>
-        </p:nvSpPr>
-        <p:spPr>
-          <a:xfrm>
-            <a:off x="511073" y="1426744"/>
-            <a:ext cx="3724596" cy="369332"/>
-          </a:xfrm>
-          <a:prstGeom prst="rect">
-            <a:avLst/>
-          </a:prstGeom>
-          <a:noFill/>
-        </p:spPr>
-        <p:txBody>
-          <a:bodyPr wrap="square" rtlCol="0">
-            <a:spAutoFit/>
-          </a:bodyPr>
-          <a:lstStyle/>
-          <a:p>
-            <a:pPr algn="ctr"/>
-            <a:r>
-              <a:rPr lang="en-US" dirty="0"/>
-              <a:t>Model 1 – VAR(7)</a:t>
-            </a:r>
-          </a:p>
-        </p:txBody>
-      </p:sp>
-      <p:sp>
-        <p:nvSpPr>
-          <p:cNvPr id="9" name="TextBox 8">
-            <a:extLst>
-              <a:ext uri="{FF2B5EF4-FFF2-40B4-BE49-F238E27FC236}">
-                <a16:creationId xmlns:a16="http://schemas.microsoft.com/office/drawing/2014/main" id="{A68194E4-1B34-AB47-A588-FDD347AA107C}"/>
-              </a:ext>
-            </a:extLst>
-          </p:cNvPr>
-          <p:cNvSpPr txBox="1"/>
-          <p:nvPr/>
-        </p:nvSpPr>
-        <p:spPr>
-          <a:xfrm>
-            <a:off x="7151826" y="1426744"/>
-            <a:ext cx="2069797" cy="369332"/>
-          </a:xfrm>
-          <a:prstGeom prst="rect">
-            <a:avLst/>
-          </a:prstGeom>
-          <a:noFill/>
-        </p:spPr>
-        <p:txBody>
-          <a:bodyPr wrap="none" rtlCol="0">
-            <a:spAutoFit/>
-          </a:bodyPr>
-          <a:lstStyle/>
-          <a:p>
-            <a:pPr algn="ctr"/>
-            <a:r>
-              <a:rPr lang="en-US" dirty="0"/>
-              <a:t>Model 2 – VAR(8)</a:t>
-            </a:r>
+              <a:t> Predict COVID cases based only on test and vaccine data</a:t>
+            </a:r>
+            <a:endParaRPr lang="en-US" dirty="0"/>
           </a:p>
         </p:txBody>
       </p:sp>
       <p:pic>
         <p:nvPicPr>
-          <p:cNvPr id="11" name="Picture 10">
-            <a:extLst>
-              <a:ext uri="{FF2B5EF4-FFF2-40B4-BE49-F238E27FC236}">
-                <a16:creationId xmlns:a16="http://schemas.microsoft.com/office/drawing/2014/main" id="{498B123B-4E1E-4C47-B20F-51EB4D22BC6B}"/>
+          <p:cNvPr id="10" name="Picture 9">
+            <a:extLst>
+              <a:ext uri="{FF2B5EF4-FFF2-40B4-BE49-F238E27FC236}">
+                <a16:creationId xmlns:a16="http://schemas.microsoft.com/office/drawing/2014/main" id="{4ADD3E50-84B9-437F-8FCB-F7C2BC83139B}"/>
               </a:ext>
             </a:extLst>
           </p:cNvPr>
@@ -5290,8 +5305,8 @@
         </p:blipFill>
         <p:spPr>
           <a:xfrm>
-            <a:off x="146286" y="1796076"/>
-            <a:ext cx="4497569" cy="2915420"/>
+            <a:off x="574809" y="2542402"/>
+            <a:ext cx="4916695" cy="1415413"/>
           </a:xfrm>
           <a:prstGeom prst="rect">
             <a:avLst/>
@@ -5300,10 +5315,10 @@
       </p:pic>
       <p:pic>
         <p:nvPicPr>
-          <p:cNvPr id="3" name="Picture 2">
-            <a:extLst>
-              <a:ext uri="{FF2B5EF4-FFF2-40B4-BE49-F238E27FC236}">
-                <a16:creationId xmlns:a16="http://schemas.microsoft.com/office/drawing/2014/main" id="{61588351-F5EF-5E43-AB2D-DF5EF052CDB6}"/>
+          <p:cNvPr id="12" name="Picture 11">
+            <a:extLst>
+              <a:ext uri="{FF2B5EF4-FFF2-40B4-BE49-F238E27FC236}">
+                <a16:creationId xmlns:a16="http://schemas.microsoft.com/office/drawing/2014/main" id="{5C0250D2-5CBA-4D43-AEDD-E0486EA13928}"/>
               </a:ext>
             </a:extLst>
           </p:cNvPr>
@@ -5312,65 +5327,25 @@
           </p:cNvPicPr>
           <p:nvPr/>
         </p:nvPicPr>
-        <p:blipFill>
+        <p:blipFill rotWithShape="1">
           <a:blip r:embed="rId3"/>
-          <a:stretch>
-            <a:fillRect/>
-          </a:stretch>
+          <a:srcRect t="9452"/>
+          <a:stretch/>
         </p:blipFill>
         <p:spPr>
           <a:xfrm>
-            <a:off x="5719211" y="1794874"/>
-            <a:ext cx="4666593" cy="2916621"/>
+            <a:off x="5248909" y="2383692"/>
+            <a:ext cx="5909735" cy="2701492"/>
           </a:xfrm>
           <a:prstGeom prst="rect">
             <a:avLst/>
           </a:prstGeom>
         </p:spPr>
       </p:pic>
-      <p:sp>
-        <p:nvSpPr>
-          <p:cNvPr id="13" name="TextBox 12">
-            <a:extLst>
-              <a:ext uri="{FF2B5EF4-FFF2-40B4-BE49-F238E27FC236}">
-                <a16:creationId xmlns:a16="http://schemas.microsoft.com/office/drawing/2014/main" id="{37A91138-75BB-DD48-8D29-F341B489DBD4}"/>
-              </a:ext>
-            </a:extLst>
-          </p:cNvPr>
-          <p:cNvSpPr txBox="1"/>
-          <p:nvPr/>
-        </p:nvSpPr>
-        <p:spPr>
-          <a:xfrm>
-            <a:off x="938581" y="6380604"/>
-            <a:ext cx="2852063" cy="369332"/>
-          </a:xfrm>
-          <a:prstGeom prst="rect">
-            <a:avLst/>
-          </a:prstGeom>
-          <a:noFill/>
-        </p:spPr>
-        <p:txBody>
-          <a:bodyPr wrap="none" rtlCol="0">
-            <a:spAutoFit/>
-          </a:bodyPr>
-          <a:lstStyle/>
-          <a:p>
-            <a:r>
-              <a:rPr lang="en-US" dirty="0">
-                <a:solidFill>
-                  <a:srgbClr val="FF0000"/>
-                </a:solidFill>
-              </a:rPr>
-              <a:t>Long Term RMSE Lower</a:t>
-            </a:r>
-          </a:p>
-        </p:txBody>
-      </p:sp>
     </p:spTree>
     <p:extLst>
       <p:ext uri="{BB962C8B-B14F-4D97-AF65-F5344CB8AC3E}">
-        <p14:creationId xmlns:p14="http://schemas.microsoft.com/office/powerpoint/2010/main" val="150401171"/>
+        <p14:creationId xmlns:p14="http://schemas.microsoft.com/office/powerpoint/2010/main" val="539348811"/>
       </p:ext>
     </p:extLst>
   </p:cSld>
@@ -5402,7 +5377,7 @@
           <p:cNvPr id="2" name="Title 1">
             <a:extLst>
               <a:ext uri="{FF2B5EF4-FFF2-40B4-BE49-F238E27FC236}">
-                <a16:creationId xmlns:a16="http://schemas.microsoft.com/office/drawing/2014/main" id="{050DFEC9-9950-4B36-B118-A1B45FB18E9E}"/>
+                <a16:creationId xmlns:a16="http://schemas.microsoft.com/office/drawing/2014/main" id="{C3056302-8A01-44FF-992E-836704511C81}"/>
               </a:ext>
             </a:extLst>
           </p:cNvPr>
@@ -5415,28 +5390,124 @@
         </p:nvSpPr>
         <p:spPr>
           <a:xfrm>
-            <a:off x="2711668" y="1996964"/>
-            <a:ext cx="6085489" cy="1534511"/>
-          </a:xfrm>
-        </p:spPr>
-        <p:txBody>
-          <a:bodyPr>
-            <a:normAutofit fontScale="90000"/>
-          </a:bodyPr>
-          <a:lstStyle/>
-          <a:p>
-            <a:pPr algn="ctr"/>
-            <a:r>
-              <a:rPr lang="en-US" dirty="0"/>
-              <a:t>Multi-Layer Perceptron (MLP) Models</a:t>
-            </a:r>
-          </a:p>
-        </p:txBody>
-      </p:sp>
+            <a:off x="235505" y="319107"/>
+            <a:ext cx="9692640" cy="1325562"/>
+          </a:xfrm>
+        </p:spPr>
+        <p:txBody>
+          <a:bodyPr/>
+          <a:lstStyle/>
+          <a:p>
+            <a:r>
+              <a:rPr lang="en-US" dirty="0"/>
+              <a:t>MLP Model 2</a:t>
+            </a:r>
+          </a:p>
+        </p:txBody>
+      </p:sp>
+      <p:sp>
+        <p:nvSpPr>
+          <p:cNvPr id="6" name="Content Placeholder 5">
+            <a:extLst>
+              <a:ext uri="{FF2B5EF4-FFF2-40B4-BE49-F238E27FC236}">
+                <a16:creationId xmlns:a16="http://schemas.microsoft.com/office/drawing/2014/main" id="{227F1D00-4B52-44F0-90DB-E0C76771B64B}"/>
+              </a:ext>
+            </a:extLst>
+          </p:cNvPr>
+          <p:cNvSpPr>
+            <a:spLocks noGrp="1"/>
+          </p:cNvSpPr>
+          <p:nvPr>
+            <p:ph idx="1"/>
+          </p:nvPr>
+        </p:nvSpPr>
+        <p:spPr>
+          <a:xfrm>
+            <a:off x="235504" y="1782147"/>
+            <a:ext cx="10541353" cy="4351337"/>
+          </a:xfrm>
+        </p:spPr>
+        <p:txBody>
+          <a:bodyPr/>
+          <a:lstStyle/>
+          <a:p>
+            <a:r>
+              <a:rPr lang="en-US" dirty="0"/>
+              <a:t>Second MLP Model </a:t>
+            </a:r>
+            <a:r>
+              <a:rPr lang="en-US" dirty="0">
+                <a:sym typeface="Wingdings" panose="05000000000000000000" pitchFamily="2" charset="2"/>
+              </a:rPr>
+              <a:t> Predict COVID cases based on tests, vaccines and park mobility data</a:t>
+            </a:r>
+            <a:endParaRPr lang="en-US" dirty="0"/>
+          </a:p>
+        </p:txBody>
+      </p:sp>
+      <p:pic>
+        <p:nvPicPr>
+          <p:cNvPr id="9" name="Picture 8">
+            <a:extLst>
+              <a:ext uri="{FF2B5EF4-FFF2-40B4-BE49-F238E27FC236}">
+                <a16:creationId xmlns:a16="http://schemas.microsoft.com/office/drawing/2014/main" id="{C2204B58-EA11-49C0-B917-6051E571B588}"/>
+              </a:ext>
+            </a:extLst>
+          </p:cNvPr>
+          <p:cNvPicPr>
+            <a:picLocks noChangeAspect="1"/>
+          </p:cNvPicPr>
+          <p:nvPr/>
+        </p:nvPicPr>
+        <p:blipFill>
+          <a:blip r:embed="rId2"/>
+          <a:stretch>
+            <a:fillRect/>
+          </a:stretch>
+        </p:blipFill>
+        <p:spPr>
+          <a:xfrm>
+            <a:off x="480136" y="2486674"/>
+            <a:ext cx="4360330" cy="1358495"/>
+          </a:xfrm>
+          <a:prstGeom prst="rect">
+            <a:avLst/>
+          </a:prstGeom>
+        </p:spPr>
+      </p:pic>
+      <p:pic>
+        <p:nvPicPr>
+          <p:cNvPr id="13" name="Picture 12">
+            <a:extLst>
+              <a:ext uri="{FF2B5EF4-FFF2-40B4-BE49-F238E27FC236}">
+                <a16:creationId xmlns:a16="http://schemas.microsoft.com/office/drawing/2014/main" id="{8CA02E33-8867-4537-9E73-E64D019AAF26}"/>
+              </a:ext>
+            </a:extLst>
+          </p:cNvPr>
+          <p:cNvPicPr>
+            <a:picLocks noChangeAspect="1"/>
+          </p:cNvPicPr>
+          <p:nvPr/>
+        </p:nvPicPr>
+        <p:blipFill rotWithShape="1">
+          <a:blip r:embed="rId3"/>
+          <a:srcRect t="6253"/>
+          <a:stretch/>
+        </p:blipFill>
+        <p:spPr>
+          <a:xfrm>
+            <a:off x="5418296" y="2336800"/>
+            <a:ext cx="5358561" cy="2723822"/>
+          </a:xfrm>
+          <a:prstGeom prst="rect">
+            <a:avLst/>
+          </a:prstGeom>
+        </p:spPr>
+      </p:pic>
     </p:spTree>
     <p:extLst>
       <p:ext uri="{BB962C8B-B14F-4D97-AF65-F5344CB8AC3E}">
-        <p14:creationId xmlns:p14="http://schemas.microsoft.com/office/powerpoint/2010/main" val="3487617045"/>
+        <p14:creationId xmlns:p14="http://schemas.microsoft.com/office/powerpoint/2010/main" val="3444401712"/>
       </p:ext>
     </p:extLst>
   </p:cSld>
@@ -5660,7 +5731,7 @@
           <p:cNvPr id="2" name="Title 1">
             <a:extLst>
               <a:ext uri="{FF2B5EF4-FFF2-40B4-BE49-F238E27FC236}">
-                <a16:creationId xmlns:a16="http://schemas.microsoft.com/office/drawing/2014/main" id="{050DFEC9-9950-4B36-B118-A1B45FB18E9E}"/>
+                <a16:creationId xmlns:a16="http://schemas.microsoft.com/office/drawing/2014/main" id="{06459AB6-F37D-4095-B9F0-1BB9F1F63044}"/>
               </a:ext>
             </a:extLst>
           </p:cNvPr>
@@ -5673,20 +5744,272 @@
         </p:nvSpPr>
         <p:spPr>
           <a:xfrm>
-            <a:off x="2711668" y="1996964"/>
-            <a:ext cx="6085489" cy="1534511"/>
-          </a:xfrm>
-        </p:spPr>
-        <p:txBody>
-          <a:bodyPr>
-            <a:normAutofit/>
+            <a:off x="375299" y="283741"/>
+            <a:ext cx="9692640" cy="979771"/>
+          </a:xfrm>
+        </p:spPr>
+        <p:txBody>
+          <a:bodyPr/>
+          <a:lstStyle/>
+          <a:p>
+            <a:r>
+              <a:rPr lang="en-US" dirty="0"/>
+              <a:t>MLP Model Comparison</a:t>
+            </a:r>
+          </a:p>
+        </p:txBody>
+      </p:sp>
+      <p:pic>
+        <p:nvPicPr>
+          <p:cNvPr id="7" name="Picture 6">
+            <a:extLst>
+              <a:ext uri="{FF2B5EF4-FFF2-40B4-BE49-F238E27FC236}">
+                <a16:creationId xmlns:a16="http://schemas.microsoft.com/office/drawing/2014/main" id="{4C38BE7A-1404-49FE-A185-0C22D2EA11EC}"/>
+              </a:ext>
+            </a:extLst>
+          </p:cNvPr>
+          <p:cNvPicPr>
+            <a:picLocks noChangeAspect="1"/>
+          </p:cNvPicPr>
+          <p:nvPr/>
+        </p:nvPicPr>
+        <p:blipFill>
+          <a:blip r:embed="rId2"/>
+          <a:stretch>
+            <a:fillRect/>
+          </a:stretch>
+        </p:blipFill>
+        <p:spPr>
+          <a:xfrm>
+            <a:off x="282131" y="1691322"/>
+            <a:ext cx="4939488" cy="3001976"/>
+          </a:xfrm>
+          <a:prstGeom prst="rect">
+            <a:avLst/>
+          </a:prstGeom>
+        </p:spPr>
+      </p:pic>
+      <p:pic>
+        <p:nvPicPr>
+          <p:cNvPr id="9" name="Picture 8">
+            <a:extLst>
+              <a:ext uri="{FF2B5EF4-FFF2-40B4-BE49-F238E27FC236}">
+                <a16:creationId xmlns:a16="http://schemas.microsoft.com/office/drawing/2014/main" id="{40ACBACF-7DB9-4422-82D7-25F40B55A172}"/>
+              </a:ext>
+            </a:extLst>
+          </p:cNvPr>
+          <p:cNvPicPr>
+            <a:picLocks noChangeAspect="1"/>
+          </p:cNvPicPr>
+          <p:nvPr/>
+        </p:nvPicPr>
+        <p:blipFill>
+          <a:blip r:embed="rId3"/>
+          <a:stretch>
+            <a:fillRect/>
+          </a:stretch>
+        </p:blipFill>
+        <p:spPr>
+          <a:xfrm>
+            <a:off x="6095608" y="1609303"/>
+            <a:ext cx="5009976" cy="2785415"/>
+          </a:xfrm>
+          <a:prstGeom prst="rect">
+            <a:avLst/>
+          </a:prstGeom>
+        </p:spPr>
+      </p:pic>
+      <p:sp>
+        <p:nvSpPr>
+          <p:cNvPr id="12" name="TextBox 11">
+            <a:extLst>
+              <a:ext uri="{FF2B5EF4-FFF2-40B4-BE49-F238E27FC236}">
+                <a16:creationId xmlns:a16="http://schemas.microsoft.com/office/drawing/2014/main" id="{30CB189F-3DD7-451F-BC36-FB092B6D49A0}"/>
+              </a:ext>
+            </a:extLst>
+          </p:cNvPr>
+          <p:cNvSpPr txBox="1"/>
+          <p:nvPr/>
+        </p:nvSpPr>
+        <p:spPr>
+          <a:xfrm>
+            <a:off x="375299" y="4573180"/>
+            <a:ext cx="4183838" cy="1754326"/>
+          </a:xfrm>
+          <a:prstGeom prst="rect">
+            <a:avLst/>
+          </a:prstGeom>
+          <a:noFill/>
+        </p:spPr>
+        <p:txBody>
+          <a:bodyPr wrap="none" rtlCol="0">
+            <a:spAutoFit/>
           </a:bodyPr>
           <a:lstStyle/>
           <a:p>
-            <a:pPr algn="ctr"/>
-            <a:r>
-              <a:rPr lang="en-US" dirty="0"/>
-              <a:t>Ensemble Models</a:t>
+            <a:r>
+              <a:rPr lang="en-US" dirty="0"/>
+              <a:t>Forecast RMSE:  Vaccines &amp; Tests</a:t>
+            </a:r>
+          </a:p>
+          <a:p>
+            <a:endParaRPr lang="en-US" dirty="0"/>
+          </a:p>
+          <a:p>
+            <a:pPr marL="742950" lvl="1" indent="-285750">
+              <a:buFont typeface="Arial" panose="020B0604020202020204" pitchFamily="34" charset="0"/>
+              <a:buChar char="•"/>
+            </a:pPr>
+            <a:r>
+              <a:rPr lang="en-US" dirty="0"/>
+              <a:t>Short Term Forecast – 7 Days</a:t>
+            </a:r>
+          </a:p>
+          <a:p>
+            <a:pPr marL="1200150" lvl="2" indent="-285750">
+              <a:buFont typeface="Arial" panose="020B0604020202020204" pitchFamily="34" charset="0"/>
+              <a:buChar char="•"/>
+            </a:pPr>
+            <a:r>
+              <a:rPr lang="en-US" dirty="0"/>
+              <a:t>1329Cases</a:t>
+            </a:r>
+          </a:p>
+          <a:p>
+            <a:pPr marL="742950" lvl="1" indent="-285750">
+              <a:buFont typeface="Arial" panose="020B0604020202020204" pitchFamily="34" charset="0"/>
+              <a:buChar char="•"/>
+            </a:pPr>
+            <a:r>
+              <a:rPr lang="en-US" dirty="0"/>
+              <a:t>Long Term Forecast – 21 Days</a:t>
+            </a:r>
+          </a:p>
+          <a:p>
+            <a:pPr marL="1200150" lvl="2" indent="-285750">
+              <a:buFont typeface="Arial" panose="020B0604020202020204" pitchFamily="34" charset="0"/>
+              <a:buChar char="•"/>
+            </a:pPr>
+            <a:r>
+              <a:rPr lang="en-US" dirty="0"/>
+              <a:t>2837 Cases</a:t>
+            </a:r>
+          </a:p>
+        </p:txBody>
+      </p:sp>
+      <p:sp>
+        <p:nvSpPr>
+          <p:cNvPr id="13" name="TextBox 12">
+            <a:extLst>
+              <a:ext uri="{FF2B5EF4-FFF2-40B4-BE49-F238E27FC236}">
+                <a16:creationId xmlns:a16="http://schemas.microsoft.com/office/drawing/2014/main" id="{33024E1C-7F11-45D3-9264-89EBA8131C0C}"/>
+              </a:ext>
+            </a:extLst>
+          </p:cNvPr>
+          <p:cNvSpPr txBox="1"/>
+          <p:nvPr/>
+        </p:nvSpPr>
+        <p:spPr>
+          <a:xfrm>
+            <a:off x="6135649" y="4573180"/>
+            <a:ext cx="4856779" cy="1754326"/>
+          </a:xfrm>
+          <a:prstGeom prst="rect">
+            <a:avLst/>
+          </a:prstGeom>
+          <a:noFill/>
+        </p:spPr>
+        <p:txBody>
+          <a:bodyPr wrap="none" rtlCol="0">
+            <a:spAutoFit/>
+          </a:bodyPr>
+          <a:lstStyle/>
+          <a:p>
+            <a:r>
+              <a:rPr lang="en-US" dirty="0"/>
+              <a:t>Forecast RMSE:  Vaccines, Tests &amp; Mobility</a:t>
+            </a:r>
+          </a:p>
+          <a:p>
+            <a:endParaRPr lang="en-US" dirty="0"/>
+          </a:p>
+          <a:p>
+            <a:pPr marL="742950" lvl="1" indent="-285750">
+              <a:buFont typeface="Arial" panose="020B0604020202020204" pitchFamily="34" charset="0"/>
+              <a:buChar char="•"/>
+            </a:pPr>
+            <a:r>
+              <a:rPr lang="en-US" dirty="0"/>
+              <a:t>Short Term Forecast – 7 Days</a:t>
+            </a:r>
+          </a:p>
+          <a:p>
+            <a:pPr marL="1200150" lvl="2" indent="-285750">
+              <a:buFont typeface="Arial" panose="020B0604020202020204" pitchFamily="34" charset="0"/>
+              <a:buChar char="•"/>
+            </a:pPr>
+            <a:r>
+              <a:rPr lang="en-US" dirty="0"/>
+              <a:t>952 Cases</a:t>
+            </a:r>
+          </a:p>
+          <a:p>
+            <a:pPr marL="742950" lvl="1" indent="-285750">
+              <a:buFont typeface="Arial" panose="020B0604020202020204" pitchFamily="34" charset="0"/>
+              <a:buChar char="•"/>
+            </a:pPr>
+            <a:r>
+              <a:rPr lang="en-US" dirty="0"/>
+              <a:t>Long Term Forecast – 21 Days</a:t>
+            </a:r>
+          </a:p>
+          <a:p>
+            <a:pPr marL="1200150" lvl="2" indent="-285750">
+              <a:buFont typeface="Arial" panose="020B0604020202020204" pitchFamily="34" charset="0"/>
+              <a:buChar char="•"/>
+            </a:pPr>
+            <a:r>
+              <a:rPr lang="en-US" dirty="0"/>
+              <a:t>1260 Cases</a:t>
+            </a:r>
+          </a:p>
+        </p:txBody>
+      </p:sp>
+      <p:sp>
+        <p:nvSpPr>
+          <p:cNvPr id="14" name="TextBox 13">
+            <a:extLst>
+              <a:ext uri="{FF2B5EF4-FFF2-40B4-BE49-F238E27FC236}">
+                <a16:creationId xmlns:a16="http://schemas.microsoft.com/office/drawing/2014/main" id="{ED108867-88BA-4E3E-8271-FDB51819B530}"/>
+              </a:ext>
+            </a:extLst>
+          </p:cNvPr>
+          <p:cNvSpPr txBox="1"/>
+          <p:nvPr/>
+        </p:nvSpPr>
+        <p:spPr>
+          <a:xfrm>
+            <a:off x="7077569" y="6389593"/>
+            <a:ext cx="1903085" cy="369332"/>
+          </a:xfrm>
+          <a:prstGeom prst="rect">
+            <a:avLst/>
+          </a:prstGeom>
+          <a:noFill/>
+        </p:spPr>
+        <p:txBody>
+          <a:bodyPr wrap="none" rtlCol="0">
+            <a:spAutoFit/>
+          </a:bodyPr>
+          <a:lstStyle/>
+          <a:p>
+            <a:r>
+              <a:rPr lang="en-US" dirty="0">
+                <a:solidFill>
+                  <a:srgbClr val="FF0000"/>
+                </a:solidFill>
+              </a:rPr>
+              <a:t>RMSE LOWER</a:t>
             </a:r>
           </a:p>
         </p:txBody>
@@ -5694,7 +6017,7 @@
     </p:spTree>
     <p:extLst>
       <p:ext uri="{BB962C8B-B14F-4D97-AF65-F5344CB8AC3E}">
-        <p14:creationId xmlns:p14="http://schemas.microsoft.com/office/powerpoint/2010/main" val="2332829265"/>
+        <p14:creationId xmlns:p14="http://schemas.microsoft.com/office/powerpoint/2010/main" val="3238523708"/>
       </p:ext>
     </p:extLst>
   </p:cSld>
@@ -5705,7 +6028,7 @@
 </file>
 
 <file path=ppt/slides/slide21.xml><?xml version="1.0" encoding="utf-8"?>
-<p:sld xmlns:a="http://schemas.openxmlformats.org/drawingml/2006/main" xmlns:r="http://schemas.openxmlformats.org/officeDocument/2006/relationships" xmlns:p="http://schemas.openxmlformats.org/presentationml/2006/main" show="0">
+<p:sld xmlns:a="http://schemas.openxmlformats.org/drawingml/2006/main" xmlns:r="http://schemas.openxmlformats.org/officeDocument/2006/relationships" xmlns:p="http://schemas.openxmlformats.org/presentationml/2006/main">
   <p:cSld>
     <p:spTree>
       <p:nvGrpSpPr>
@@ -5739,228 +6062,28 @@
         </p:nvSpPr>
         <p:spPr>
           <a:xfrm>
-            <a:off x="0" y="0"/>
-            <a:ext cx="9043988" cy="777240"/>
+            <a:off x="2711668" y="1996964"/>
+            <a:ext cx="6085489" cy="1534511"/>
           </a:xfrm>
         </p:spPr>
         <p:txBody>
           <a:bodyPr>
-            <a:normAutofit fontScale="90000"/>
+            <a:normAutofit/>
           </a:bodyPr>
           <a:lstStyle/>
           <a:p>
-            <a:r>
-              <a:rPr lang="en-US"/>
-              <a:t>Compare Randomly Generated Plots</a:t>
-            </a:r>
-            <a:endParaRPr lang="en-US" dirty="0"/>
-          </a:p>
-        </p:txBody>
-      </p:sp>
-      <p:pic>
-        <p:nvPicPr>
-          <p:cNvPr id="4" name="Picture 3">
-            <a:extLst>
-              <a:ext uri="{FF2B5EF4-FFF2-40B4-BE49-F238E27FC236}">
-                <a16:creationId xmlns:a16="http://schemas.microsoft.com/office/drawing/2014/main" id="{CE5744A7-2E1B-7B44-8267-0B7D030A04A4}"/>
-              </a:ext>
-            </a:extLst>
-          </p:cNvPr>
-          <p:cNvPicPr>
-            <a:picLocks noChangeAspect="1"/>
-          </p:cNvPicPr>
-          <p:nvPr/>
-        </p:nvPicPr>
-        <p:blipFill>
-          <a:blip r:embed="rId2"/>
-          <a:stretch>
-            <a:fillRect/>
-          </a:stretch>
-        </p:blipFill>
-        <p:spPr>
-          <a:xfrm>
-            <a:off x="2874168" y="737630"/>
-            <a:ext cx="6443663" cy="2160009"/>
-          </a:xfrm>
-          <a:prstGeom prst="rect">
-            <a:avLst/>
-          </a:prstGeom>
-        </p:spPr>
-      </p:pic>
-      <p:sp>
-        <p:nvSpPr>
-          <p:cNvPr id="7" name="TextBox 6">
-            <a:extLst>
-              <a:ext uri="{FF2B5EF4-FFF2-40B4-BE49-F238E27FC236}">
-                <a16:creationId xmlns:a16="http://schemas.microsoft.com/office/drawing/2014/main" id="{11295C64-BF37-9843-BFDD-352DC9831A20}"/>
-              </a:ext>
-            </a:extLst>
-          </p:cNvPr>
-          <p:cNvSpPr txBox="1"/>
-          <p:nvPr/>
-        </p:nvSpPr>
-        <p:spPr>
-          <a:xfrm>
-            <a:off x="257175" y="1457325"/>
-            <a:ext cx="2351926" cy="369332"/>
-          </a:xfrm>
-          <a:prstGeom prst="rect">
-            <a:avLst/>
-          </a:prstGeom>
-          <a:noFill/>
-        </p:spPr>
-        <p:txBody>
-          <a:bodyPr wrap="none" rtlCol="0">
-            <a:spAutoFit/>
-          </a:bodyPr>
-          <a:lstStyle/>
-          <a:p>
-            <a:r>
-              <a:rPr lang="en-US" dirty="0"/>
-              <a:t>Original Realization</a:t>
-            </a:r>
-          </a:p>
-        </p:txBody>
-      </p:sp>
-      <p:sp>
-        <p:nvSpPr>
-          <p:cNvPr id="13" name="TextBox 12">
-            <a:extLst>
-              <a:ext uri="{FF2B5EF4-FFF2-40B4-BE49-F238E27FC236}">
-                <a16:creationId xmlns:a16="http://schemas.microsoft.com/office/drawing/2014/main" id="{0BE389B6-F55B-AF42-B754-52586B128986}"/>
-              </a:ext>
-            </a:extLst>
-          </p:cNvPr>
-          <p:cNvSpPr txBox="1"/>
-          <p:nvPr/>
-        </p:nvSpPr>
-        <p:spPr>
-          <a:xfrm>
-            <a:off x="257175" y="3472990"/>
-            <a:ext cx="1792478" cy="646331"/>
-          </a:xfrm>
-          <a:prstGeom prst="rect">
-            <a:avLst/>
-          </a:prstGeom>
-          <a:noFill/>
-        </p:spPr>
-        <p:txBody>
-          <a:bodyPr wrap="none" rtlCol="0">
-            <a:spAutoFit/>
-          </a:bodyPr>
-          <a:lstStyle/>
-          <a:p>
-            <a:r>
-              <a:rPr lang="en-US" dirty="0"/>
-              <a:t>ARIMA(21,0,8)</a:t>
-            </a:r>
-          </a:p>
-          <a:p>
-            <a:r>
-              <a:rPr lang="en-US" dirty="0"/>
-              <a:t>with s = 7</a:t>
-            </a:r>
-          </a:p>
-        </p:txBody>
-      </p:sp>
-      <p:sp>
-        <p:nvSpPr>
-          <p:cNvPr id="15" name="TextBox 14">
-            <a:extLst>
-              <a:ext uri="{FF2B5EF4-FFF2-40B4-BE49-F238E27FC236}">
-                <a16:creationId xmlns:a16="http://schemas.microsoft.com/office/drawing/2014/main" id="{264494C9-E36E-704F-9CEE-B58953EDF19C}"/>
-              </a:ext>
-            </a:extLst>
-          </p:cNvPr>
-          <p:cNvSpPr txBox="1"/>
-          <p:nvPr/>
-        </p:nvSpPr>
-        <p:spPr>
-          <a:xfrm>
-            <a:off x="257175" y="5400675"/>
-            <a:ext cx="1792478" cy="369332"/>
-          </a:xfrm>
-          <a:prstGeom prst="rect">
-            <a:avLst/>
-          </a:prstGeom>
-          <a:noFill/>
-        </p:spPr>
-        <p:txBody>
-          <a:bodyPr wrap="none" rtlCol="0">
-            <a:spAutoFit/>
-          </a:bodyPr>
-          <a:lstStyle/>
-          <a:p>
-            <a:r>
-              <a:rPr lang="en-US" dirty="0"/>
-              <a:t>ARIMA(6,1,14)</a:t>
-            </a:r>
-          </a:p>
-        </p:txBody>
-      </p:sp>
-      <p:pic>
-        <p:nvPicPr>
-          <p:cNvPr id="3" name="Picture 2">
-            <a:extLst>
-              <a:ext uri="{FF2B5EF4-FFF2-40B4-BE49-F238E27FC236}">
-                <a16:creationId xmlns:a16="http://schemas.microsoft.com/office/drawing/2014/main" id="{E0641656-DFC1-FC4E-99AB-84A5723B6597}"/>
-              </a:ext>
-            </a:extLst>
-          </p:cNvPr>
-          <p:cNvPicPr>
-            <a:picLocks noChangeAspect="1"/>
-          </p:cNvPicPr>
-          <p:nvPr/>
-        </p:nvPicPr>
-        <p:blipFill>
-          <a:blip r:embed="rId3"/>
-          <a:stretch>
-            <a:fillRect/>
-          </a:stretch>
-        </p:blipFill>
-        <p:spPr>
-          <a:xfrm>
-            <a:off x="2874168" y="2776377"/>
-            <a:ext cx="6443663" cy="2184292"/>
-          </a:xfrm>
-          <a:prstGeom prst="rect">
-            <a:avLst/>
-          </a:prstGeom>
-        </p:spPr>
-      </p:pic>
-      <p:pic>
-        <p:nvPicPr>
-          <p:cNvPr id="6" name="Picture 5">
-            <a:extLst>
-              <a:ext uri="{FF2B5EF4-FFF2-40B4-BE49-F238E27FC236}">
-                <a16:creationId xmlns:a16="http://schemas.microsoft.com/office/drawing/2014/main" id="{219D45FD-1BEA-DF4A-99DB-9391FAE7EED2}"/>
-              </a:ext>
-            </a:extLst>
-          </p:cNvPr>
-          <p:cNvPicPr>
-            <a:picLocks noChangeAspect="1"/>
-          </p:cNvPicPr>
-          <p:nvPr/>
-        </p:nvPicPr>
-        <p:blipFill rotWithShape="1">
-          <a:blip r:embed="rId4"/>
-          <a:srcRect b="6785"/>
-          <a:stretch/>
-        </p:blipFill>
-        <p:spPr>
-          <a:xfrm>
-            <a:off x="2874168" y="4839987"/>
-            <a:ext cx="6443663" cy="2018013"/>
-          </a:xfrm>
-          <a:prstGeom prst="rect">
-            <a:avLst/>
-          </a:prstGeom>
-        </p:spPr>
-      </p:pic>
+            <a:pPr algn="ctr"/>
+            <a:r>
+              <a:rPr lang="en-US" dirty="0"/>
+              <a:t>Ensemble Models</a:t>
+            </a:r>
+          </a:p>
+        </p:txBody>
+      </p:sp>
     </p:spTree>
     <p:extLst>
       <p:ext uri="{BB962C8B-B14F-4D97-AF65-F5344CB8AC3E}">
-        <p14:creationId xmlns:p14="http://schemas.microsoft.com/office/powerpoint/2010/main" val="2782303367"/>
+        <p14:creationId xmlns:p14="http://schemas.microsoft.com/office/powerpoint/2010/main" val="2332829265"/>
       </p:ext>
     </p:extLst>
   </p:cSld>
@@ -5992,7 +6115,7 @@
           <p:cNvPr id="2" name="Title 1">
             <a:extLst>
               <a:ext uri="{FF2B5EF4-FFF2-40B4-BE49-F238E27FC236}">
-                <a16:creationId xmlns:a16="http://schemas.microsoft.com/office/drawing/2014/main" id="{8E3C6B26-4A29-49E7-B2F3-CA4FFF8D61F4}"/>
+                <a16:creationId xmlns:a16="http://schemas.microsoft.com/office/drawing/2014/main" id="{050DFEC9-9950-4B36-B118-A1B45FB18E9E}"/>
               </a:ext>
             </a:extLst>
           </p:cNvPr>
@@ -6003,72 +6126,284 @@
             <p:ph type="title"/>
           </p:nvPr>
         </p:nvSpPr>
-        <p:spPr/>
-        <p:txBody>
-          <a:bodyPr/>
-          <a:lstStyle/>
-          <a:p>
-            <a:r>
-              <a:rPr lang="en-US" dirty="0"/>
-              <a:t>Conclusion and Next Steps</a:t>
-            </a:r>
-          </a:p>
-        </p:txBody>
-      </p:sp>
-      <p:sp>
-        <p:nvSpPr>
-          <p:cNvPr id="3" name="Content Placeholder 2">
-            <a:extLst>
-              <a:ext uri="{FF2B5EF4-FFF2-40B4-BE49-F238E27FC236}">
-                <a16:creationId xmlns:a16="http://schemas.microsoft.com/office/drawing/2014/main" id="{AC92AF72-4F34-4A62-A945-98EB2A6B34C2}"/>
-              </a:ext>
-            </a:extLst>
-          </p:cNvPr>
-          <p:cNvSpPr>
-            <a:spLocks noGrp="1"/>
-          </p:cNvSpPr>
-          <p:nvPr>
-            <p:ph idx="1"/>
-          </p:nvPr>
-        </p:nvSpPr>
-        <p:spPr/>
-        <p:txBody>
-          <a:bodyPr/>
-          <a:lstStyle/>
-          <a:p>
-            <a:r>
-              <a:rPr lang="en-US" dirty="0"/>
-              <a:t>Selected Model</a:t>
-            </a:r>
-          </a:p>
-          <a:p>
-            <a:r>
-              <a:rPr lang="en-US" dirty="0"/>
-              <a:t>Implementation</a:t>
-            </a:r>
-          </a:p>
-          <a:p>
-            <a:r>
-              <a:rPr lang="en-US" dirty="0"/>
-              <a:t>Refinement</a:t>
-            </a:r>
-          </a:p>
-          <a:p>
-            <a:r>
-              <a:rPr lang="en-US" dirty="0"/>
-              <a:t>Additional information that could be useful</a:t>
-            </a:r>
-          </a:p>
-          <a:p>
-            <a:pPr lvl="1"/>
-            <a:endParaRPr lang="en-US" dirty="0"/>
+        <p:spPr>
+          <a:xfrm>
+            <a:off x="0" y="-1"/>
+            <a:ext cx="10972800" cy="1194955"/>
+          </a:xfrm>
+        </p:spPr>
+        <p:txBody>
+          <a:bodyPr>
+            <a:normAutofit/>
+          </a:bodyPr>
+          <a:lstStyle/>
+          <a:p>
+            <a:r>
+              <a:rPr lang="en-US" dirty="0"/>
+              <a:t>Ensemble RMSE</a:t>
+            </a:r>
+          </a:p>
+        </p:txBody>
+      </p:sp>
+      <p:sp>
+        <p:nvSpPr>
+          <p:cNvPr id="5" name="TextBox 4">
+            <a:extLst>
+              <a:ext uri="{FF2B5EF4-FFF2-40B4-BE49-F238E27FC236}">
+                <a16:creationId xmlns:a16="http://schemas.microsoft.com/office/drawing/2014/main" id="{3A1AAFDC-F86A-C849-983C-F8DFB9830F38}"/>
+              </a:ext>
+            </a:extLst>
+          </p:cNvPr>
+          <p:cNvSpPr txBox="1"/>
+          <p:nvPr/>
+        </p:nvSpPr>
+        <p:spPr>
+          <a:xfrm>
+            <a:off x="3175708" y="5380672"/>
+            <a:ext cx="4204997" cy="1477328"/>
+          </a:xfrm>
+          <a:prstGeom prst="rect">
+            <a:avLst/>
+          </a:prstGeom>
+          <a:noFill/>
+        </p:spPr>
+        <p:txBody>
+          <a:bodyPr wrap="none" rtlCol="0">
+            <a:spAutoFit/>
+          </a:bodyPr>
+          <a:lstStyle/>
+          <a:p>
+            <a:pPr marL="285750" indent="-285750">
+              <a:buFont typeface="Arial" panose="020B0604020202020204" pitchFamily="34" charset="0"/>
+              <a:buChar char="•"/>
+            </a:pPr>
+            <a:r>
+              <a:rPr lang="en-US" dirty="0"/>
+              <a:t>Forecast RMSE:</a:t>
+            </a:r>
+          </a:p>
+          <a:p>
+            <a:pPr marL="742950" lvl="1" indent="-285750">
+              <a:buFont typeface="Arial" panose="020B0604020202020204" pitchFamily="34" charset="0"/>
+              <a:buChar char="•"/>
+            </a:pPr>
+            <a:r>
+              <a:rPr lang="en-US" dirty="0"/>
+              <a:t>Short Term Forecast – 7 Days</a:t>
+            </a:r>
+          </a:p>
+          <a:p>
+            <a:pPr marL="1200150" lvl="2" indent="-285750">
+              <a:buFont typeface="Arial" panose="020B0604020202020204" pitchFamily="34" charset="0"/>
+              <a:buChar char="•"/>
+            </a:pPr>
+            <a:r>
+              <a:rPr lang="en-US" dirty="0"/>
+              <a:t>903 Cases</a:t>
+            </a:r>
+          </a:p>
+          <a:p>
+            <a:pPr marL="742950" lvl="1" indent="-285750">
+              <a:buFont typeface="Arial" panose="020B0604020202020204" pitchFamily="34" charset="0"/>
+              <a:buChar char="•"/>
+            </a:pPr>
+            <a:r>
+              <a:rPr lang="en-US" dirty="0"/>
+              <a:t>Long Term Forecast – 21 Days</a:t>
+            </a:r>
+          </a:p>
+          <a:p>
+            <a:pPr marL="1200150" lvl="2" indent="-285750">
+              <a:buFont typeface="Arial" panose="020B0604020202020204" pitchFamily="34" charset="0"/>
+              <a:buChar char="•"/>
+            </a:pPr>
+            <a:r>
+              <a:rPr lang="en-US" dirty="0"/>
+              <a:t>1032 Cases</a:t>
+            </a:r>
+          </a:p>
+        </p:txBody>
+      </p:sp>
+      <p:sp>
+        <p:nvSpPr>
+          <p:cNvPr id="7" name="TextBox 6">
+            <a:extLst>
+              <a:ext uri="{FF2B5EF4-FFF2-40B4-BE49-F238E27FC236}">
+                <a16:creationId xmlns:a16="http://schemas.microsoft.com/office/drawing/2014/main" id="{B949E7E9-9FCF-B944-9A6B-F698CB85A208}"/>
+              </a:ext>
+            </a:extLst>
+          </p:cNvPr>
+          <p:cNvSpPr txBox="1"/>
+          <p:nvPr/>
+        </p:nvSpPr>
+        <p:spPr>
+          <a:xfrm>
+            <a:off x="7380705" y="5657671"/>
+            <a:ext cx="3024535" cy="923330"/>
+          </a:xfrm>
+          <a:prstGeom prst="rect">
+            <a:avLst/>
+          </a:prstGeom>
+          <a:noFill/>
+        </p:spPr>
+        <p:txBody>
+          <a:bodyPr wrap="square" rtlCol="0">
+            <a:spAutoFit/>
+          </a:bodyPr>
+          <a:lstStyle/>
+          <a:p>
+            <a:r>
+              <a:rPr lang="en-US" dirty="0">
+                <a:solidFill>
+                  <a:srgbClr val="FF0000"/>
+                </a:solidFill>
+              </a:rPr>
+              <a:t>Lowest Short Term</a:t>
+            </a:r>
+          </a:p>
+          <a:p>
+            <a:endParaRPr lang="en-US" dirty="0">
+              <a:solidFill>
+                <a:srgbClr val="FF0000"/>
+              </a:solidFill>
+            </a:endParaRPr>
+          </a:p>
+          <a:p>
+            <a:r>
+              <a:rPr lang="en-US" dirty="0">
+                <a:solidFill>
+                  <a:srgbClr val="FF0000"/>
+                </a:solidFill>
+              </a:rPr>
+              <a:t>Lowest Long Term</a:t>
+            </a:r>
+          </a:p>
+        </p:txBody>
+      </p:sp>
+      <p:sp>
+        <p:nvSpPr>
+          <p:cNvPr id="6" name="TextBox 5">
+            <a:extLst>
+              <a:ext uri="{FF2B5EF4-FFF2-40B4-BE49-F238E27FC236}">
+                <a16:creationId xmlns:a16="http://schemas.microsoft.com/office/drawing/2014/main" id="{66B4334D-907F-1E4C-938E-B6DA485773DA}"/>
+              </a:ext>
+            </a:extLst>
+          </p:cNvPr>
+          <p:cNvSpPr txBox="1"/>
+          <p:nvPr/>
+        </p:nvSpPr>
+        <p:spPr>
+          <a:xfrm>
+            <a:off x="3491016" y="1194954"/>
+            <a:ext cx="3163045" cy="369332"/>
+          </a:xfrm>
+          <a:prstGeom prst="rect">
+            <a:avLst/>
+          </a:prstGeom>
+          <a:noFill/>
+        </p:spPr>
+        <p:txBody>
+          <a:bodyPr wrap="none" rtlCol="0">
+            <a:spAutoFit/>
+          </a:bodyPr>
+          <a:lstStyle/>
+          <a:p>
+            <a:r>
+              <a:rPr lang="en-US" dirty="0"/>
+              <a:t>Ensemble model of average </a:t>
+            </a:r>
+          </a:p>
+        </p:txBody>
+      </p:sp>
+      <p:pic>
+        <p:nvPicPr>
+          <p:cNvPr id="15" name="Picture 14">
+            <a:extLst>
+              <a:ext uri="{FF2B5EF4-FFF2-40B4-BE49-F238E27FC236}">
+                <a16:creationId xmlns:a16="http://schemas.microsoft.com/office/drawing/2014/main" id="{6226C10C-A3AE-154A-95BF-8F222804B397}"/>
+              </a:ext>
+            </a:extLst>
+          </p:cNvPr>
+          <p:cNvPicPr>
+            <a:picLocks noChangeAspect="1"/>
+          </p:cNvPicPr>
+          <p:nvPr/>
+        </p:nvPicPr>
+        <p:blipFill rotWithShape="1">
+          <a:blip r:embed="rId2"/>
+          <a:srcRect b="6004"/>
+          <a:stretch/>
+        </p:blipFill>
+        <p:spPr>
+          <a:xfrm>
+            <a:off x="1819100" y="1520807"/>
+            <a:ext cx="6506875" cy="3859865"/>
+          </a:xfrm>
+          <a:prstGeom prst="rect">
+            <a:avLst/>
+          </a:prstGeom>
+        </p:spPr>
+      </p:pic>
+      <p:sp>
+        <p:nvSpPr>
+          <p:cNvPr id="16" name="TextBox 15">
+            <a:extLst>
+              <a:ext uri="{FF2B5EF4-FFF2-40B4-BE49-F238E27FC236}">
+                <a16:creationId xmlns:a16="http://schemas.microsoft.com/office/drawing/2014/main" id="{AB0C0930-1B97-AF4F-ADC6-CA0C1B8B46B0}"/>
+              </a:ext>
+            </a:extLst>
+          </p:cNvPr>
+          <p:cNvSpPr txBox="1"/>
+          <p:nvPr/>
+        </p:nvSpPr>
+        <p:spPr>
+          <a:xfrm>
+            <a:off x="8298574" y="2238703"/>
+            <a:ext cx="2674225" cy="1477328"/>
+          </a:xfrm>
+          <a:prstGeom prst="rect">
+            <a:avLst/>
+          </a:prstGeom>
+          <a:noFill/>
+        </p:spPr>
+        <p:txBody>
+          <a:bodyPr wrap="square" rtlCol="0">
+            <a:spAutoFit/>
+          </a:bodyPr>
+          <a:lstStyle/>
+          <a:p>
+            <a:r>
+              <a:rPr lang="en-US" dirty="0"/>
+              <a:t>*Grey lines = </a:t>
+            </a:r>
+          </a:p>
+          <a:p>
+            <a:r>
+              <a:rPr lang="en-US" dirty="0"/>
+              <a:t>VAR and MLP models</a:t>
+            </a:r>
+          </a:p>
+          <a:p>
+            <a:endParaRPr lang="en-US" dirty="0"/>
+          </a:p>
+          <a:p>
+            <a:r>
+              <a:rPr lang="en-US" dirty="0"/>
+              <a:t>*Blue dashed line =</a:t>
+            </a:r>
+          </a:p>
+          <a:p>
+            <a:r>
+              <a:rPr lang="en-US" dirty="0"/>
+              <a:t>Ensemble Model</a:t>
+            </a:r>
           </a:p>
         </p:txBody>
       </p:sp>
     </p:spTree>
     <p:extLst>
       <p:ext uri="{BB962C8B-B14F-4D97-AF65-F5344CB8AC3E}">
-        <p14:creationId xmlns:p14="http://schemas.microsoft.com/office/powerpoint/2010/main" val="1301189734"/>
+        <p14:creationId xmlns:p14="http://schemas.microsoft.com/office/powerpoint/2010/main" val="390895424"/>
       </p:ext>
     </p:extLst>
   </p:cSld>
@@ -6079,7 +6414,7 @@
 </file>
 
 <file path=ppt/slides/slide23.xml><?xml version="1.0" encoding="utf-8"?>
-<p:sld xmlns:a="http://schemas.openxmlformats.org/drawingml/2006/main" xmlns:r="http://schemas.openxmlformats.org/officeDocument/2006/relationships" xmlns:p="http://schemas.openxmlformats.org/presentationml/2006/main" show="0">
+<p:sld xmlns:a="http://schemas.openxmlformats.org/drawingml/2006/main" xmlns:r="http://schemas.openxmlformats.org/officeDocument/2006/relationships" xmlns:p="http://schemas.openxmlformats.org/presentationml/2006/main">
   <p:cSld>
     <p:spTree>
       <p:nvGrpSpPr>
@@ -6100,7 +6435,7 @@
           <p:cNvPr id="2" name="Title 1">
             <a:extLst>
               <a:ext uri="{FF2B5EF4-FFF2-40B4-BE49-F238E27FC236}">
-                <a16:creationId xmlns:a16="http://schemas.microsoft.com/office/drawing/2014/main" id="{8E3C6B26-4A29-49E7-B2F3-CA4FFF8D61F4}"/>
+                <a16:creationId xmlns:a16="http://schemas.microsoft.com/office/drawing/2014/main" id="{050DFEC9-9950-4B36-B118-A1B45FB18E9E}"/>
               </a:ext>
             </a:extLst>
           </p:cNvPr>
@@ -6111,115 +6446,150 @@
             <p:ph type="title"/>
           </p:nvPr>
         </p:nvSpPr>
-        <p:spPr/>
-        <p:txBody>
-          <a:bodyPr/>
-          <a:lstStyle/>
-          <a:p>
-            <a:r>
-              <a:rPr lang="en-US" dirty="0"/>
-              <a:t>Strategy for rest of analysis</a:t>
-            </a:r>
-          </a:p>
-        </p:txBody>
-      </p:sp>
-      <p:sp>
-        <p:nvSpPr>
-          <p:cNvPr id="3" name="Content Placeholder 2">
-            <a:extLst>
-              <a:ext uri="{FF2B5EF4-FFF2-40B4-BE49-F238E27FC236}">
-                <a16:creationId xmlns:a16="http://schemas.microsoft.com/office/drawing/2014/main" id="{AC92AF72-4F34-4A62-A945-98EB2A6B34C2}"/>
-              </a:ext>
-            </a:extLst>
-          </p:cNvPr>
-          <p:cNvSpPr>
-            <a:spLocks noGrp="1"/>
-          </p:cNvSpPr>
-          <p:nvPr>
-            <p:ph idx="1"/>
-          </p:nvPr>
-        </p:nvSpPr>
-        <p:spPr/>
-        <p:txBody>
-          <a:bodyPr/>
-          <a:lstStyle/>
-          <a:p>
-            <a:r>
-              <a:rPr lang="en-US" dirty="0"/>
-              <a:t>Investigate how to deal with periods of high realization variability</a:t>
-            </a:r>
-          </a:p>
-          <a:p>
-            <a:pPr lvl="1"/>
-            <a:r>
-              <a:rPr lang="en-US" dirty="0"/>
-              <a:t>Moving Average Smoothing</a:t>
-            </a:r>
-          </a:p>
-          <a:p>
-            <a:pPr lvl="1"/>
-            <a:r>
-              <a:rPr lang="en-US" dirty="0"/>
-              <a:t>Ensemble Modeling</a:t>
-            </a:r>
-          </a:p>
-          <a:p>
-            <a:r>
-              <a:rPr lang="en-US" dirty="0"/>
-              <a:t>Explore models with regressors such as:</a:t>
-            </a:r>
-          </a:p>
-          <a:p>
-            <a:pPr lvl="1"/>
-            <a:r>
-              <a:rPr lang="en-US" dirty="0"/>
-              <a:t>Google Mobility Data</a:t>
-            </a:r>
-          </a:p>
-          <a:p>
-            <a:pPr lvl="1"/>
-            <a:r>
-              <a:rPr lang="en-US" dirty="0"/>
-              <a:t>Vaccination Doses</a:t>
-            </a:r>
-          </a:p>
-          <a:p>
-            <a:pPr lvl="1"/>
-            <a:r>
-              <a:rPr lang="en-US" dirty="0"/>
-              <a:t>Covid Tests Taken</a:t>
-            </a:r>
-          </a:p>
-          <a:p>
-            <a:r>
-              <a:rPr lang="en-US" dirty="0"/>
-              <a:t>Develop forecasts with models such as:</a:t>
-            </a:r>
-          </a:p>
-          <a:p>
-            <a:pPr lvl="1"/>
-            <a:r>
-              <a:rPr lang="en-US" dirty="0"/>
-              <a:t>Vector AR Models</a:t>
-            </a:r>
-          </a:p>
-          <a:p>
-            <a:pPr lvl="1"/>
-            <a:r>
-              <a:rPr lang="en-US" dirty="0"/>
-              <a:t>Neural Network Models</a:t>
-            </a:r>
-          </a:p>
-          <a:p>
-            <a:pPr lvl="1"/>
-            <a:endParaRPr lang="en-US" dirty="0"/>
+        <p:spPr>
+          <a:xfrm>
+            <a:off x="0" y="-1"/>
+            <a:ext cx="10972800" cy="1194955"/>
+          </a:xfrm>
+        </p:spPr>
+        <p:txBody>
+          <a:bodyPr>
+            <a:normAutofit/>
+          </a:bodyPr>
+          <a:lstStyle/>
+          <a:p>
+            <a:r>
+              <a:rPr lang="en-US" dirty="0"/>
+              <a:t>Ensemble Model</a:t>
+            </a:r>
+          </a:p>
+        </p:txBody>
+      </p:sp>
+      <p:sp>
+        <p:nvSpPr>
+          <p:cNvPr id="6" name="TextBox 5">
+            <a:extLst>
+              <a:ext uri="{FF2B5EF4-FFF2-40B4-BE49-F238E27FC236}">
+                <a16:creationId xmlns:a16="http://schemas.microsoft.com/office/drawing/2014/main" id="{66B4334D-907F-1E4C-938E-B6DA485773DA}"/>
+              </a:ext>
+            </a:extLst>
+          </p:cNvPr>
+          <p:cNvSpPr txBox="1"/>
+          <p:nvPr/>
+        </p:nvSpPr>
+        <p:spPr>
+          <a:xfrm>
+            <a:off x="1717825" y="1355834"/>
+            <a:ext cx="5723042" cy="369332"/>
+          </a:xfrm>
+          <a:prstGeom prst="rect">
+            <a:avLst/>
+          </a:prstGeom>
+          <a:noFill/>
+        </p:spPr>
+        <p:txBody>
+          <a:bodyPr wrap="none" rtlCol="0">
+            <a:spAutoFit/>
+          </a:bodyPr>
+          <a:lstStyle/>
+          <a:p>
+            <a:r>
+              <a:rPr lang="en-US" dirty="0"/>
+              <a:t>Last 100 Observations with Ensemble Model (h=21)</a:t>
+            </a:r>
+          </a:p>
+        </p:txBody>
+      </p:sp>
+      <p:pic>
+        <p:nvPicPr>
+          <p:cNvPr id="3" name="Picture 2">
+            <a:extLst>
+              <a:ext uri="{FF2B5EF4-FFF2-40B4-BE49-F238E27FC236}">
+                <a16:creationId xmlns:a16="http://schemas.microsoft.com/office/drawing/2014/main" id="{DC1C6AE5-FBB7-0F49-9571-651442262E32}"/>
+              </a:ext>
+            </a:extLst>
+          </p:cNvPr>
+          <p:cNvPicPr>
+            <a:picLocks noChangeAspect="1"/>
+          </p:cNvPicPr>
+          <p:nvPr/>
+        </p:nvPicPr>
+        <p:blipFill>
+          <a:blip r:embed="rId2"/>
+          <a:stretch>
+            <a:fillRect/>
+          </a:stretch>
+        </p:blipFill>
+        <p:spPr>
+          <a:xfrm>
+            <a:off x="105103" y="1665562"/>
+            <a:ext cx="8193472" cy="5192438"/>
+          </a:xfrm>
+          <a:prstGeom prst="rect">
+            <a:avLst/>
+          </a:prstGeom>
+        </p:spPr>
+      </p:pic>
+      <p:sp>
+        <p:nvSpPr>
+          <p:cNvPr id="4" name="TextBox 3">
+            <a:extLst>
+              <a:ext uri="{FF2B5EF4-FFF2-40B4-BE49-F238E27FC236}">
+                <a16:creationId xmlns:a16="http://schemas.microsoft.com/office/drawing/2014/main" id="{5F6D547F-88DD-AA43-818E-2C573F8F1869}"/>
+              </a:ext>
+            </a:extLst>
+          </p:cNvPr>
+          <p:cNvSpPr txBox="1"/>
+          <p:nvPr/>
+        </p:nvSpPr>
+        <p:spPr>
+          <a:xfrm>
+            <a:off x="8298574" y="2238703"/>
+            <a:ext cx="2674225" cy="1477328"/>
+          </a:xfrm>
+          <a:prstGeom prst="rect">
+            <a:avLst/>
+          </a:prstGeom>
+          <a:noFill/>
+        </p:spPr>
+        <p:txBody>
+          <a:bodyPr wrap="square" rtlCol="0">
+            <a:spAutoFit/>
+          </a:bodyPr>
+          <a:lstStyle/>
+          <a:p>
+            <a:r>
+              <a:rPr lang="en-US" dirty="0"/>
+              <a:t>*Grey lines = </a:t>
+            </a:r>
+          </a:p>
+          <a:p>
+            <a:r>
+              <a:rPr lang="en-US" dirty="0"/>
+              <a:t>VAR and MLP models</a:t>
+            </a:r>
+          </a:p>
+          <a:p>
+            <a:endParaRPr lang="en-US" dirty="0"/>
+          </a:p>
+          <a:p>
+            <a:r>
+              <a:rPr lang="en-US" dirty="0"/>
+              <a:t>*Blue dashed line =</a:t>
+            </a:r>
+          </a:p>
+          <a:p>
+            <a:r>
+              <a:rPr lang="en-US" dirty="0"/>
+              <a:t>Ensemble Model</a:t>
+            </a:r>
           </a:p>
         </p:txBody>
       </p:sp>
     </p:spTree>
     <p:extLst>
       <p:ext uri="{BB962C8B-B14F-4D97-AF65-F5344CB8AC3E}">
-        <p14:creationId xmlns:p14="http://schemas.microsoft.com/office/powerpoint/2010/main" val="3643289047"/>
+        <p14:creationId xmlns:p14="http://schemas.microsoft.com/office/powerpoint/2010/main" val="698142893"/>
       </p:ext>
     </p:extLst>
   </p:cSld>
@@ -6251,7 +6621,7 @@
           <p:cNvPr id="2" name="Title 1">
             <a:extLst>
               <a:ext uri="{FF2B5EF4-FFF2-40B4-BE49-F238E27FC236}">
-                <a16:creationId xmlns:a16="http://schemas.microsoft.com/office/drawing/2014/main" id="{8E3C6B26-4A29-49E7-B2F3-CA4FFF8D61F4}"/>
+                <a16:creationId xmlns:a16="http://schemas.microsoft.com/office/drawing/2014/main" id="{050DFEC9-9950-4B36-B118-A1B45FB18E9E}"/>
               </a:ext>
             </a:extLst>
           </p:cNvPr>
@@ -6264,25 +6634,375 @@
         </p:nvSpPr>
         <p:spPr>
           <a:xfrm>
-            <a:off x="3412790" y="2256904"/>
-            <a:ext cx="3912801" cy="1359131"/>
-          </a:xfrm>
-        </p:spPr>
-        <p:txBody>
-          <a:bodyPr/>
-          <a:lstStyle/>
-          <a:p>
-            <a:r>
-              <a:rPr lang="en-US" dirty="0"/>
-              <a:t>THANK YOU!</a:t>
-            </a:r>
-          </a:p>
-        </p:txBody>
-      </p:sp>
+            <a:off x="0" y="-1"/>
+            <a:ext cx="10972800" cy="1194955"/>
+          </a:xfrm>
+        </p:spPr>
+        <p:txBody>
+          <a:bodyPr>
+            <a:normAutofit/>
+          </a:bodyPr>
+          <a:lstStyle/>
+          <a:p>
+            <a:r>
+              <a:rPr lang="en-US" dirty="0"/>
+              <a:t>Selected Models Summary</a:t>
+            </a:r>
+          </a:p>
+        </p:txBody>
+      </p:sp>
+      <p:graphicFrame>
+        <p:nvGraphicFramePr>
+          <p:cNvPr id="10" name="Table 10">
+            <a:extLst>
+              <a:ext uri="{FF2B5EF4-FFF2-40B4-BE49-F238E27FC236}">
+                <a16:creationId xmlns:a16="http://schemas.microsoft.com/office/drawing/2014/main" id="{C62C3A53-99F0-454E-921A-32004EBEE4B9}"/>
+              </a:ext>
+            </a:extLst>
+          </p:cNvPr>
+          <p:cNvGraphicFramePr>
+            <a:graphicFrameLocks noGrp="1"/>
+          </p:cNvGraphicFramePr>
+          <p:nvPr>
+            <p:extLst>
+              <p:ext uri="{D42A27DB-BD31-4B8C-83A1-F6EECF244321}">
+                <p14:modId xmlns:p14="http://schemas.microsoft.com/office/powerpoint/2010/main" val="1007490576"/>
+              </p:ext>
+            </p:extLst>
+          </p:nvPr>
+        </p:nvGraphicFramePr>
+        <p:xfrm>
+          <a:off x="802290" y="2218621"/>
+          <a:ext cx="8127999" cy="1854200"/>
+        </p:xfrm>
+        <a:graphic>
+          <a:graphicData uri="http://schemas.openxmlformats.org/drawingml/2006/table">
+            <a:tbl>
+              <a:tblPr firstRow="1" bandRow="1">
+                <a:tableStyleId>{21E4AEA4-8DFA-4A89-87EB-49C32662AFE0}</a:tableStyleId>
+              </a:tblPr>
+              <a:tblGrid>
+                <a:gridCol w="2709333">
+                  <a:extLst>
+                    <a:ext uri="{9D8B030D-6E8A-4147-A177-3AD203B41FA5}">
+                      <a16:colId xmlns:a16="http://schemas.microsoft.com/office/drawing/2014/main" val="3252075425"/>
+                    </a:ext>
+                  </a:extLst>
+                </a:gridCol>
+                <a:gridCol w="2709333">
+                  <a:extLst>
+                    <a:ext uri="{9D8B030D-6E8A-4147-A177-3AD203B41FA5}">
+                      <a16:colId xmlns:a16="http://schemas.microsoft.com/office/drawing/2014/main" val="2936042902"/>
+                    </a:ext>
+                  </a:extLst>
+                </a:gridCol>
+                <a:gridCol w="2709333">
+                  <a:extLst>
+                    <a:ext uri="{9D8B030D-6E8A-4147-A177-3AD203B41FA5}">
+                      <a16:colId xmlns:a16="http://schemas.microsoft.com/office/drawing/2014/main" val="538056740"/>
+                    </a:ext>
+                  </a:extLst>
+                </a:gridCol>
+              </a:tblGrid>
+              <a:tr h="370840">
+                <a:tc>
+                  <a:txBody>
+                    <a:bodyPr/>
+                    <a:lstStyle/>
+                    <a:p>
+                      <a:pPr algn="ctr"/>
+                      <a:r>
+                        <a:rPr lang="en-US" dirty="0"/>
+                        <a:t>Model</a:t>
+                      </a:r>
+                    </a:p>
+                  </a:txBody>
+                  <a:tcPr/>
+                </a:tc>
+                <a:tc>
+                  <a:txBody>
+                    <a:bodyPr/>
+                    <a:lstStyle/>
+                    <a:p>
+                      <a:pPr algn="ctr"/>
+                      <a:r>
+                        <a:rPr lang="en-US" dirty="0"/>
+                        <a:t>Short Term Forecast</a:t>
+                      </a:r>
+                    </a:p>
+                  </a:txBody>
+                  <a:tcPr/>
+                </a:tc>
+                <a:tc>
+                  <a:txBody>
+                    <a:bodyPr/>
+                    <a:lstStyle/>
+                    <a:p>
+                      <a:pPr algn="ctr"/>
+                      <a:r>
+                        <a:rPr lang="en-US" dirty="0"/>
+                        <a:t>Long Term Forecast</a:t>
+                      </a:r>
+                    </a:p>
+                  </a:txBody>
+                  <a:tcPr/>
+                </a:tc>
+                <a:extLst>
+                  <a:ext uri="{0D108BD9-81ED-4DB2-BD59-A6C34878D82A}">
+                    <a16:rowId xmlns:a16="http://schemas.microsoft.com/office/drawing/2014/main" val="1629764119"/>
+                  </a:ext>
+                </a:extLst>
+              </a:tr>
+              <a:tr h="370840">
+                <a:tc>
+                  <a:txBody>
+                    <a:bodyPr/>
+                    <a:lstStyle/>
+                    <a:p>
+                      <a:pPr marL="0" marR="0" lvl="0" indent="0" algn="l" defTabSz="914400" rtl="0" eaLnBrk="1" fontAlgn="auto" latinLnBrk="0" hangingPunct="1">
+                        <a:lnSpc>
+                          <a:spcPct val="100000"/>
+                        </a:lnSpc>
+                        <a:spcBef>
+                          <a:spcPts val="0"/>
+                        </a:spcBef>
+                        <a:spcAft>
+                          <a:spcPts val="0"/>
+                        </a:spcAft>
+                        <a:buClrTx/>
+                        <a:buSzTx/>
+                        <a:buFontTx/>
+                        <a:buNone/>
+                        <a:tabLst/>
+                        <a:defRPr/>
+                      </a:pPr>
+                      <a:r>
+                        <a:rPr lang="en-US" dirty="0"/>
+                        <a:t>ARIMA(6,1,14)</a:t>
+                      </a:r>
+                    </a:p>
+                  </a:txBody>
+                  <a:tcPr/>
+                </a:tc>
+                <a:tc>
+                  <a:txBody>
+                    <a:bodyPr/>
+                    <a:lstStyle/>
+                    <a:p>
+                      <a:pPr algn="ctr"/>
+                      <a:r>
+                        <a:rPr lang="en-US" dirty="0"/>
+                        <a:t>2981</a:t>
+                      </a:r>
+                    </a:p>
+                  </a:txBody>
+                  <a:tcPr/>
+                </a:tc>
+                <a:tc>
+                  <a:txBody>
+                    <a:bodyPr/>
+                    <a:lstStyle/>
+                    <a:p>
+                      <a:pPr algn="ctr"/>
+                      <a:r>
+                        <a:rPr lang="en-US" dirty="0"/>
+                        <a:t>3806</a:t>
+                      </a:r>
+                    </a:p>
+                  </a:txBody>
+                  <a:tcPr/>
+                </a:tc>
+                <a:extLst>
+                  <a:ext uri="{0D108BD9-81ED-4DB2-BD59-A6C34878D82A}">
+                    <a16:rowId xmlns:a16="http://schemas.microsoft.com/office/drawing/2014/main" val="3534712932"/>
+                  </a:ext>
+                </a:extLst>
+              </a:tr>
+              <a:tr h="370840">
+                <a:tc>
+                  <a:txBody>
+                    <a:bodyPr/>
+                    <a:lstStyle/>
+                    <a:p>
+                      <a:pPr algn="l"/>
+                      <a:r>
+                        <a:rPr lang="en-US" dirty="0"/>
+                        <a:t>VAR(8)</a:t>
+                      </a:r>
+                    </a:p>
+                  </a:txBody>
+                  <a:tcPr/>
+                </a:tc>
+                <a:tc>
+                  <a:txBody>
+                    <a:bodyPr/>
+                    <a:lstStyle/>
+                    <a:p>
+                      <a:pPr algn="ctr"/>
+                      <a:r>
+                        <a:rPr lang="en-US" dirty="0"/>
+                        <a:t>1136</a:t>
+                      </a:r>
+                    </a:p>
+                  </a:txBody>
+                  <a:tcPr/>
+                </a:tc>
+                <a:tc>
+                  <a:txBody>
+                    <a:bodyPr/>
+                    <a:lstStyle/>
+                    <a:p>
+                      <a:pPr algn="ctr"/>
+                      <a:r>
+                        <a:rPr lang="en-US" dirty="0"/>
+                        <a:t>1117</a:t>
+                      </a:r>
+                    </a:p>
+                  </a:txBody>
+                  <a:tcPr/>
+                </a:tc>
+                <a:extLst>
+                  <a:ext uri="{0D108BD9-81ED-4DB2-BD59-A6C34878D82A}">
+                    <a16:rowId xmlns:a16="http://schemas.microsoft.com/office/drawing/2014/main" val="2345733600"/>
+                  </a:ext>
+                </a:extLst>
+              </a:tr>
+              <a:tr h="370840">
+                <a:tc>
+                  <a:txBody>
+                    <a:bodyPr/>
+                    <a:lstStyle/>
+                    <a:p>
+                      <a:pPr algn="l"/>
+                      <a:r>
+                        <a:rPr lang="en-US" dirty="0"/>
+                        <a:t>MLP</a:t>
+                      </a:r>
+                    </a:p>
+                  </a:txBody>
+                  <a:tcPr/>
+                </a:tc>
+                <a:tc>
+                  <a:txBody>
+                    <a:bodyPr/>
+                    <a:lstStyle/>
+                    <a:p>
+                      <a:pPr algn="ctr"/>
+                      <a:r>
+                        <a:rPr lang="en-US" dirty="0"/>
+                        <a:t>952</a:t>
+                      </a:r>
+                    </a:p>
+                  </a:txBody>
+                  <a:tcPr/>
+                </a:tc>
+                <a:tc>
+                  <a:txBody>
+                    <a:bodyPr/>
+                    <a:lstStyle/>
+                    <a:p>
+                      <a:pPr algn="ctr"/>
+                      <a:r>
+                        <a:rPr lang="en-US" dirty="0"/>
+                        <a:t>1260</a:t>
+                      </a:r>
+                    </a:p>
+                  </a:txBody>
+                  <a:tcPr/>
+                </a:tc>
+                <a:extLst>
+                  <a:ext uri="{0D108BD9-81ED-4DB2-BD59-A6C34878D82A}">
+                    <a16:rowId xmlns:a16="http://schemas.microsoft.com/office/drawing/2014/main" val="2425895303"/>
+                  </a:ext>
+                </a:extLst>
+              </a:tr>
+              <a:tr h="370840">
+                <a:tc>
+                  <a:txBody>
+                    <a:bodyPr/>
+                    <a:lstStyle/>
+                    <a:p>
+                      <a:pPr algn="l"/>
+                      <a:r>
+                        <a:rPr lang="en-US" dirty="0"/>
+                        <a:t>Ensemble</a:t>
+                      </a:r>
+                    </a:p>
+                  </a:txBody>
+                  <a:tcPr/>
+                </a:tc>
+                <a:tc>
+                  <a:txBody>
+                    <a:bodyPr/>
+                    <a:lstStyle/>
+                    <a:p>
+                      <a:pPr algn="ctr"/>
+                      <a:r>
+                        <a:rPr lang="en-US" dirty="0"/>
+                        <a:t>903</a:t>
+                      </a:r>
+                    </a:p>
+                  </a:txBody>
+                  <a:tcPr/>
+                </a:tc>
+                <a:tc>
+                  <a:txBody>
+                    <a:bodyPr/>
+                    <a:lstStyle/>
+                    <a:p>
+                      <a:pPr algn="ctr"/>
+                      <a:r>
+                        <a:rPr lang="en-US" dirty="0"/>
+                        <a:t>1032</a:t>
+                      </a:r>
+                    </a:p>
+                  </a:txBody>
+                  <a:tcPr/>
+                </a:tc>
+                <a:extLst>
+                  <a:ext uri="{0D108BD9-81ED-4DB2-BD59-A6C34878D82A}">
+                    <a16:rowId xmlns:a16="http://schemas.microsoft.com/office/drawing/2014/main" val="3649858139"/>
+                  </a:ext>
+                </a:extLst>
+              </a:tr>
+            </a:tbl>
+          </a:graphicData>
+        </a:graphic>
+      </p:graphicFrame>
+      <p:pic>
+        <p:nvPicPr>
+          <p:cNvPr id="16" name="Picture 15">
+            <a:extLst>
+              <a:ext uri="{FF2B5EF4-FFF2-40B4-BE49-F238E27FC236}">
+                <a16:creationId xmlns:a16="http://schemas.microsoft.com/office/drawing/2014/main" id="{B9579B45-8F48-6746-9CF0-1F14E4ADA365}"/>
+              </a:ext>
+            </a:extLst>
+          </p:cNvPr>
+          <p:cNvPicPr>
+            <a:picLocks noChangeAspect="1"/>
+          </p:cNvPicPr>
+          <p:nvPr/>
+        </p:nvPicPr>
+        <p:blipFill>
+          <a:blip r:embed="rId2"/>
+          <a:stretch>
+            <a:fillRect/>
+          </a:stretch>
+        </p:blipFill>
+        <p:spPr>
+          <a:xfrm>
+            <a:off x="8930289" y="3687029"/>
+            <a:ext cx="1275256" cy="385792"/>
+          </a:xfrm>
+          <a:prstGeom prst="rect">
+            <a:avLst/>
+          </a:prstGeom>
+        </p:spPr>
+      </p:pic>
     </p:spTree>
     <p:extLst>
       <p:ext uri="{BB962C8B-B14F-4D97-AF65-F5344CB8AC3E}">
-        <p14:creationId xmlns:p14="http://schemas.microsoft.com/office/powerpoint/2010/main" val="2805972506"/>
+        <p14:creationId xmlns:p14="http://schemas.microsoft.com/office/powerpoint/2010/main" val="3051291753"/>
       </p:ext>
     </p:extLst>
   </p:cSld>
@@ -6325,44 +7045,155 @@
             <p:ph type="title"/>
           </p:nvPr>
         </p:nvSpPr>
-        <p:spPr>
-          <a:xfrm>
-            <a:off x="1646802" y="4727341"/>
-            <a:ext cx="7343194" cy="1359131"/>
-          </a:xfrm>
-        </p:spPr>
-        <p:txBody>
-          <a:bodyPr>
-            <a:normAutofit fontScale="90000"/>
-          </a:bodyPr>
-          <a:lstStyle/>
-          <a:p>
-            <a:r>
-              <a:rPr lang="en-US" dirty="0" err="1"/>
-              <a:t>Youtube</a:t>
-            </a:r>
-            <a:r>
-              <a:rPr lang="en-US" dirty="0"/>
-              <a:t> Link:</a:t>
-            </a:r>
-            <a:br>
-              <a:rPr lang="en-US" dirty="0"/>
-            </a:br>
-            <a:r>
-              <a:rPr lang="en-US" dirty="0"/>
-              <a:t>https://</a:t>
-            </a:r>
-            <a:r>
-              <a:rPr lang="en-US" dirty="0" err="1"/>
-              <a:t>youtu.be</a:t>
-            </a:r>
-            <a:r>
-              <a:rPr lang="en-US" dirty="0"/>
-              <a:t>/jST1Y_r0Z64</a:t>
-            </a:r>
-          </a:p>
-        </p:txBody>
-      </p:sp>
+        <p:spPr/>
+        <p:txBody>
+          <a:bodyPr/>
+          <a:lstStyle/>
+          <a:p>
+            <a:r>
+              <a:rPr lang="en-US" dirty="0"/>
+              <a:t>Conclusion and Next Steps</a:t>
+            </a:r>
+          </a:p>
+        </p:txBody>
+      </p:sp>
+      <p:sp>
+        <p:nvSpPr>
+          <p:cNvPr id="3" name="Content Placeholder 2">
+            <a:extLst>
+              <a:ext uri="{FF2B5EF4-FFF2-40B4-BE49-F238E27FC236}">
+                <a16:creationId xmlns:a16="http://schemas.microsoft.com/office/drawing/2014/main" id="{AC92AF72-4F34-4A62-A945-98EB2A6B34C2}"/>
+              </a:ext>
+            </a:extLst>
+          </p:cNvPr>
+          <p:cNvSpPr>
+            <a:spLocks noGrp="1"/>
+          </p:cNvSpPr>
+          <p:nvPr>
+            <p:ph idx="1"/>
+          </p:nvPr>
+        </p:nvSpPr>
+        <p:spPr/>
+        <p:txBody>
+          <a:bodyPr/>
+          <a:lstStyle/>
+          <a:p>
+            <a:r>
+              <a:rPr lang="en-US" sz="2400" dirty="0"/>
+              <a:t>Selected Model – The ensemble model (VAR + MLP) outperformed the independent VAR and the MLP models</a:t>
+            </a:r>
+          </a:p>
+          <a:p>
+            <a:r>
+              <a:rPr lang="en-US" sz="2400" dirty="0"/>
+              <a:t>Implementation – Model can be published as a public service dashboard</a:t>
+            </a:r>
+          </a:p>
+          <a:p>
+            <a:r>
+              <a:rPr lang="en-US" sz="2400" dirty="0"/>
+              <a:t>Next steps – This model could be considered to predict capacity requirements to plan for hospitalizations and available ICU beds</a:t>
+            </a:r>
+          </a:p>
+          <a:p>
+            <a:pPr lvl="1"/>
+            <a:endParaRPr lang="en-US" dirty="0"/>
+          </a:p>
+        </p:txBody>
+      </p:sp>
+    </p:spTree>
+    <p:extLst>
+      <p:ext uri="{BB962C8B-B14F-4D97-AF65-F5344CB8AC3E}">
+        <p14:creationId xmlns:p14="http://schemas.microsoft.com/office/powerpoint/2010/main" val="2647472745"/>
+      </p:ext>
+    </p:extLst>
+  </p:cSld>
+  <p:clrMapOvr>
+    <a:masterClrMapping/>
+  </p:clrMapOvr>
+</p:sld>
+</file>
+
+<file path=ppt/slides/slide26.xml><?xml version="1.0" encoding="utf-8"?>
+<p:sld xmlns:a="http://schemas.openxmlformats.org/drawingml/2006/main" xmlns:r="http://schemas.openxmlformats.org/officeDocument/2006/relationships" xmlns:p="http://schemas.openxmlformats.org/presentationml/2006/main">
+  <p:cSld>
+    <p:spTree>
+      <p:nvGrpSpPr>
+        <p:cNvPr id="1" name=""/>
+        <p:cNvGrpSpPr/>
+        <p:nvPr/>
+      </p:nvGrpSpPr>
+      <p:grpSpPr>
+        <a:xfrm>
+          <a:off x="0" y="0"/>
+          <a:ext cx="0" cy="0"/>
+          <a:chOff x="0" y="0"/>
+          <a:chExt cx="0" cy="0"/>
+        </a:xfrm>
+      </p:grpSpPr>
+      <p:sp>
+        <p:nvSpPr>
+          <p:cNvPr id="2" name="Title 1">
+            <a:extLst>
+              <a:ext uri="{FF2B5EF4-FFF2-40B4-BE49-F238E27FC236}">
+                <a16:creationId xmlns:a16="http://schemas.microsoft.com/office/drawing/2014/main" id="{8E3C6B26-4A29-49E7-B2F3-CA4FFF8D61F4}"/>
+              </a:ext>
+            </a:extLst>
+          </p:cNvPr>
+          <p:cNvSpPr>
+            <a:spLocks noGrp="1"/>
+          </p:cNvSpPr>
+          <p:nvPr>
+            <p:ph type="title"/>
+          </p:nvPr>
+        </p:nvSpPr>
+        <p:spPr>
+          <a:xfrm>
+            <a:off x="3412790" y="2256904"/>
+            <a:ext cx="3912801" cy="1359131"/>
+          </a:xfrm>
+        </p:spPr>
+        <p:txBody>
+          <a:bodyPr/>
+          <a:lstStyle/>
+          <a:p>
+            <a:r>
+              <a:rPr lang="en-US" dirty="0"/>
+              <a:t>THANK YOU!</a:t>
+            </a:r>
+          </a:p>
+        </p:txBody>
+      </p:sp>
+    </p:spTree>
+    <p:extLst>
+      <p:ext uri="{BB962C8B-B14F-4D97-AF65-F5344CB8AC3E}">
+        <p14:creationId xmlns:p14="http://schemas.microsoft.com/office/powerpoint/2010/main" val="2805972506"/>
+      </p:ext>
+    </p:extLst>
+  </p:cSld>
+  <p:clrMapOvr>
+    <a:masterClrMapping/>
+  </p:clrMapOvr>
+</p:sld>
+</file>
+
+<file path=ppt/slides/slide27.xml><?xml version="1.0" encoding="utf-8"?>
+<p:sld xmlns:a="http://schemas.openxmlformats.org/drawingml/2006/main" xmlns:r="http://schemas.openxmlformats.org/officeDocument/2006/relationships" xmlns:p="http://schemas.openxmlformats.org/presentationml/2006/main">
+  <p:cSld>
+    <p:spTree>
+      <p:nvGrpSpPr>
+        <p:cNvPr id="1" name=""/>
+        <p:cNvGrpSpPr/>
+        <p:nvPr/>
+      </p:nvGrpSpPr>
+      <p:grpSpPr>
+        <a:xfrm>
+          <a:off x="0" y="0"/>
+          <a:ext cx="0" cy="0"/>
+          <a:chOff x="0" y="0"/>
+          <a:chExt cx="0" cy="0"/>
+        </a:xfrm>
+      </p:grpSpPr>
       <p:sp>
         <p:nvSpPr>
           <p:cNvPr id="3" name="TextBox 2">
@@ -6378,7 +7209,7 @@
         <p:spPr>
           <a:xfrm>
             <a:off x="1500809" y="1371600"/>
-            <a:ext cx="8189843" cy="2862322"/>
+            <a:ext cx="8189843" cy="2585323"/>
           </a:xfrm>
           <a:prstGeom prst="rect">
             <a:avLst/>
@@ -6393,15 +7224,6 @@
           <a:p>
             <a:r>
               <a:rPr lang="en-US" dirty="0"/>
-              <a:t>Test Question:</a:t>
-            </a:r>
-          </a:p>
-          <a:p>
-            <a:endParaRPr lang="en-US" dirty="0"/>
-          </a:p>
-          <a:p>
-            <a:r>
-              <a:rPr lang="en-US" dirty="0"/>
               <a:t>Why might it be an issue to use a leading variable to forecast a response in multivariate time series modeling?</a:t>
             </a:r>
           </a:p>
@@ -6431,7 +7253,7 @@
               <a:buAutoNum type="alphaLcParenR"/>
             </a:pPr>
             <a:r>
-              <a:rPr lang="en-US" dirty="0"/>
+              <a:rPr lang="en-US" b="1" u="sng" dirty="0"/>
               <a:t>Leading variables need to be collected before the forecast can be made</a:t>
             </a:r>
           </a:p>
@@ -6454,10 +7276,296 @@
           </a:p>
         </p:txBody>
       </p:sp>
+      <p:sp>
+        <p:nvSpPr>
+          <p:cNvPr id="6" name="Rectangle 5">
+            <a:extLst>
+              <a:ext uri="{FF2B5EF4-FFF2-40B4-BE49-F238E27FC236}">
+                <a16:creationId xmlns:a16="http://schemas.microsoft.com/office/drawing/2014/main" id="{ABDED5B1-2692-3749-82B2-244D6BC1DEF3}"/>
+              </a:ext>
+            </a:extLst>
+          </p:cNvPr>
+          <p:cNvSpPr/>
+          <p:nvPr/>
+        </p:nvSpPr>
+        <p:spPr>
+          <a:xfrm>
+            <a:off x="1500809" y="4133569"/>
+            <a:ext cx="6096000" cy="2031325"/>
+          </a:xfrm>
+          <a:prstGeom prst="rect">
+            <a:avLst/>
+          </a:prstGeom>
+        </p:spPr>
+        <p:txBody>
+          <a:bodyPr>
+            <a:spAutoFit/>
+          </a:bodyPr>
+          <a:lstStyle/>
+          <a:p>
+            <a:r>
+              <a:rPr lang="en-US" dirty="0"/>
+              <a:t>Short Answer Question:</a:t>
+            </a:r>
+          </a:p>
+          <a:p>
+            <a:r>
+              <a:rPr lang="en-US" dirty="0"/>
+              <a:t>Q: What are the drawbacks in using a single RMSE score vs a Rolling Window to compare forecast models?</a:t>
+            </a:r>
+          </a:p>
+          <a:p>
+            <a:endParaRPr lang="en-US" dirty="0"/>
+          </a:p>
+          <a:p>
+            <a:r>
+              <a:rPr lang="en-US" dirty="0"/>
+              <a:t>A:  The RMSE is based on a single realization and the Rolling Window score will evaluate the effectiveness of the model across time</a:t>
+            </a:r>
+          </a:p>
+        </p:txBody>
+      </p:sp>
+      <p:sp>
+        <p:nvSpPr>
+          <p:cNvPr id="9" name="Title 1">
+            <a:extLst>
+              <a:ext uri="{FF2B5EF4-FFF2-40B4-BE49-F238E27FC236}">
+                <a16:creationId xmlns:a16="http://schemas.microsoft.com/office/drawing/2014/main" id="{0CBCE085-CE19-604B-8358-63A45FC7A3B9}"/>
+              </a:ext>
+            </a:extLst>
+          </p:cNvPr>
+          <p:cNvSpPr>
+            <a:spLocks noGrp="1"/>
+          </p:cNvSpPr>
+          <p:nvPr>
+            <p:ph type="title"/>
+          </p:nvPr>
+        </p:nvSpPr>
+        <p:spPr>
+          <a:xfrm>
+            <a:off x="0" y="-1"/>
+            <a:ext cx="10972800" cy="1194955"/>
+          </a:xfrm>
+        </p:spPr>
+        <p:txBody>
+          <a:bodyPr>
+            <a:normAutofit/>
+          </a:bodyPr>
+          <a:lstStyle/>
+          <a:p>
+            <a:r>
+              <a:rPr lang="en-US" dirty="0"/>
+              <a:t>Test Questions</a:t>
+            </a:r>
+          </a:p>
+        </p:txBody>
+      </p:sp>
     </p:spTree>
     <p:extLst>
       <p:ext uri="{BB962C8B-B14F-4D97-AF65-F5344CB8AC3E}">
-        <p14:creationId xmlns:p14="http://schemas.microsoft.com/office/powerpoint/2010/main" val="3193621438"/>
+        <p14:creationId xmlns:p14="http://schemas.microsoft.com/office/powerpoint/2010/main" val="3998727220"/>
+      </p:ext>
+    </p:extLst>
+  </p:cSld>
+  <p:clrMapOvr>
+    <a:masterClrMapping/>
+  </p:clrMapOvr>
+</p:sld>
+</file>
+
+<file path=ppt/slides/slide28.xml><?xml version="1.0" encoding="utf-8"?>
+<p:sld xmlns:a="http://schemas.openxmlformats.org/drawingml/2006/main" xmlns:r="http://schemas.openxmlformats.org/officeDocument/2006/relationships" xmlns:p="http://schemas.openxmlformats.org/presentationml/2006/main">
+  <p:cSld>
+    <p:spTree>
+      <p:nvGrpSpPr>
+        <p:cNvPr id="1" name=""/>
+        <p:cNvGrpSpPr/>
+        <p:nvPr/>
+      </p:nvGrpSpPr>
+      <p:grpSpPr>
+        <a:xfrm>
+          <a:off x="0" y="0"/>
+          <a:ext cx="0" cy="0"/>
+          <a:chOff x="0" y="0"/>
+          <a:chExt cx="0" cy="0"/>
+        </a:xfrm>
+      </p:grpSpPr>
+      <p:sp>
+        <p:nvSpPr>
+          <p:cNvPr id="4" name="Rectangle 3">
+            <a:extLst>
+              <a:ext uri="{FF2B5EF4-FFF2-40B4-BE49-F238E27FC236}">
+                <a16:creationId xmlns:a16="http://schemas.microsoft.com/office/drawing/2014/main" id="{3334D315-E078-4A46-9407-C74C19F2FEDA}"/>
+              </a:ext>
+            </a:extLst>
+          </p:cNvPr>
+          <p:cNvSpPr/>
+          <p:nvPr/>
+        </p:nvSpPr>
+        <p:spPr>
+          <a:xfrm>
+            <a:off x="1751206" y="1184307"/>
+            <a:ext cx="6728124" cy="2308324"/>
+          </a:xfrm>
+          <a:prstGeom prst="rect">
+            <a:avLst/>
+          </a:prstGeom>
+        </p:spPr>
+        <p:txBody>
+          <a:bodyPr wrap="none">
+            <a:spAutoFit/>
+          </a:bodyPr>
+          <a:lstStyle/>
+          <a:p>
+            <a:pPr marL="285750" indent="-285750">
+              <a:buFont typeface="Arial" panose="020B0604020202020204" pitchFamily="34" charset="0"/>
+              <a:buChar char="•"/>
+            </a:pPr>
+            <a:r>
+              <a:rPr lang="en-US" dirty="0"/>
+              <a:t>GitHub</a:t>
+            </a:r>
+          </a:p>
+          <a:p>
+            <a:pPr marL="742950" lvl="1" indent="-285750">
+              <a:buFont typeface="Arial" panose="020B0604020202020204" pitchFamily="34" charset="0"/>
+              <a:buChar char="•"/>
+            </a:pPr>
+            <a:r>
+              <a:rPr lang="en-US" dirty="0">
+                <a:hlinkClick r:id="rId2"/>
+              </a:rPr>
+              <a:t>https://github.com/C-Stewart-GH/Time_Series_Project</a:t>
+            </a:r>
+            <a:endParaRPr lang="en-US" dirty="0"/>
+          </a:p>
+          <a:p>
+            <a:pPr marL="285750" indent="-285750">
+              <a:buFont typeface="Arial" panose="020B0604020202020204" pitchFamily="34" charset="0"/>
+              <a:buChar char="•"/>
+            </a:pPr>
+            <a:r>
+              <a:rPr lang="en-US"/>
+              <a:t>RMD File</a:t>
+            </a:r>
+          </a:p>
+          <a:p>
+            <a:pPr marL="742950" lvl="1" indent="-285750">
+              <a:buFont typeface="Arial" panose="020B0604020202020204" pitchFamily="34" charset="0"/>
+              <a:buChar char="•"/>
+            </a:pPr>
+            <a:endParaRPr lang="en-US" dirty="0"/>
+          </a:p>
+          <a:p>
+            <a:pPr marL="285750" indent="-285750">
+              <a:buFont typeface="Arial" panose="020B0604020202020204" pitchFamily="34" charset="0"/>
+              <a:buChar char="•"/>
+            </a:pPr>
+            <a:r>
+              <a:rPr lang="en-US" dirty="0"/>
+              <a:t>EDA </a:t>
+            </a:r>
+            <a:r>
+              <a:rPr lang="en-US" dirty="0" err="1"/>
+              <a:t>Youtube</a:t>
+            </a:r>
+            <a:endParaRPr lang="en-US" dirty="0"/>
+          </a:p>
+          <a:p>
+            <a:pPr marL="742950" lvl="1" indent="-285750">
+              <a:buFont typeface="Arial" panose="020B0604020202020204" pitchFamily="34" charset="0"/>
+              <a:buChar char="•"/>
+            </a:pPr>
+            <a:r>
+              <a:rPr lang="en-US" dirty="0">
+                <a:hlinkClick r:id="rId3"/>
+              </a:rPr>
+              <a:t>https://youtu.be/jST1Y_r0Z64</a:t>
+            </a:r>
+            <a:endParaRPr lang="en-US" dirty="0"/>
+          </a:p>
+          <a:p>
+            <a:pPr marL="285750" indent="-285750">
+              <a:buFont typeface="Arial" panose="020B0604020202020204" pitchFamily="34" charset="0"/>
+              <a:buChar char="•"/>
+            </a:pPr>
+            <a:r>
+              <a:rPr lang="en-US" dirty="0"/>
+              <a:t>Final </a:t>
+            </a:r>
+            <a:r>
+              <a:rPr lang="en-US" dirty="0" err="1"/>
+              <a:t>Youtube</a:t>
+            </a:r>
+            <a:endParaRPr lang="en-US" dirty="0"/>
+          </a:p>
+          <a:p>
+            <a:pPr marL="742950" lvl="1" indent="-285750">
+              <a:buFont typeface="Arial" panose="020B0604020202020204" pitchFamily="34" charset="0"/>
+              <a:buChar char="•"/>
+            </a:pPr>
+            <a:r>
+              <a:rPr lang="en-US" dirty="0"/>
+              <a:t>https://</a:t>
+            </a:r>
+            <a:r>
+              <a:rPr lang="en-US" dirty="0" err="1"/>
+              <a:t>www.youtube.com</a:t>
+            </a:r>
+            <a:r>
+              <a:rPr lang="en-US" dirty="0"/>
+              <a:t>/</a:t>
+            </a:r>
+            <a:r>
+              <a:rPr lang="en-US" dirty="0" err="1"/>
+              <a:t>watch?v</a:t>
+            </a:r>
+            <a:r>
+              <a:rPr lang="en-US" dirty="0"/>
+              <a:t>=aE3cgkNjZpw</a:t>
+            </a:r>
+          </a:p>
+        </p:txBody>
+      </p:sp>
+      <p:sp>
+        <p:nvSpPr>
+          <p:cNvPr id="5" name="Title 1">
+            <a:extLst>
+              <a:ext uri="{FF2B5EF4-FFF2-40B4-BE49-F238E27FC236}">
+                <a16:creationId xmlns:a16="http://schemas.microsoft.com/office/drawing/2014/main" id="{346D49B8-82D8-EA4B-B209-CDE7996ADA74}"/>
+              </a:ext>
+            </a:extLst>
+          </p:cNvPr>
+          <p:cNvSpPr>
+            <a:spLocks noGrp="1"/>
+          </p:cNvSpPr>
+          <p:nvPr>
+            <p:ph type="title"/>
+          </p:nvPr>
+        </p:nvSpPr>
+        <p:spPr>
+          <a:xfrm>
+            <a:off x="0" y="-1"/>
+            <a:ext cx="10972800" cy="1194955"/>
+          </a:xfrm>
+        </p:spPr>
+        <p:txBody>
+          <a:bodyPr>
+            <a:normAutofit/>
+          </a:bodyPr>
+          <a:lstStyle/>
+          <a:p>
+            <a:r>
+              <a:rPr lang="en-US" dirty="0"/>
+              <a:t>Links</a:t>
+            </a:r>
+          </a:p>
+        </p:txBody>
+      </p:sp>
+    </p:spTree>
+    <p:extLst>
+      <p:ext uri="{BB962C8B-B14F-4D97-AF65-F5344CB8AC3E}">
+        <p14:creationId xmlns:p14="http://schemas.microsoft.com/office/powerpoint/2010/main" val="978481454"/>
       </p:ext>
     </p:extLst>
   </p:cSld>
@@ -6839,7 +7947,7 @@
             <a:pPr lvl="1"/>
             <a:r>
               <a:rPr lang="en-US" dirty="0"/>
-              <a:t>Understand state of pandemic so policy makers can make informed policy decisions</a:t>
+              <a:t>Enable policy makers to make informed policy decisions</a:t>
             </a:r>
           </a:p>
           <a:p>
@@ -7487,7 +8595,7 @@
           <a:p>
             <a:r>
               <a:rPr lang="en-US" dirty="0"/>
-              <a:t>Texas COVID Vaccine Counts</a:t>
+              <a:t>Texas COVID Data (Regressors)</a:t>
             </a:r>
           </a:p>
         </p:txBody>
@@ -7506,52 +8614,21 @@
           </p:cNvPicPr>
           <p:nvPr/>
         </p:nvPicPr>
-        <p:blipFill>
+        <p:blipFill rotWithShape="1">
           <a:blip r:embed="rId2"/>
-          <a:stretch>
-            <a:fillRect/>
-          </a:stretch>
+          <a:srcRect b="13927"/>
+          <a:stretch/>
         </p:blipFill>
         <p:spPr>
           <a:xfrm>
-            <a:off x="6096000" y="1257877"/>
-            <a:ext cx="4864100" cy="2730500"/>
+            <a:off x="6254613" y="1612767"/>
+            <a:ext cx="4705487" cy="2273599"/>
           </a:xfrm>
           <a:prstGeom prst="rect">
             <a:avLst/>
           </a:prstGeom>
         </p:spPr>
       </p:pic>
-      <p:pic>
-        <p:nvPicPr>
-          <p:cNvPr id="16" name="Picture 15">
-            <a:extLst>
-              <a:ext uri="{FF2B5EF4-FFF2-40B4-BE49-F238E27FC236}">
-                <a16:creationId xmlns:a16="http://schemas.microsoft.com/office/drawing/2014/main" id="{47C19B19-FF8C-FD42-AF37-5E520D0618C6}"/>
-              </a:ext>
-            </a:extLst>
-          </p:cNvPr>
-          <p:cNvPicPr>
-            <a:picLocks noChangeAspect="1"/>
-          </p:cNvPicPr>
-          <p:nvPr/>
-        </p:nvPicPr>
-        <p:blipFill>
-          <a:blip r:embed="rId3"/>
-          <a:stretch>
-            <a:fillRect/>
-          </a:stretch>
-        </p:blipFill>
-        <p:spPr>
-          <a:xfrm>
-            <a:off x="6264168" y="3988377"/>
-            <a:ext cx="4578626" cy="2648178"/>
-          </a:xfrm>
-          <a:prstGeom prst="rect">
-            <a:avLst/>
-          </a:prstGeom>
-        </p:spPr>
-      </p:pic>
       <p:sp>
         <p:nvSpPr>
           <p:cNvPr id="6" name="Content Placeholder 2">
@@ -7568,8 +8645,8 @@
         </p:nvSpPr>
         <p:spPr>
           <a:xfrm>
-            <a:off x="128587" y="1895192"/>
-            <a:ext cx="5799247" cy="983974"/>
+            <a:off x="436453" y="4250550"/>
+            <a:ext cx="5799247" cy="2786052"/>
           </a:xfrm>
           <a:prstGeom prst="rect">
             <a:avLst/>
@@ -7823,25 +8900,228 @@
             </a:lvl9pPr>
           </a:lstStyle>
           <a:p>
-            <a:r>
-              <a:rPr lang="en-US" dirty="0"/>
-              <a:t>Daily COVID Vaccination Doses Administered</a:t>
+            <a:pPr marL="0" indent="0">
+              <a:buNone/>
+            </a:pPr>
+            <a:r>
+              <a:rPr lang="en-US" dirty="0"/>
+              <a:t>Daily COVID Data - September 2020 – Present</a:t>
+            </a:r>
+          </a:p>
+          <a:p>
+            <a:r>
+              <a:rPr lang="en-US" dirty="0"/>
+              <a:t>Mobility Data Categories Collected</a:t>
             </a:r>
           </a:p>
           <a:p>
             <a:pPr lvl="1"/>
             <a:r>
               <a:rPr lang="en-US" dirty="0"/>
-              <a:t>September 2020 – Present shown</a:t>
+              <a:t>Retail and Recreation</a:t>
             </a:r>
           </a:p>
           <a:p>
             <a:pPr lvl="1"/>
-            <a:endParaRPr lang="en-US" dirty="0"/>
+            <a:r>
+              <a:rPr lang="en-US" dirty="0"/>
+              <a:t>Grocery and Pharmacy</a:t>
+            </a:r>
           </a:p>
           <a:p>
             <a:pPr lvl="1"/>
-            <a:endParaRPr lang="en-US" dirty="0"/>
+            <a:r>
+              <a:rPr lang="en-US" dirty="0"/>
+              <a:t>Parks</a:t>
+            </a:r>
+          </a:p>
+          <a:p>
+            <a:pPr lvl="1"/>
+            <a:r>
+              <a:rPr lang="en-US" dirty="0"/>
+              <a:t>Transit Stations</a:t>
+            </a:r>
+          </a:p>
+          <a:p>
+            <a:pPr lvl="1"/>
+            <a:r>
+              <a:rPr lang="en-US" dirty="0"/>
+              <a:t>Workplaces</a:t>
+            </a:r>
+          </a:p>
+          <a:p>
+            <a:pPr lvl="1"/>
+            <a:r>
+              <a:rPr lang="en-US" dirty="0"/>
+              <a:t>Residential</a:t>
+            </a:r>
+          </a:p>
+          <a:p>
+            <a:pPr lvl="1"/>
+            <a:endParaRPr lang="en-US" dirty="0"/>
+          </a:p>
+        </p:txBody>
+      </p:sp>
+      <p:pic>
+        <p:nvPicPr>
+          <p:cNvPr id="7" name="Picture 6">
+            <a:extLst>
+              <a:ext uri="{FF2B5EF4-FFF2-40B4-BE49-F238E27FC236}">
+                <a16:creationId xmlns:a16="http://schemas.microsoft.com/office/drawing/2014/main" id="{036CFF93-3154-D842-BF5A-9F0D9FA5118B}"/>
+              </a:ext>
+            </a:extLst>
+          </p:cNvPr>
+          <p:cNvPicPr>
+            <a:picLocks noChangeAspect="1"/>
+          </p:cNvPicPr>
+          <p:nvPr/>
+        </p:nvPicPr>
+        <p:blipFill rotWithShape="1">
+          <a:blip r:embed="rId3"/>
+          <a:srcRect t="-1" b="15533"/>
+          <a:stretch/>
+        </p:blipFill>
+        <p:spPr>
+          <a:xfrm>
+            <a:off x="6235700" y="4304180"/>
+            <a:ext cx="4737100" cy="2360010"/>
+          </a:xfrm>
+          <a:prstGeom prst="rect">
+            <a:avLst/>
+          </a:prstGeom>
+        </p:spPr>
+      </p:pic>
+      <p:pic>
+        <p:nvPicPr>
+          <p:cNvPr id="8" name="Picture 7">
+            <a:extLst>
+              <a:ext uri="{FF2B5EF4-FFF2-40B4-BE49-F238E27FC236}">
+                <a16:creationId xmlns:a16="http://schemas.microsoft.com/office/drawing/2014/main" id="{3A92FE5D-3838-BE4C-B34C-74CE1F3035B7}"/>
+              </a:ext>
+            </a:extLst>
+          </p:cNvPr>
+          <p:cNvPicPr>
+            <a:picLocks noChangeAspect="1"/>
+          </p:cNvPicPr>
+          <p:nvPr/>
+        </p:nvPicPr>
+        <p:blipFill rotWithShape="1">
+          <a:blip r:embed="rId4"/>
+          <a:srcRect l="496" b="14514"/>
+          <a:stretch/>
+        </p:blipFill>
+        <p:spPr>
+          <a:xfrm>
+            <a:off x="539152" y="1629714"/>
+            <a:ext cx="4978115" cy="2360011"/>
+          </a:xfrm>
+          <a:prstGeom prst="rect">
+            <a:avLst/>
+          </a:prstGeom>
+        </p:spPr>
+      </p:pic>
+      <p:sp>
+        <p:nvSpPr>
+          <p:cNvPr id="3" name="TextBox 2">
+            <a:extLst>
+              <a:ext uri="{FF2B5EF4-FFF2-40B4-BE49-F238E27FC236}">
+                <a16:creationId xmlns:a16="http://schemas.microsoft.com/office/drawing/2014/main" id="{D3F73871-FFE6-9D41-A0DB-B36D1EF83F88}"/>
+              </a:ext>
+            </a:extLst>
+          </p:cNvPr>
+          <p:cNvSpPr txBox="1"/>
+          <p:nvPr/>
+        </p:nvSpPr>
+        <p:spPr>
+          <a:xfrm>
+            <a:off x="7231117" y="1335310"/>
+            <a:ext cx="3070071" cy="369332"/>
+          </a:xfrm>
+          <a:prstGeom prst="rect">
+            <a:avLst/>
+          </a:prstGeom>
+          <a:noFill/>
+        </p:spPr>
+        <p:txBody>
+          <a:bodyPr wrap="none" rtlCol="0">
+            <a:spAutoFit/>
+          </a:bodyPr>
+          <a:lstStyle/>
+          <a:p>
+            <a:r>
+              <a:rPr lang="en-US" dirty="0"/>
+              <a:t>Vaccinations Administered</a:t>
+            </a:r>
+          </a:p>
+        </p:txBody>
+      </p:sp>
+      <p:sp>
+        <p:nvSpPr>
+          <p:cNvPr id="4" name="TextBox 3">
+            <a:extLst>
+              <a:ext uri="{FF2B5EF4-FFF2-40B4-BE49-F238E27FC236}">
+                <a16:creationId xmlns:a16="http://schemas.microsoft.com/office/drawing/2014/main" id="{46A106FA-9247-9548-AF41-F176EEC6988D}"/>
+              </a:ext>
+            </a:extLst>
+          </p:cNvPr>
+          <p:cNvSpPr txBox="1"/>
+          <p:nvPr/>
+        </p:nvSpPr>
+        <p:spPr>
+          <a:xfrm>
+            <a:off x="7580711" y="4071949"/>
+            <a:ext cx="2332690" cy="369332"/>
+          </a:xfrm>
+          <a:prstGeom prst="rect">
+            <a:avLst/>
+          </a:prstGeom>
+          <a:noFill/>
+        </p:spPr>
+        <p:txBody>
+          <a:bodyPr wrap="none" rtlCol="0">
+            <a:spAutoFit/>
+          </a:bodyPr>
+          <a:lstStyle/>
+          <a:p>
+            <a:r>
+              <a:rPr lang="en-US" dirty="0"/>
+              <a:t>Mean Mobility Data</a:t>
+            </a:r>
+          </a:p>
+        </p:txBody>
+      </p:sp>
+      <p:sp>
+        <p:nvSpPr>
+          <p:cNvPr id="5" name="TextBox 4">
+            <a:extLst>
+              <a:ext uri="{FF2B5EF4-FFF2-40B4-BE49-F238E27FC236}">
+                <a16:creationId xmlns:a16="http://schemas.microsoft.com/office/drawing/2014/main" id="{93AEAF25-B950-9847-8BF9-32F742CE0899}"/>
+              </a:ext>
+            </a:extLst>
+          </p:cNvPr>
+          <p:cNvSpPr txBox="1"/>
+          <p:nvPr/>
+        </p:nvSpPr>
+        <p:spPr>
+          <a:xfrm>
+            <a:off x="1883722" y="1332848"/>
+            <a:ext cx="2951449" cy="369332"/>
+          </a:xfrm>
+          <a:prstGeom prst="rect">
+            <a:avLst/>
+          </a:prstGeom>
+          <a:noFill/>
+        </p:spPr>
+        <p:txBody>
+          <a:bodyPr wrap="none" rtlCol="0">
+            <a:spAutoFit/>
+          </a:bodyPr>
+          <a:lstStyle/>
+          <a:p>
+            <a:r>
+              <a:rPr lang="en-US" dirty="0"/>
+              <a:t>Covid Tests Administered</a:t>
+            </a:r>
           </a:p>
         </p:txBody>
       </p:sp>
@@ -7893,8 +9173,8 @@
         </p:nvSpPr>
         <p:spPr>
           <a:xfrm>
-            <a:off x="0" y="-1"/>
-            <a:ext cx="10972800" cy="1194955"/>
+            <a:off x="2711668" y="1996964"/>
+            <a:ext cx="6085489" cy="1534511"/>
           </a:xfrm>
         </p:spPr>
         <p:txBody>
@@ -7903,375 +9183,18 @@
           </a:bodyPr>
           <a:lstStyle/>
           <a:p>
-            <a:r>
-              <a:rPr lang="en-US" dirty="0"/>
-              <a:t>Texas Covid Test Counts</a:t>
-            </a:r>
-          </a:p>
-        </p:txBody>
-      </p:sp>
-      <p:sp>
-        <p:nvSpPr>
-          <p:cNvPr id="6" name="Content Placeholder 2">
-            <a:extLst>
-              <a:ext uri="{FF2B5EF4-FFF2-40B4-BE49-F238E27FC236}">
-                <a16:creationId xmlns:a16="http://schemas.microsoft.com/office/drawing/2014/main" id="{7DEF227B-C7E0-1C43-B11F-938B27617C8C}"/>
-              </a:ext>
-            </a:extLst>
-          </p:cNvPr>
-          <p:cNvSpPr txBox="1">
-            <a:spLocks/>
-          </p:cNvSpPr>
-          <p:nvPr/>
-        </p:nvSpPr>
-        <p:spPr>
-          <a:xfrm>
-            <a:off x="128587" y="1895192"/>
-            <a:ext cx="5799247" cy="983974"/>
-          </a:xfrm>
-          <a:prstGeom prst="rect">
-            <a:avLst/>
-          </a:prstGeom>
-        </p:spPr>
-        <p:txBody>
-          <a:bodyPr vert="horz" lIns="91440" tIns="45720" rIns="91440" bIns="45720" rtlCol="0">
-            <a:normAutofit/>
-          </a:bodyPr>
-          <a:lstStyle>
-            <a:lvl1pPr marL="182880" indent="-182880" algn="l" defTabSz="914400" rtl="0" eaLnBrk="1" latinLnBrk="0" hangingPunct="1">
-              <a:lnSpc>
-                <a:spcPct val="95000"/>
-              </a:lnSpc>
-              <a:spcBef>
-                <a:spcPts val="1400"/>
-              </a:spcBef>
-              <a:spcAft>
-                <a:spcPts val="200"/>
-              </a:spcAft>
-              <a:buClr>
-                <a:schemeClr val="accent1"/>
-              </a:buClr>
-              <a:buSzPct val="80000"/>
-              <a:buFont typeface="Arial" pitchFamily="34" charset="0"/>
-              <a:buChar char="•"/>
-              <a:defRPr sz="1800" kern="1200" spc="10" baseline="0">
-                <a:solidFill>
-                  <a:schemeClr val="tx1"/>
-                </a:solidFill>
-                <a:latin typeface="+mn-lt"/>
-                <a:ea typeface="+mn-ea"/>
-                <a:cs typeface="+mn-cs"/>
-              </a:defRPr>
-            </a:lvl1pPr>
-            <a:lvl2pPr marL="457200" indent="-182880" algn="l" defTabSz="914400" rtl="0" eaLnBrk="1" latinLnBrk="0" hangingPunct="1">
-              <a:lnSpc>
-                <a:spcPct val="90000"/>
-              </a:lnSpc>
-              <a:spcBef>
-                <a:spcPts val="300"/>
-              </a:spcBef>
-              <a:spcAft>
-                <a:spcPts val="300"/>
-              </a:spcAft>
-              <a:buClr>
-                <a:schemeClr val="accent1"/>
-              </a:buClr>
-              <a:buFont typeface="Wingdings 2" pitchFamily="18" charset="2"/>
-              <a:buChar char=""/>
-              <a:defRPr sz="1600" kern="1200">
-                <a:solidFill>
-                  <a:schemeClr val="tx1">
-                    <a:lumMod val="85000"/>
-                    <a:lumOff val="15000"/>
-                  </a:schemeClr>
-                </a:solidFill>
-                <a:latin typeface="+mn-lt"/>
-                <a:ea typeface="+mn-ea"/>
-                <a:cs typeface="+mn-cs"/>
-              </a:defRPr>
-            </a:lvl2pPr>
-            <a:lvl3pPr marL="731520" indent="-182880" algn="l" defTabSz="914400" rtl="0" eaLnBrk="1" latinLnBrk="0" hangingPunct="1">
-              <a:lnSpc>
-                <a:spcPct val="90000"/>
-              </a:lnSpc>
-              <a:spcBef>
-                <a:spcPts val="300"/>
-              </a:spcBef>
-              <a:spcAft>
-                <a:spcPts val="300"/>
-              </a:spcAft>
-              <a:buClr>
-                <a:schemeClr val="accent1"/>
-              </a:buClr>
-              <a:buFont typeface="Wingdings 2" pitchFamily="18" charset="2"/>
-              <a:buChar char=""/>
-              <a:defRPr sz="1400" kern="1200">
-                <a:solidFill>
-                  <a:schemeClr val="tx1">
-                    <a:lumMod val="85000"/>
-                    <a:lumOff val="15000"/>
-                  </a:schemeClr>
-                </a:solidFill>
-                <a:latin typeface="+mn-lt"/>
-                <a:ea typeface="+mn-ea"/>
-                <a:cs typeface="+mn-cs"/>
-              </a:defRPr>
-            </a:lvl3pPr>
-            <a:lvl4pPr marL="1005840" indent="-182880" algn="l" defTabSz="914400" rtl="0" eaLnBrk="1" latinLnBrk="0" hangingPunct="1">
-              <a:lnSpc>
-                <a:spcPct val="90000"/>
-              </a:lnSpc>
-              <a:spcBef>
-                <a:spcPts val="300"/>
-              </a:spcBef>
-              <a:spcAft>
-                <a:spcPts val="300"/>
-              </a:spcAft>
-              <a:buClr>
-                <a:schemeClr val="accent1"/>
-              </a:buClr>
-              <a:buFont typeface="Wingdings 2" pitchFamily="18" charset="2"/>
-              <a:buChar char=""/>
-              <a:defRPr sz="1400" kern="1200">
-                <a:solidFill>
-                  <a:schemeClr val="tx1">
-                    <a:lumMod val="85000"/>
-                    <a:lumOff val="15000"/>
-                  </a:schemeClr>
-                </a:solidFill>
-                <a:latin typeface="+mn-lt"/>
-                <a:ea typeface="+mn-ea"/>
-                <a:cs typeface="+mn-cs"/>
-              </a:defRPr>
-            </a:lvl4pPr>
-            <a:lvl5pPr marL="1280160" indent="-182880" algn="l" defTabSz="914400" rtl="0" eaLnBrk="1" latinLnBrk="0" hangingPunct="1">
-              <a:lnSpc>
-                <a:spcPct val="90000"/>
-              </a:lnSpc>
-              <a:spcBef>
-                <a:spcPts val="300"/>
-              </a:spcBef>
-              <a:spcAft>
-                <a:spcPts val="300"/>
-              </a:spcAft>
-              <a:buClr>
-                <a:schemeClr val="accent1"/>
-              </a:buClr>
-              <a:buFont typeface="Wingdings 2" pitchFamily="18" charset="2"/>
-              <a:buChar char=""/>
-              <a:defRPr sz="1400" kern="1200">
-                <a:solidFill>
-                  <a:schemeClr val="tx1">
-                    <a:lumMod val="85000"/>
-                    <a:lumOff val="15000"/>
-                  </a:schemeClr>
-                </a:solidFill>
-                <a:latin typeface="+mn-lt"/>
-                <a:ea typeface="+mn-ea"/>
-                <a:cs typeface="+mn-cs"/>
-              </a:defRPr>
-            </a:lvl5pPr>
-            <a:lvl6pPr marL="1600000" indent="-228600" algn="l" defTabSz="914400" rtl="0" eaLnBrk="1" latinLnBrk="0" hangingPunct="1">
-              <a:lnSpc>
-                <a:spcPct val="90000"/>
-              </a:lnSpc>
-              <a:spcBef>
-                <a:spcPts val="300"/>
-              </a:spcBef>
-              <a:spcAft>
-                <a:spcPts val="300"/>
-              </a:spcAft>
-              <a:buClr>
-                <a:schemeClr val="accent1"/>
-              </a:buClr>
-              <a:buFont typeface="Wingdings 2" pitchFamily="18" charset="2"/>
-              <a:buChar char=""/>
-              <a:defRPr sz="1400" kern="1200">
-                <a:solidFill>
-                  <a:schemeClr val="tx1">
-                    <a:lumMod val="85000"/>
-                    <a:lumOff val="15000"/>
-                  </a:schemeClr>
-                </a:solidFill>
-                <a:latin typeface="+mn-lt"/>
-                <a:ea typeface="+mn-ea"/>
-                <a:cs typeface="+mn-cs"/>
-              </a:defRPr>
-            </a:lvl6pPr>
-            <a:lvl7pPr marL="1900000" indent="-228600" algn="l" defTabSz="914400" rtl="0" eaLnBrk="1" latinLnBrk="0" hangingPunct="1">
-              <a:lnSpc>
-                <a:spcPct val="90000"/>
-              </a:lnSpc>
-              <a:spcBef>
-                <a:spcPts val="300"/>
-              </a:spcBef>
-              <a:spcAft>
-                <a:spcPts val="300"/>
-              </a:spcAft>
-              <a:buClr>
-                <a:schemeClr val="accent1"/>
-              </a:buClr>
-              <a:buFont typeface="Wingdings 2" pitchFamily="18" charset="2"/>
-              <a:buChar char=""/>
-              <a:defRPr sz="1400" kern="1200">
-                <a:solidFill>
-                  <a:schemeClr val="tx1">
-                    <a:lumMod val="85000"/>
-                    <a:lumOff val="15000"/>
-                  </a:schemeClr>
-                </a:solidFill>
-                <a:latin typeface="+mn-lt"/>
-                <a:ea typeface="+mn-ea"/>
-                <a:cs typeface="+mn-cs"/>
-              </a:defRPr>
-            </a:lvl7pPr>
-            <a:lvl8pPr marL="2200000" indent="-228600" algn="l" defTabSz="914400" rtl="0" eaLnBrk="1" latinLnBrk="0" hangingPunct="1">
-              <a:lnSpc>
-                <a:spcPct val="90000"/>
-              </a:lnSpc>
-              <a:spcBef>
-                <a:spcPts val="300"/>
-              </a:spcBef>
-              <a:spcAft>
-                <a:spcPts val="300"/>
-              </a:spcAft>
-              <a:buClr>
-                <a:schemeClr val="accent1"/>
-              </a:buClr>
-              <a:buFont typeface="Wingdings 2" pitchFamily="18" charset="2"/>
-              <a:buChar char=""/>
-              <a:defRPr sz="1400" kern="1200">
-                <a:solidFill>
-                  <a:schemeClr val="tx1">
-                    <a:lumMod val="85000"/>
-                    <a:lumOff val="15000"/>
-                  </a:schemeClr>
-                </a:solidFill>
-                <a:latin typeface="+mn-lt"/>
-                <a:ea typeface="+mn-ea"/>
-                <a:cs typeface="+mn-cs"/>
-              </a:defRPr>
-            </a:lvl8pPr>
-            <a:lvl9pPr marL="2500000" indent="-228600" algn="l" defTabSz="914400" rtl="0" eaLnBrk="1" latinLnBrk="0" hangingPunct="1">
-              <a:lnSpc>
-                <a:spcPct val="90000"/>
-              </a:lnSpc>
-              <a:spcBef>
-                <a:spcPts val="300"/>
-              </a:spcBef>
-              <a:spcAft>
-                <a:spcPts val="300"/>
-              </a:spcAft>
-              <a:buClr>
-                <a:schemeClr val="accent1"/>
-              </a:buClr>
-              <a:buFont typeface="Wingdings 2" pitchFamily="18" charset="2"/>
-              <a:buChar char=""/>
-              <a:defRPr sz="1400" kern="1200">
-                <a:solidFill>
-                  <a:schemeClr val="tx1">
-                    <a:lumMod val="85000"/>
-                    <a:lumOff val="15000"/>
-                  </a:schemeClr>
-                </a:solidFill>
-                <a:latin typeface="+mn-lt"/>
-                <a:ea typeface="+mn-ea"/>
-                <a:cs typeface="+mn-cs"/>
-              </a:defRPr>
-            </a:lvl9pPr>
-          </a:lstStyle>
-          <a:p>
-            <a:r>
-              <a:rPr lang="en-US" dirty="0"/>
-              <a:t>Daily Texas COVID Tests Taken</a:t>
-            </a:r>
-          </a:p>
-          <a:p>
-            <a:pPr lvl="1"/>
-            <a:r>
-              <a:rPr lang="en-US" dirty="0"/>
-              <a:t>September 2020 – Present shown</a:t>
-            </a:r>
-          </a:p>
-          <a:p>
-            <a:pPr marL="274320" lvl="1" indent="0">
-              <a:buNone/>
-            </a:pPr>
-            <a:endParaRPr lang="en-US" dirty="0"/>
-          </a:p>
-          <a:p>
-            <a:pPr lvl="1"/>
-            <a:endParaRPr lang="en-US" dirty="0"/>
-          </a:p>
-          <a:p>
-            <a:pPr lvl="1"/>
-            <a:endParaRPr lang="en-US" dirty="0"/>
-          </a:p>
-        </p:txBody>
-      </p:sp>
-      <p:pic>
-        <p:nvPicPr>
-          <p:cNvPr id="7" name="Picture 6">
-            <a:extLst>
-              <a:ext uri="{FF2B5EF4-FFF2-40B4-BE49-F238E27FC236}">
-                <a16:creationId xmlns:a16="http://schemas.microsoft.com/office/drawing/2014/main" id="{EB932821-D25A-7F44-B877-88BE77C2A698}"/>
-              </a:ext>
-            </a:extLst>
-          </p:cNvPr>
-          <p:cNvPicPr>
-            <a:picLocks noChangeAspect="1"/>
-          </p:cNvPicPr>
-          <p:nvPr/>
-        </p:nvPicPr>
-        <p:blipFill rotWithShape="1">
-          <a:blip r:embed="rId2"/>
-          <a:srcRect l="496"/>
-          <a:stretch/>
-        </p:blipFill>
-        <p:spPr>
-          <a:xfrm>
-            <a:off x="6120808" y="1290619"/>
-            <a:ext cx="4978115" cy="2760681"/>
-          </a:xfrm>
-          <a:prstGeom prst="rect">
-            <a:avLst/>
-          </a:prstGeom>
-        </p:spPr>
-      </p:pic>
-      <p:pic>
-        <p:nvPicPr>
-          <p:cNvPr id="9" name="Picture 8">
-            <a:extLst>
-              <a:ext uri="{FF2B5EF4-FFF2-40B4-BE49-F238E27FC236}">
-                <a16:creationId xmlns:a16="http://schemas.microsoft.com/office/drawing/2014/main" id="{86759B05-056D-DC45-9208-74F8AC9B5E98}"/>
-              </a:ext>
-            </a:extLst>
-          </p:cNvPr>
-          <p:cNvPicPr>
-            <a:picLocks noChangeAspect="1"/>
-          </p:cNvPicPr>
-          <p:nvPr/>
-        </p:nvPicPr>
-        <p:blipFill>
-          <a:blip r:embed="rId3"/>
-          <a:stretch>
-            <a:fillRect/>
-          </a:stretch>
-        </p:blipFill>
-        <p:spPr>
-          <a:xfrm>
-            <a:off x="6210300" y="4051300"/>
-            <a:ext cx="4762500" cy="2781300"/>
-          </a:xfrm>
-          <a:prstGeom prst="rect">
-            <a:avLst/>
-          </a:prstGeom>
-        </p:spPr>
-      </p:pic>
+            <a:pPr algn="ctr"/>
+            <a:r>
+              <a:rPr lang="en-US" dirty="0"/>
+              <a:t>ARIMA Models</a:t>
+            </a:r>
+          </a:p>
+        </p:txBody>
+      </p:sp>
     </p:spTree>
     <p:extLst>
       <p:ext uri="{BB962C8B-B14F-4D97-AF65-F5344CB8AC3E}">
-        <p14:creationId xmlns:p14="http://schemas.microsoft.com/office/powerpoint/2010/main" val="4219256112"/>
+        <p14:creationId xmlns:p14="http://schemas.microsoft.com/office/powerpoint/2010/main" val="2206707709"/>
       </p:ext>
     </p:extLst>
   </p:cSld>
@@ -8317,7 +9240,7 @@
         <p:spPr>
           <a:xfrm>
             <a:off x="0" y="-1"/>
-            <a:ext cx="10972800" cy="1194955"/>
+            <a:ext cx="9043988" cy="1194955"/>
           </a:xfrm>
         </p:spPr>
         <p:txBody>
@@ -8328,17 +9251,52 @@
           <a:p>
             <a:r>
               <a:rPr lang="en-US" dirty="0"/>
-              <a:t>Google Mobility Data</a:t>
+              <a:t>Model 1 - Seasonal Model</a:t>
+            </a:r>
+          </a:p>
+        </p:txBody>
+      </p:sp>
+      <p:sp>
+        <p:nvSpPr>
+          <p:cNvPr id="8" name="TextBox 7">
+            <a:extLst>
+              <a:ext uri="{FF2B5EF4-FFF2-40B4-BE49-F238E27FC236}">
+                <a16:creationId xmlns:a16="http://schemas.microsoft.com/office/drawing/2014/main" id="{F3C39332-A0FC-E744-AED3-49CF40294CC1}"/>
+              </a:ext>
+            </a:extLst>
+          </p:cNvPr>
+          <p:cNvSpPr txBox="1"/>
+          <p:nvPr/>
+        </p:nvSpPr>
+        <p:spPr>
+          <a:xfrm>
+            <a:off x="489916" y="2372038"/>
+            <a:ext cx="3381054" cy="369332"/>
+          </a:xfrm>
+          <a:prstGeom prst="rect">
+            <a:avLst/>
+          </a:prstGeom>
+          <a:noFill/>
+        </p:spPr>
+        <p:txBody>
+          <a:bodyPr wrap="none" rtlCol="0">
+            <a:spAutoFit/>
+          </a:bodyPr>
+          <a:lstStyle/>
+          <a:p>
+            <a:r>
+              <a:rPr lang="en-US" dirty="0"/>
+              <a:t>Remove Seasonality of 7 Days</a:t>
             </a:r>
           </a:p>
         </p:txBody>
       </p:sp>
       <p:pic>
         <p:nvPicPr>
-          <p:cNvPr id="11" name="Picture 10">
-            <a:extLst>
-              <a:ext uri="{FF2B5EF4-FFF2-40B4-BE49-F238E27FC236}">
-                <a16:creationId xmlns:a16="http://schemas.microsoft.com/office/drawing/2014/main" id="{64808595-2645-264D-A7B2-2A75D8C8C1F2}"/>
+          <p:cNvPr id="9" name="Picture 8">
+            <a:extLst>
+              <a:ext uri="{FF2B5EF4-FFF2-40B4-BE49-F238E27FC236}">
+                <a16:creationId xmlns:a16="http://schemas.microsoft.com/office/drawing/2014/main" id="{B95ECBC1-90F0-9342-AC98-543CCED592DB}"/>
               </a:ext>
             </a:extLst>
           </p:cNvPr>
@@ -8355,8 +9313,8 @@
         </p:blipFill>
         <p:spPr>
           <a:xfrm>
-            <a:off x="6096000" y="4051300"/>
-            <a:ext cx="4775200" cy="2806700"/>
+            <a:off x="4042066" y="1308161"/>
+            <a:ext cx="7200899" cy="2497086"/>
           </a:xfrm>
           <a:prstGeom prst="rect">
             <a:avLst/>
@@ -8365,10 +9323,10 @@
       </p:pic>
       <p:pic>
         <p:nvPicPr>
-          <p:cNvPr id="12" name="Picture 11">
-            <a:extLst>
-              <a:ext uri="{FF2B5EF4-FFF2-40B4-BE49-F238E27FC236}">
-                <a16:creationId xmlns:a16="http://schemas.microsoft.com/office/drawing/2014/main" id="{CD230E0B-03CE-1D43-8BC0-3EF291837820}"/>
+          <p:cNvPr id="11" name="Picture 10">
+            <a:extLst>
+              <a:ext uri="{FF2B5EF4-FFF2-40B4-BE49-F238E27FC236}">
+                <a16:creationId xmlns:a16="http://schemas.microsoft.com/office/drawing/2014/main" id="{BE9AD455-2C5C-0047-867F-1122C48C84FF}"/>
               </a:ext>
             </a:extLst>
           </p:cNvPr>
@@ -8385,114 +9343,48 @@
         </p:blipFill>
         <p:spPr>
           <a:xfrm>
-            <a:off x="6115050" y="1257300"/>
-            <a:ext cx="4737100" cy="2794000"/>
+            <a:off x="259773" y="4089231"/>
+            <a:ext cx="3505200" cy="2197100"/>
           </a:xfrm>
           <a:prstGeom prst="rect">
             <a:avLst/>
           </a:prstGeom>
         </p:spPr>
       </p:pic>
-      <p:sp>
-        <p:nvSpPr>
-          <p:cNvPr id="13" name="Content Placeholder 2">
-            <a:extLst>
-              <a:ext uri="{FF2B5EF4-FFF2-40B4-BE49-F238E27FC236}">
-                <a16:creationId xmlns:a16="http://schemas.microsoft.com/office/drawing/2014/main" id="{919CA40D-C309-2C40-81BC-0E1F6203D90A}"/>
-              </a:ext>
-            </a:extLst>
-          </p:cNvPr>
-          <p:cNvSpPr>
-            <a:spLocks noGrp="1"/>
-          </p:cNvSpPr>
-          <p:nvPr>
-            <p:ph idx="1"/>
-          </p:nvPr>
-        </p:nvSpPr>
-        <p:spPr>
-          <a:xfrm>
-            <a:off x="128587" y="1600200"/>
-            <a:ext cx="5799247" cy="4351337"/>
-          </a:xfrm>
-        </p:spPr>
-        <p:txBody>
-          <a:bodyPr/>
-          <a:lstStyle/>
-          <a:p>
-            <a:r>
-              <a:rPr lang="en-US" dirty="0"/>
-              <a:t>Mobility Data Categories Collected</a:t>
-            </a:r>
-          </a:p>
-          <a:p>
-            <a:pPr lvl="1"/>
-            <a:r>
-              <a:rPr lang="en-US" dirty="0"/>
-              <a:t>Retail and Recreation</a:t>
-            </a:r>
-          </a:p>
-          <a:p>
-            <a:pPr lvl="1"/>
-            <a:r>
-              <a:rPr lang="en-US" dirty="0"/>
-              <a:t>Grocery and Pharmacy</a:t>
-            </a:r>
-          </a:p>
-          <a:p>
-            <a:pPr lvl="1"/>
-            <a:r>
-              <a:rPr lang="en-US" dirty="0"/>
-              <a:t>Parks</a:t>
-            </a:r>
-          </a:p>
-          <a:p>
-            <a:pPr lvl="1"/>
-            <a:r>
-              <a:rPr lang="en-US" dirty="0"/>
-              <a:t>Transit Stations</a:t>
-            </a:r>
-          </a:p>
-          <a:p>
-            <a:pPr lvl="1"/>
-            <a:r>
-              <a:rPr lang="en-US" dirty="0"/>
-              <a:t>Workplaces</a:t>
-            </a:r>
-          </a:p>
-          <a:p>
-            <a:pPr lvl="1"/>
-            <a:r>
-              <a:rPr lang="en-US" dirty="0"/>
-              <a:t>Residential</a:t>
-            </a:r>
-          </a:p>
-          <a:p>
-            <a:r>
-              <a:rPr lang="en-US" dirty="0"/>
-              <a:t>Mean Mobility Plotted </a:t>
-            </a:r>
-          </a:p>
-          <a:p>
-            <a:pPr lvl="1"/>
-            <a:r>
-              <a:rPr lang="en-US" dirty="0"/>
-              <a:t>September 2020 – Present shown</a:t>
-            </a:r>
-          </a:p>
-          <a:p>
-            <a:pPr lvl="1"/>
-            <a:endParaRPr lang="en-US" dirty="0"/>
-          </a:p>
-          <a:p>
-            <a:pPr lvl="1"/>
-            <a:endParaRPr lang="en-US" dirty="0"/>
-          </a:p>
-        </p:txBody>
-      </p:sp>
+      <p:pic>
+        <p:nvPicPr>
+          <p:cNvPr id="17" name="Picture 16">
+            <a:extLst>
+              <a:ext uri="{FF2B5EF4-FFF2-40B4-BE49-F238E27FC236}">
+                <a16:creationId xmlns:a16="http://schemas.microsoft.com/office/drawing/2014/main" id="{E06B59BF-3CAB-6D4F-885C-D643F60877D9}"/>
+              </a:ext>
+            </a:extLst>
+          </p:cNvPr>
+          <p:cNvPicPr>
+            <a:picLocks noChangeAspect="1"/>
+          </p:cNvPicPr>
+          <p:nvPr/>
+        </p:nvPicPr>
+        <p:blipFill>
+          <a:blip r:embed="rId4"/>
+          <a:stretch>
+            <a:fillRect/>
+          </a:stretch>
+        </p:blipFill>
+        <p:spPr>
+          <a:xfrm>
+            <a:off x="4042065" y="3918454"/>
+            <a:ext cx="7200899" cy="2538655"/>
+          </a:xfrm>
+          <a:prstGeom prst="rect">
+            <a:avLst/>
+          </a:prstGeom>
+        </p:spPr>
+      </p:pic>
     </p:spTree>
     <p:extLst>
       <p:ext uri="{BB962C8B-B14F-4D97-AF65-F5344CB8AC3E}">
-        <p14:creationId xmlns:p14="http://schemas.microsoft.com/office/powerpoint/2010/main" val="3261071389"/>
+        <p14:creationId xmlns:p14="http://schemas.microsoft.com/office/powerpoint/2010/main" val="1964254580"/>
       </p:ext>
     </p:extLst>
   </p:cSld>
